--- a/_downloads/eff4543702662988687e4a8b43000245/stuurinformatie_workshop_7.pptx
+++ b/_downloads/eff4543702662988687e4a8b43000245/stuurinformatie_workshop_7.pptx
@@ -12,7 +12,7 @@
     <p:sldMasterId id="2147483678" r:id="rId11"/>
   </p:sldMasterIdLst>
   <p:notesMasterIdLst>
-    <p:notesMasterId r:id="rId25"/>
+    <p:notesMasterId r:id="rId23"/>
   </p:notesMasterIdLst>
   <p:sldIdLst>
     <p:sldId id="270" r:id="rId12"/>
@@ -21,13 +21,11 @@
     <p:sldId id="289" r:id="rId15"/>
     <p:sldId id="293" r:id="rId16"/>
     <p:sldId id="292" r:id="rId17"/>
-    <p:sldId id="290" r:id="rId18"/>
-    <p:sldId id="291" r:id="rId19"/>
-    <p:sldId id="283" r:id="rId20"/>
-    <p:sldId id="285" r:id="rId21"/>
-    <p:sldId id="288" r:id="rId22"/>
-    <p:sldId id="286" r:id="rId23"/>
-    <p:sldId id="287" r:id="rId24"/>
+    <p:sldId id="283" r:id="rId18"/>
+    <p:sldId id="285" r:id="rId19"/>
+    <p:sldId id="288" r:id="rId20"/>
+    <p:sldId id="286" r:id="rId21"/>
+    <p:sldId id="287" r:id="rId22"/>
   </p:sldIdLst>
   <p:sldSz cx="12192000" cy="6858000"/>
   <p:notesSz cx="6858000" cy="9144000"/>
@@ -137,8 +135,6 @@
             <p14:sldId id="289"/>
             <p14:sldId id="293"/>
             <p14:sldId id="292"/>
-            <p14:sldId id="290"/>
-            <p14:sldId id="291"/>
             <p14:sldId id="283"/>
             <p14:sldId id="285"/>
             <p14:sldId id="288"/>
@@ -3539,7 +3535,7 @@
           <a:p>
             <a:fld id="{D419DA4D-710C-8F4D-9125-F87DA00880AD}" type="datetimeFigureOut">
               <a:rPr lang="en-GB" smtClean="0"/>
-              <a:t>13/01/2025</a:t>
+              <a:t>26/05/2025</a:t>
             </a:fld>
             <a:endParaRPr lang="en-GB"/>
           </a:p>
@@ -6390,7 +6386,7 @@
           <a:p>
             <a:fld id="{E8ABC6CF-92E3-BF47-AF07-5910D5FCD12C}" type="datetime1">
               <a:rPr lang="nl-NL" smtClean="0"/>
-              <a:t>13-1-2025</a:t>
+              <a:t>26-5-2025</a:t>
             </a:fld>
             <a:endParaRPr lang="en-GB"/>
           </a:p>
@@ -6511,7 +6507,7 @@
           <a:p>
             <a:fld id="{7CFCE9FC-C9DD-4C47-80D7-5019C090391E}" type="datetime1">
               <a:rPr lang="nl-NL" smtClean="0"/>
-              <a:t>13-1-2025</a:t>
+              <a:t>26-5-2025</a:t>
             </a:fld>
             <a:endParaRPr lang="en-GB"/>
           </a:p>
@@ -6920,7 +6916,7 @@
           <a:p>
             <a:fld id="{429AA7CB-1B9C-334B-A3CC-74C926E69A35}" type="datetime1">
               <a:rPr lang="nl-NL" smtClean="0"/>
-              <a:t>13-1-2025</a:t>
+              <a:t>26-5-2025</a:t>
             </a:fld>
             <a:endParaRPr lang="en-GB"/>
           </a:p>
@@ -7041,7 +7037,7 @@
           <a:p>
             <a:fld id="{41C98ABD-4667-1B44-BAC3-A07BE72E1CB6}" type="datetime1">
               <a:rPr lang="nl-NL" smtClean="0"/>
-              <a:t>13-1-2025</a:t>
+              <a:t>26-5-2025</a:t>
             </a:fld>
             <a:endParaRPr lang="en-GB"/>
           </a:p>
@@ -7423,7 +7419,7 @@
           <a:p>
             <a:fld id="{3120EDDA-872D-314C-90C8-EDE890E1F49C}" type="datetime1">
               <a:rPr lang="nl-NL" smtClean="0"/>
-              <a:t>13-1-2025</a:t>
+              <a:t>26-5-2025</a:t>
             </a:fld>
             <a:endParaRPr lang="en-GB"/>
           </a:p>
@@ -7796,7 +7792,7 @@
           <a:p>
             <a:fld id="{3120EDDA-872D-314C-90C8-EDE890E1F49C}" type="datetime1">
               <a:rPr lang="nl-NL" smtClean="0"/>
-              <a:t>13-1-2025</a:t>
+              <a:t>26-5-2025</a:t>
             </a:fld>
             <a:endParaRPr lang="en-GB"/>
           </a:p>
@@ -8087,7 +8083,7 @@
           <a:p>
             <a:fld id="{C6111902-0205-EF40-BEB1-B333824E5572}" type="datetime1">
               <a:rPr lang="nl-NL" smtClean="0"/>
-              <a:t>13-1-2025</a:t>
+              <a:t>26-5-2025</a:t>
             </a:fld>
             <a:endParaRPr lang="en-GB"/>
           </a:p>
@@ -8398,7 +8394,7 @@
           <a:p>
             <a:fld id="{C6111902-0205-EF40-BEB1-B333824E5572}" type="datetime1">
               <a:rPr lang="nl-NL" smtClean="0"/>
-              <a:t>13-1-2025</a:t>
+              <a:t>26-5-2025</a:t>
             </a:fld>
             <a:endParaRPr lang="en-GB"/>
           </a:p>
@@ -8659,7 +8655,7 @@
           <a:p>
             <a:fld id="{72CE388F-804A-504A-8DB1-3735CB7C8802}" type="datetimeFigureOut">
               <a:rPr lang="en-GB" smtClean="0"/>
-              <a:t>13/01/2025</a:t>
+              <a:t>26/05/2025</a:t>
             </a:fld>
             <a:endParaRPr lang="en-GB"/>
           </a:p>
@@ -8943,7 +8939,7 @@
           <a:p>
             <a:fld id="{72CE388F-804A-504A-8DB1-3735CB7C8802}" type="datetimeFigureOut">
               <a:rPr lang="en-GB" smtClean="0"/>
-              <a:t>13/01/2025</a:t>
+              <a:t>26/05/2025</a:t>
             </a:fld>
             <a:endParaRPr lang="en-GB"/>
           </a:p>
@@ -9227,7 +9223,7 @@
           <a:p>
             <a:fld id="{72CE388F-804A-504A-8DB1-3735CB7C8802}" type="datetimeFigureOut">
               <a:rPr lang="en-GB" smtClean="0"/>
-              <a:t>13/01/2025</a:t>
+              <a:t>26/05/2025</a:t>
             </a:fld>
             <a:endParaRPr lang="en-GB"/>
           </a:p>
@@ -9510,7 +9506,7 @@
           <a:p>
             <a:fld id="{72CE388F-804A-504A-8DB1-3735CB7C8802}" type="datetimeFigureOut">
               <a:rPr lang="en-GB" smtClean="0"/>
-              <a:t>13/01/2025</a:t>
+              <a:t>26/05/2025</a:t>
             </a:fld>
             <a:endParaRPr lang="en-GB"/>
           </a:p>
@@ -9850,7 +9846,7 @@
           <a:p>
             <a:fld id="{72CE388F-804A-504A-8DB1-3735CB7C8802}" type="datetimeFigureOut">
               <a:rPr lang="en-GB" smtClean="0"/>
-              <a:t>13/01/2025</a:t>
+              <a:t>26/05/2025</a:t>
             </a:fld>
             <a:endParaRPr lang="en-GB"/>
           </a:p>
@@ -10190,7 +10186,7 @@
           <a:p>
             <a:fld id="{72CE388F-804A-504A-8DB1-3735CB7C8802}" type="datetimeFigureOut">
               <a:rPr lang="en-GB" smtClean="0"/>
-              <a:t>13/01/2025</a:t>
+              <a:t>26/05/2025</a:t>
             </a:fld>
             <a:endParaRPr lang="en-GB"/>
           </a:p>
@@ -10530,7 +10526,7 @@
           <a:p>
             <a:fld id="{72CE388F-804A-504A-8DB1-3735CB7C8802}" type="datetimeFigureOut">
               <a:rPr lang="en-GB" smtClean="0"/>
-              <a:t>13/01/2025</a:t>
+              <a:t>26/05/2025</a:t>
             </a:fld>
             <a:endParaRPr lang="en-GB"/>
           </a:p>
@@ -11485,7 +11481,7 @@
           <a:p>
             <a:fld id="{72CE388F-804A-504A-8DB1-3735CB7C8802}" type="datetimeFigureOut">
               <a:rPr lang="en-GB" smtClean="0"/>
-              <a:t>13/01/2025</a:t>
+              <a:t>26/05/2025</a:t>
             </a:fld>
             <a:endParaRPr lang="en-GB"/>
           </a:p>
@@ -16717,7 +16713,7 @@
           <a:p>
             <a:fld id="{7CFCE9FC-C9DD-4C47-80D7-5019C090391E}" type="datetime1">
               <a:rPr lang="nl-NL" smtClean="0"/>
-              <a:t>13-1-2025</a:t>
+              <a:t>26-5-2025</a:t>
             </a:fld>
             <a:endParaRPr lang="en-GB"/>
           </a:p>
@@ -17337,7 +17333,7 @@
           <a:p>
             <a:fld id="{72CE388F-804A-504A-8DB1-3735CB7C8802}" type="datetimeFigureOut">
               <a:rPr lang="en-GB" smtClean="0"/>
-              <a:t>13/01/2025</a:t>
+              <a:t>26/05/2025</a:t>
             </a:fld>
             <a:endParaRPr lang="en-GB"/>
           </a:p>
@@ -18656,2192 +18652,6 @@
   <p:cSld>
     <p:spTree>
       <p:nvGrpSpPr>
-        <p:cNvPr id="1" name=""/>
-        <p:cNvGrpSpPr/>
-        <p:nvPr/>
-      </p:nvGrpSpPr>
-      <p:grpSpPr>
-        <a:xfrm>
-          <a:off x="0" y="0"/>
-          <a:ext cx="0" cy="0"/>
-          <a:chOff x="0" y="0"/>
-          <a:chExt cx="0" cy="0"/>
-        </a:xfrm>
-      </p:grpSpPr>
-      <p:sp>
-        <p:nvSpPr>
-          <p:cNvPr id="2" name="Tijdelijke aanduiding voor datum 1">
-            <a:extLst>
-              <a:ext uri="{FF2B5EF4-FFF2-40B4-BE49-F238E27FC236}">
-                <a16:creationId xmlns:a16="http://schemas.microsoft.com/office/drawing/2014/main" id="{E69BEAD6-AE56-844C-88A5-3466D13843D7}"/>
-              </a:ext>
-            </a:extLst>
-          </p:cNvPr>
-          <p:cNvSpPr>
-            <a:spLocks noGrp="1"/>
-          </p:cNvSpPr>
-          <p:nvPr>
-            <p:ph type="dt" sz="half" idx="10"/>
-          </p:nvPr>
-        </p:nvSpPr>
-        <p:spPr/>
-        <p:txBody>
-          <a:bodyPr/>
-          <a:lstStyle/>
-          <a:p>
-            <a:fld id="{7CFCE9FC-C9DD-4C47-80D7-5019C090391E}" type="datetime1">
-              <a:rPr lang="nl-NL" smtClean="0"/>
-              <a:t>13-1-2025</a:t>
-            </a:fld>
-            <a:endParaRPr lang="en-GB"/>
-          </a:p>
-        </p:txBody>
-      </p:sp>
-      <p:sp>
-        <p:nvSpPr>
-          <p:cNvPr id="3" name="Tijdelijke aanduiding voor voettekst 2">
-            <a:extLst>
-              <a:ext uri="{FF2B5EF4-FFF2-40B4-BE49-F238E27FC236}">
-                <a16:creationId xmlns:a16="http://schemas.microsoft.com/office/drawing/2014/main" id="{6C6463F7-A8FD-5F4B-90E5-B94E79141122}"/>
-              </a:ext>
-            </a:extLst>
-          </p:cNvPr>
-          <p:cNvSpPr>
-            <a:spLocks noGrp="1"/>
-          </p:cNvSpPr>
-          <p:nvPr>
-            <p:ph type="ftr" sz="quarter" idx="11"/>
-          </p:nvPr>
-        </p:nvSpPr>
-        <p:spPr/>
-        <p:txBody>
-          <a:bodyPr/>
-          <a:lstStyle/>
-          <a:p>
-            <a:r>
-              <a:rPr lang="en-GB" dirty="0" err="1"/>
-              <a:t>Datageletterdheid</a:t>
-            </a:r>
-            <a:endParaRPr lang="en-GB" dirty="0"/>
-          </a:p>
-        </p:txBody>
-      </p:sp>
-      <p:sp>
-        <p:nvSpPr>
-          <p:cNvPr id="4" name="Tijdelijke aanduiding voor dianummer 3">
-            <a:extLst>
-              <a:ext uri="{FF2B5EF4-FFF2-40B4-BE49-F238E27FC236}">
-                <a16:creationId xmlns:a16="http://schemas.microsoft.com/office/drawing/2014/main" id="{EBAAD183-6BCF-2645-B9BB-CBAB0FD26A04}"/>
-              </a:ext>
-            </a:extLst>
-          </p:cNvPr>
-          <p:cNvSpPr>
-            <a:spLocks noGrp="1"/>
-          </p:cNvSpPr>
-          <p:nvPr>
-            <p:ph type="sldNum" sz="quarter" idx="12"/>
-          </p:nvPr>
-        </p:nvSpPr>
-        <p:spPr/>
-        <p:txBody>
-          <a:bodyPr/>
-          <a:lstStyle/>
-          <a:p>
-            <a:fld id="{96C9D0BA-D606-4546-9748-B07575EFE9B6}" type="slidenum">
-              <a:rPr lang="en-GB" smtClean="0"/>
-              <a:t>10</a:t>
-            </a:fld>
-            <a:endParaRPr lang="en-GB"/>
-          </a:p>
-        </p:txBody>
-      </p:sp>
-      <p:sp>
-        <p:nvSpPr>
-          <p:cNvPr id="5" name="Titel 4">
-            <a:extLst>
-              <a:ext uri="{FF2B5EF4-FFF2-40B4-BE49-F238E27FC236}">
-                <a16:creationId xmlns:a16="http://schemas.microsoft.com/office/drawing/2014/main" id="{AF22ADAA-A962-8944-AD14-23A328386956}"/>
-              </a:ext>
-            </a:extLst>
-          </p:cNvPr>
-          <p:cNvSpPr>
-            <a:spLocks noGrp="1"/>
-          </p:cNvSpPr>
-          <p:nvPr>
-            <p:ph type="title"/>
-          </p:nvPr>
-        </p:nvSpPr>
-        <p:spPr/>
-        <p:txBody>
-          <a:bodyPr/>
-          <a:lstStyle/>
-          <a:p>
-            <a:r>
-              <a:rPr lang="en-GB" dirty="0" err="1"/>
-              <a:t>Werkwijze</a:t>
-            </a:r>
-            <a:endParaRPr lang="en-GB" dirty="0"/>
-          </a:p>
-        </p:txBody>
-      </p:sp>
-      <p:pic>
-        <p:nvPicPr>
-          <p:cNvPr id="10" name="Content Placeholder 9" descr="A orange person icon on a black background&#10;&#10;Description automatically generated">
-            <a:extLst>
-              <a:ext uri="{FF2B5EF4-FFF2-40B4-BE49-F238E27FC236}">
-                <a16:creationId xmlns:a16="http://schemas.microsoft.com/office/drawing/2014/main" id="{22CD06BE-3A40-7A53-99F9-31EBB262456D}"/>
-              </a:ext>
-            </a:extLst>
-          </p:cNvPr>
-          <p:cNvPicPr>
-            <a:picLocks noGrp="1" noChangeAspect="1"/>
-          </p:cNvPicPr>
-          <p:nvPr>
-            <p:ph idx="1"/>
-          </p:nvPr>
-        </p:nvPicPr>
-        <p:blipFill>
-          <a:blip r:embed="rId2"/>
-          <a:stretch>
-            <a:fillRect/>
-          </a:stretch>
-        </p:blipFill>
-        <p:spPr>
-          <a:xfrm>
-            <a:off x="1185214" y="2127938"/>
-            <a:ext cx="516141" cy="516141"/>
-          </a:xfrm>
-        </p:spPr>
-      </p:pic>
-      <p:pic>
-        <p:nvPicPr>
-          <p:cNvPr id="12" name="Picture 11" descr="A white table with legs&#10;&#10;Description automatically generated">
-            <a:extLst>
-              <a:ext uri="{FF2B5EF4-FFF2-40B4-BE49-F238E27FC236}">
-                <a16:creationId xmlns:a16="http://schemas.microsoft.com/office/drawing/2014/main" id="{12A5E76E-5444-D820-BB54-B296177B8E50}"/>
-              </a:ext>
-            </a:extLst>
-          </p:cNvPr>
-          <p:cNvPicPr>
-            <a:picLocks noChangeAspect="1"/>
-          </p:cNvPicPr>
-          <p:nvPr/>
-        </p:nvPicPr>
-        <p:blipFill>
-          <a:blip r:embed="rId3"/>
-          <a:stretch>
-            <a:fillRect/>
-          </a:stretch>
-        </p:blipFill>
-        <p:spPr>
-          <a:xfrm>
-            <a:off x="1595535" y="2367348"/>
-            <a:ext cx="1035698" cy="1035698"/>
-          </a:xfrm>
-          <a:prstGeom prst="rect">
-            <a:avLst/>
-          </a:prstGeom>
-        </p:spPr>
-      </p:pic>
-      <p:pic>
-        <p:nvPicPr>
-          <p:cNvPr id="13" name="Content Placeholder 9" descr="A orange person icon on a black background&#10;&#10;Description automatically generated">
-            <a:extLst>
-              <a:ext uri="{FF2B5EF4-FFF2-40B4-BE49-F238E27FC236}">
-                <a16:creationId xmlns:a16="http://schemas.microsoft.com/office/drawing/2014/main" id="{B4460C7A-4DB3-D4BA-1797-FCC1133B6E1A}"/>
-              </a:ext>
-            </a:extLst>
-          </p:cNvPr>
-          <p:cNvPicPr>
-            <a:picLocks noChangeAspect="1"/>
-          </p:cNvPicPr>
-          <p:nvPr/>
-        </p:nvPicPr>
-        <p:blipFill>
-          <a:blip r:embed="rId2"/>
-          <a:stretch>
-            <a:fillRect/>
-          </a:stretch>
-        </p:blipFill>
-        <p:spPr>
-          <a:xfrm>
-            <a:off x="1175884" y="2785936"/>
-            <a:ext cx="516141" cy="516141"/>
-          </a:xfrm>
-          <a:prstGeom prst="rect">
-            <a:avLst/>
-          </a:prstGeom>
-        </p:spPr>
-      </p:pic>
-      <p:pic>
-        <p:nvPicPr>
-          <p:cNvPr id="14" name="Content Placeholder 9" descr="A orange person icon on a black background&#10;&#10;Description automatically generated">
-            <a:extLst>
-              <a:ext uri="{FF2B5EF4-FFF2-40B4-BE49-F238E27FC236}">
-                <a16:creationId xmlns:a16="http://schemas.microsoft.com/office/drawing/2014/main" id="{5C270A01-1521-C20D-B5FF-F01B6F666CF2}"/>
-              </a:ext>
-            </a:extLst>
-          </p:cNvPr>
-          <p:cNvPicPr>
-            <a:picLocks noChangeAspect="1"/>
-          </p:cNvPicPr>
-          <p:nvPr/>
-        </p:nvPicPr>
-        <p:blipFill>
-          <a:blip r:embed="rId2"/>
-          <a:stretch>
-            <a:fillRect/>
-          </a:stretch>
-        </p:blipFill>
-        <p:spPr>
-          <a:xfrm>
-            <a:off x="2699508" y="2022267"/>
-            <a:ext cx="516141" cy="516141"/>
-          </a:xfrm>
-          <a:prstGeom prst="rect">
-            <a:avLst/>
-          </a:prstGeom>
-        </p:spPr>
-      </p:pic>
-      <p:pic>
-        <p:nvPicPr>
-          <p:cNvPr id="15" name="Content Placeholder 9" descr="A orange person icon on a black background&#10;&#10;Description automatically generated">
-            <a:extLst>
-              <a:ext uri="{FF2B5EF4-FFF2-40B4-BE49-F238E27FC236}">
-                <a16:creationId xmlns:a16="http://schemas.microsoft.com/office/drawing/2014/main" id="{3FF4B594-66F9-3475-9718-DEC9EBD36705}"/>
-              </a:ext>
-            </a:extLst>
-          </p:cNvPr>
-          <p:cNvPicPr>
-            <a:picLocks noChangeAspect="1"/>
-          </p:cNvPicPr>
-          <p:nvPr/>
-        </p:nvPicPr>
-        <p:blipFill>
-          <a:blip r:embed="rId2"/>
-          <a:stretch>
-            <a:fillRect/>
-          </a:stretch>
-        </p:blipFill>
-        <p:spPr>
-          <a:xfrm>
-            <a:off x="2699507" y="2644079"/>
-            <a:ext cx="516141" cy="516141"/>
-          </a:xfrm>
-          <a:prstGeom prst="rect">
-            <a:avLst/>
-          </a:prstGeom>
-        </p:spPr>
-      </p:pic>
-      <p:pic>
-        <p:nvPicPr>
-          <p:cNvPr id="17" name="Picture 16" descr="A yellow square with black corner&#10;&#10;Description automatically generated">
-            <a:extLst>
-              <a:ext uri="{FF2B5EF4-FFF2-40B4-BE49-F238E27FC236}">
-                <a16:creationId xmlns:a16="http://schemas.microsoft.com/office/drawing/2014/main" id="{ABA1EA0F-7265-AEA8-1B72-15F2A7BF98FA}"/>
-              </a:ext>
-            </a:extLst>
-          </p:cNvPr>
-          <p:cNvPicPr>
-            <a:picLocks noChangeAspect="1"/>
-          </p:cNvPicPr>
-          <p:nvPr/>
-        </p:nvPicPr>
-        <p:blipFill>
-          <a:blip r:embed="rId4"/>
-          <a:stretch>
-            <a:fillRect/>
-          </a:stretch>
-        </p:blipFill>
-        <p:spPr>
-          <a:xfrm>
-            <a:off x="1760300" y="2421327"/>
-            <a:ext cx="180506" cy="180506"/>
-          </a:xfrm>
-          <a:prstGeom prst="rect">
-            <a:avLst/>
-          </a:prstGeom>
-        </p:spPr>
-      </p:pic>
-      <p:pic>
-        <p:nvPicPr>
-          <p:cNvPr id="18" name="Content Placeholder 9" descr="A orange person icon on a black background&#10;&#10;Description automatically generated">
-            <a:extLst>
-              <a:ext uri="{FF2B5EF4-FFF2-40B4-BE49-F238E27FC236}">
-                <a16:creationId xmlns:a16="http://schemas.microsoft.com/office/drawing/2014/main" id="{A42F5519-A04E-7021-7BCF-71D56E45D21D}"/>
-              </a:ext>
-            </a:extLst>
-          </p:cNvPr>
-          <p:cNvPicPr>
-            <a:picLocks noChangeAspect="1"/>
-          </p:cNvPicPr>
-          <p:nvPr/>
-        </p:nvPicPr>
-        <p:blipFill>
-          <a:blip r:embed="rId2"/>
-          <a:stretch>
-            <a:fillRect/>
-          </a:stretch>
-        </p:blipFill>
-        <p:spPr>
-          <a:xfrm>
-            <a:off x="4649981" y="1337441"/>
-            <a:ext cx="516141" cy="516141"/>
-          </a:xfrm>
-          <a:prstGeom prst="rect">
-            <a:avLst/>
-          </a:prstGeom>
-        </p:spPr>
-      </p:pic>
-      <p:pic>
-        <p:nvPicPr>
-          <p:cNvPr id="19" name="Picture 18" descr="A white table with legs&#10;&#10;Description automatically generated">
-            <a:extLst>
-              <a:ext uri="{FF2B5EF4-FFF2-40B4-BE49-F238E27FC236}">
-                <a16:creationId xmlns:a16="http://schemas.microsoft.com/office/drawing/2014/main" id="{DA29E38B-D377-79AC-96E3-9A55AAB05ABB}"/>
-              </a:ext>
-            </a:extLst>
-          </p:cNvPr>
-          <p:cNvPicPr>
-            <a:picLocks noChangeAspect="1"/>
-          </p:cNvPicPr>
-          <p:nvPr/>
-        </p:nvPicPr>
-        <p:blipFill>
-          <a:blip r:embed="rId3"/>
-          <a:stretch>
-            <a:fillRect/>
-          </a:stretch>
-        </p:blipFill>
-        <p:spPr>
-          <a:xfrm>
-            <a:off x="5060302" y="1576851"/>
-            <a:ext cx="1035698" cy="1035698"/>
-          </a:xfrm>
-          <a:prstGeom prst="rect">
-            <a:avLst/>
-          </a:prstGeom>
-        </p:spPr>
-      </p:pic>
-      <p:pic>
-        <p:nvPicPr>
-          <p:cNvPr id="20" name="Content Placeholder 9" descr="A orange person icon on a black background&#10;&#10;Description automatically generated">
-            <a:extLst>
-              <a:ext uri="{FF2B5EF4-FFF2-40B4-BE49-F238E27FC236}">
-                <a16:creationId xmlns:a16="http://schemas.microsoft.com/office/drawing/2014/main" id="{5A05342A-BCE2-FAF5-12C9-3DC563906C28}"/>
-              </a:ext>
-            </a:extLst>
-          </p:cNvPr>
-          <p:cNvPicPr>
-            <a:picLocks noChangeAspect="1"/>
-          </p:cNvPicPr>
-          <p:nvPr/>
-        </p:nvPicPr>
-        <p:blipFill>
-          <a:blip r:embed="rId2"/>
-          <a:stretch>
-            <a:fillRect/>
-          </a:stretch>
-        </p:blipFill>
-        <p:spPr>
-          <a:xfrm>
-            <a:off x="4640651" y="1995439"/>
-            <a:ext cx="516141" cy="516141"/>
-          </a:xfrm>
-          <a:prstGeom prst="rect">
-            <a:avLst/>
-          </a:prstGeom>
-        </p:spPr>
-      </p:pic>
-      <p:pic>
-        <p:nvPicPr>
-          <p:cNvPr id="21" name="Content Placeholder 9" descr="A orange person icon on a black background&#10;&#10;Description automatically generated">
-            <a:extLst>
-              <a:ext uri="{FF2B5EF4-FFF2-40B4-BE49-F238E27FC236}">
-                <a16:creationId xmlns:a16="http://schemas.microsoft.com/office/drawing/2014/main" id="{03F67A37-5F1B-08E1-1A94-54EB2D8504A1}"/>
-              </a:ext>
-            </a:extLst>
-          </p:cNvPr>
-          <p:cNvPicPr>
-            <a:picLocks noChangeAspect="1"/>
-          </p:cNvPicPr>
-          <p:nvPr/>
-        </p:nvPicPr>
-        <p:blipFill>
-          <a:blip r:embed="rId2"/>
-          <a:stretch>
-            <a:fillRect/>
-          </a:stretch>
-        </p:blipFill>
-        <p:spPr>
-          <a:xfrm>
-            <a:off x="6164275" y="1231770"/>
-            <a:ext cx="516141" cy="516141"/>
-          </a:xfrm>
-          <a:prstGeom prst="rect">
-            <a:avLst/>
-          </a:prstGeom>
-        </p:spPr>
-      </p:pic>
-      <p:pic>
-        <p:nvPicPr>
-          <p:cNvPr id="22" name="Content Placeholder 9" descr="A orange person icon on a black background&#10;&#10;Description automatically generated">
-            <a:extLst>
-              <a:ext uri="{FF2B5EF4-FFF2-40B4-BE49-F238E27FC236}">
-                <a16:creationId xmlns:a16="http://schemas.microsoft.com/office/drawing/2014/main" id="{C5AEA9EF-CFF0-68D7-1882-C71FC333260C}"/>
-              </a:ext>
-            </a:extLst>
-          </p:cNvPr>
-          <p:cNvPicPr>
-            <a:picLocks noChangeAspect="1"/>
-          </p:cNvPicPr>
-          <p:nvPr/>
-        </p:nvPicPr>
-        <p:blipFill>
-          <a:blip r:embed="rId2"/>
-          <a:stretch>
-            <a:fillRect/>
-          </a:stretch>
-        </p:blipFill>
-        <p:spPr>
-          <a:xfrm>
-            <a:off x="6164274" y="1853582"/>
-            <a:ext cx="516141" cy="516141"/>
-          </a:xfrm>
-          <a:prstGeom prst="rect">
-            <a:avLst/>
-          </a:prstGeom>
-        </p:spPr>
-      </p:pic>
-      <p:pic>
-        <p:nvPicPr>
-          <p:cNvPr id="23" name="Content Placeholder 9" descr="A orange person icon on a black background&#10;&#10;Description automatically generated">
-            <a:extLst>
-              <a:ext uri="{FF2B5EF4-FFF2-40B4-BE49-F238E27FC236}">
-                <a16:creationId xmlns:a16="http://schemas.microsoft.com/office/drawing/2014/main" id="{90B7AC3A-42DE-A5A9-9BA6-345E99EFE1E3}"/>
-              </a:ext>
-            </a:extLst>
-          </p:cNvPr>
-          <p:cNvPicPr>
-            <a:picLocks noChangeAspect="1"/>
-          </p:cNvPicPr>
-          <p:nvPr/>
-        </p:nvPicPr>
-        <p:blipFill>
-          <a:blip r:embed="rId2"/>
-          <a:stretch>
-            <a:fillRect/>
-          </a:stretch>
-        </p:blipFill>
-        <p:spPr>
-          <a:xfrm>
-            <a:off x="7743079" y="3036801"/>
-            <a:ext cx="516141" cy="516141"/>
-          </a:xfrm>
-          <a:prstGeom prst="rect">
-            <a:avLst/>
-          </a:prstGeom>
-        </p:spPr>
-      </p:pic>
-      <p:pic>
-        <p:nvPicPr>
-          <p:cNvPr id="24" name="Picture 23" descr="A white table with legs&#10;&#10;Description automatically generated">
-            <a:extLst>
-              <a:ext uri="{FF2B5EF4-FFF2-40B4-BE49-F238E27FC236}">
-                <a16:creationId xmlns:a16="http://schemas.microsoft.com/office/drawing/2014/main" id="{FBD0B996-5F39-3497-2909-CD1F0F9FE03E}"/>
-              </a:ext>
-            </a:extLst>
-          </p:cNvPr>
-          <p:cNvPicPr>
-            <a:picLocks noChangeAspect="1"/>
-          </p:cNvPicPr>
-          <p:nvPr/>
-        </p:nvPicPr>
-        <p:blipFill>
-          <a:blip r:embed="rId3"/>
-          <a:stretch>
-            <a:fillRect/>
-          </a:stretch>
-        </p:blipFill>
-        <p:spPr>
-          <a:xfrm>
-            <a:off x="8153400" y="3276211"/>
-            <a:ext cx="1035698" cy="1035698"/>
-          </a:xfrm>
-          <a:prstGeom prst="rect">
-            <a:avLst/>
-          </a:prstGeom>
-        </p:spPr>
-      </p:pic>
-      <p:pic>
-        <p:nvPicPr>
-          <p:cNvPr id="25" name="Content Placeholder 9" descr="A orange person icon on a black background&#10;&#10;Description automatically generated">
-            <a:extLst>
-              <a:ext uri="{FF2B5EF4-FFF2-40B4-BE49-F238E27FC236}">
-                <a16:creationId xmlns:a16="http://schemas.microsoft.com/office/drawing/2014/main" id="{163201B4-956A-B7A5-45CB-18F20D835BC6}"/>
-              </a:ext>
-            </a:extLst>
-          </p:cNvPr>
-          <p:cNvPicPr>
-            <a:picLocks noChangeAspect="1"/>
-          </p:cNvPicPr>
-          <p:nvPr/>
-        </p:nvPicPr>
-        <p:blipFill>
-          <a:blip r:embed="rId2"/>
-          <a:stretch>
-            <a:fillRect/>
-          </a:stretch>
-        </p:blipFill>
-        <p:spPr>
-          <a:xfrm>
-            <a:off x="7733749" y="3694799"/>
-            <a:ext cx="516141" cy="516141"/>
-          </a:xfrm>
-          <a:prstGeom prst="rect">
-            <a:avLst/>
-          </a:prstGeom>
-        </p:spPr>
-      </p:pic>
-      <p:pic>
-        <p:nvPicPr>
-          <p:cNvPr id="26" name="Content Placeholder 9" descr="A orange person icon on a black background&#10;&#10;Description automatically generated">
-            <a:extLst>
-              <a:ext uri="{FF2B5EF4-FFF2-40B4-BE49-F238E27FC236}">
-                <a16:creationId xmlns:a16="http://schemas.microsoft.com/office/drawing/2014/main" id="{ED611465-C038-651D-6FD4-D63FC04F15E4}"/>
-              </a:ext>
-            </a:extLst>
-          </p:cNvPr>
-          <p:cNvPicPr>
-            <a:picLocks noChangeAspect="1"/>
-          </p:cNvPicPr>
-          <p:nvPr/>
-        </p:nvPicPr>
-        <p:blipFill>
-          <a:blip r:embed="rId2"/>
-          <a:stretch>
-            <a:fillRect/>
-          </a:stretch>
-        </p:blipFill>
-        <p:spPr>
-          <a:xfrm>
-            <a:off x="9257373" y="2931130"/>
-            <a:ext cx="516141" cy="516141"/>
-          </a:xfrm>
-          <a:prstGeom prst="rect">
-            <a:avLst/>
-          </a:prstGeom>
-        </p:spPr>
-      </p:pic>
-      <p:pic>
-        <p:nvPicPr>
-          <p:cNvPr id="27" name="Content Placeholder 9" descr="A orange person icon on a black background&#10;&#10;Description automatically generated">
-            <a:extLst>
-              <a:ext uri="{FF2B5EF4-FFF2-40B4-BE49-F238E27FC236}">
-                <a16:creationId xmlns:a16="http://schemas.microsoft.com/office/drawing/2014/main" id="{B26B1C3A-BDC6-8767-1F58-A08770BC9834}"/>
-              </a:ext>
-            </a:extLst>
-          </p:cNvPr>
-          <p:cNvPicPr>
-            <a:picLocks noChangeAspect="1"/>
-          </p:cNvPicPr>
-          <p:nvPr/>
-        </p:nvPicPr>
-        <p:blipFill>
-          <a:blip r:embed="rId2"/>
-          <a:stretch>
-            <a:fillRect/>
-          </a:stretch>
-        </p:blipFill>
-        <p:spPr>
-          <a:xfrm>
-            <a:off x="9257372" y="3552942"/>
-            <a:ext cx="516141" cy="516141"/>
-          </a:xfrm>
-          <a:prstGeom prst="rect">
-            <a:avLst/>
-          </a:prstGeom>
-        </p:spPr>
-      </p:pic>
-      <p:pic>
-        <p:nvPicPr>
-          <p:cNvPr id="28" name="Content Placeholder 9" descr="A orange person icon on a black background&#10;&#10;Description automatically generated">
-            <a:extLst>
-              <a:ext uri="{FF2B5EF4-FFF2-40B4-BE49-F238E27FC236}">
-                <a16:creationId xmlns:a16="http://schemas.microsoft.com/office/drawing/2014/main" id="{D3139E00-ABC2-DFD9-F971-ADCD879A2A54}"/>
-              </a:ext>
-            </a:extLst>
-          </p:cNvPr>
-          <p:cNvPicPr>
-            <a:picLocks noChangeAspect="1"/>
-          </p:cNvPicPr>
-          <p:nvPr/>
-        </p:nvPicPr>
-        <p:blipFill>
-          <a:blip r:embed="rId2"/>
-          <a:stretch>
-            <a:fillRect/>
-          </a:stretch>
-        </p:blipFill>
-        <p:spPr>
-          <a:xfrm>
-            <a:off x="3203962" y="4108255"/>
-            <a:ext cx="516141" cy="516141"/>
-          </a:xfrm>
-          <a:prstGeom prst="rect">
-            <a:avLst/>
-          </a:prstGeom>
-        </p:spPr>
-      </p:pic>
-      <p:pic>
-        <p:nvPicPr>
-          <p:cNvPr id="29" name="Picture 28" descr="A white table with legs&#10;&#10;Description automatically generated">
-            <a:extLst>
-              <a:ext uri="{FF2B5EF4-FFF2-40B4-BE49-F238E27FC236}">
-                <a16:creationId xmlns:a16="http://schemas.microsoft.com/office/drawing/2014/main" id="{380D25C6-7D92-F1E0-9230-8E60C3DB6B1B}"/>
-              </a:ext>
-            </a:extLst>
-          </p:cNvPr>
-          <p:cNvPicPr>
-            <a:picLocks noChangeAspect="1"/>
-          </p:cNvPicPr>
-          <p:nvPr/>
-        </p:nvPicPr>
-        <p:blipFill>
-          <a:blip r:embed="rId3"/>
-          <a:stretch>
-            <a:fillRect/>
-          </a:stretch>
-        </p:blipFill>
-        <p:spPr>
-          <a:xfrm>
-            <a:off x="3614283" y="4347665"/>
-            <a:ext cx="1035698" cy="1035698"/>
-          </a:xfrm>
-          <a:prstGeom prst="rect">
-            <a:avLst/>
-          </a:prstGeom>
-        </p:spPr>
-      </p:pic>
-      <p:pic>
-        <p:nvPicPr>
-          <p:cNvPr id="30" name="Content Placeholder 9" descr="A orange person icon on a black background&#10;&#10;Description automatically generated">
-            <a:extLst>
-              <a:ext uri="{FF2B5EF4-FFF2-40B4-BE49-F238E27FC236}">
-                <a16:creationId xmlns:a16="http://schemas.microsoft.com/office/drawing/2014/main" id="{62D0261F-7806-85AB-323E-C691D25CC675}"/>
-              </a:ext>
-            </a:extLst>
-          </p:cNvPr>
-          <p:cNvPicPr>
-            <a:picLocks noChangeAspect="1"/>
-          </p:cNvPicPr>
-          <p:nvPr/>
-        </p:nvPicPr>
-        <p:blipFill>
-          <a:blip r:embed="rId2"/>
-          <a:stretch>
-            <a:fillRect/>
-          </a:stretch>
-        </p:blipFill>
-        <p:spPr>
-          <a:xfrm>
-            <a:off x="3194632" y="4766253"/>
-            <a:ext cx="516141" cy="516141"/>
-          </a:xfrm>
-          <a:prstGeom prst="rect">
-            <a:avLst/>
-          </a:prstGeom>
-        </p:spPr>
-      </p:pic>
-      <p:pic>
-        <p:nvPicPr>
-          <p:cNvPr id="31" name="Content Placeholder 9" descr="A orange person icon on a black background&#10;&#10;Description automatically generated">
-            <a:extLst>
-              <a:ext uri="{FF2B5EF4-FFF2-40B4-BE49-F238E27FC236}">
-                <a16:creationId xmlns:a16="http://schemas.microsoft.com/office/drawing/2014/main" id="{01B6358F-F07D-12C1-34FE-9CE9255C491A}"/>
-              </a:ext>
-            </a:extLst>
-          </p:cNvPr>
-          <p:cNvPicPr>
-            <a:picLocks noChangeAspect="1"/>
-          </p:cNvPicPr>
-          <p:nvPr/>
-        </p:nvPicPr>
-        <p:blipFill>
-          <a:blip r:embed="rId2"/>
-          <a:stretch>
-            <a:fillRect/>
-          </a:stretch>
-        </p:blipFill>
-        <p:spPr>
-          <a:xfrm>
-            <a:off x="4718256" y="4002584"/>
-            <a:ext cx="516141" cy="516141"/>
-          </a:xfrm>
-          <a:prstGeom prst="rect">
-            <a:avLst/>
-          </a:prstGeom>
-        </p:spPr>
-      </p:pic>
-      <p:pic>
-        <p:nvPicPr>
-          <p:cNvPr id="32" name="Content Placeholder 9" descr="A orange person icon on a black background&#10;&#10;Description automatically generated">
-            <a:extLst>
-              <a:ext uri="{FF2B5EF4-FFF2-40B4-BE49-F238E27FC236}">
-                <a16:creationId xmlns:a16="http://schemas.microsoft.com/office/drawing/2014/main" id="{1968CE62-B297-C9D2-50D7-FA273B27973D}"/>
-              </a:ext>
-            </a:extLst>
-          </p:cNvPr>
-          <p:cNvPicPr>
-            <a:picLocks noChangeAspect="1"/>
-          </p:cNvPicPr>
-          <p:nvPr/>
-        </p:nvPicPr>
-        <p:blipFill>
-          <a:blip r:embed="rId2"/>
-          <a:stretch>
-            <a:fillRect/>
-          </a:stretch>
-        </p:blipFill>
-        <p:spPr>
-          <a:xfrm>
-            <a:off x="4718255" y="4624396"/>
-            <a:ext cx="516141" cy="516141"/>
-          </a:xfrm>
-          <a:prstGeom prst="rect">
-            <a:avLst/>
-          </a:prstGeom>
-        </p:spPr>
-      </p:pic>
-      <p:pic>
-        <p:nvPicPr>
-          <p:cNvPr id="6" name="Picture 5" descr="A yellow square with black corner&#10;&#10;Description automatically generated">
-            <a:extLst>
-              <a:ext uri="{FF2B5EF4-FFF2-40B4-BE49-F238E27FC236}">
-                <a16:creationId xmlns:a16="http://schemas.microsoft.com/office/drawing/2014/main" id="{F54CCF78-5617-E444-E2F9-0C11645D66F2}"/>
-              </a:ext>
-            </a:extLst>
-          </p:cNvPr>
-          <p:cNvPicPr>
-            <a:picLocks noChangeAspect="1"/>
-          </p:cNvPicPr>
-          <p:nvPr/>
-        </p:nvPicPr>
-        <p:blipFill>
-          <a:blip r:embed="rId4"/>
-          <a:stretch>
-            <a:fillRect/>
-          </a:stretch>
-        </p:blipFill>
-        <p:spPr>
-          <a:xfrm>
-            <a:off x="2270204" y="2545789"/>
-            <a:ext cx="180506" cy="180506"/>
-          </a:xfrm>
-          <a:prstGeom prst="rect">
-            <a:avLst/>
-          </a:prstGeom>
-        </p:spPr>
-      </p:pic>
-      <p:pic>
-        <p:nvPicPr>
-          <p:cNvPr id="7" name="Picture 6" descr="A yellow square with black corner&#10;&#10;Description automatically generated">
-            <a:extLst>
-              <a:ext uri="{FF2B5EF4-FFF2-40B4-BE49-F238E27FC236}">
-                <a16:creationId xmlns:a16="http://schemas.microsoft.com/office/drawing/2014/main" id="{184B233E-7D4F-8F7C-2718-367D6C2CA587}"/>
-              </a:ext>
-            </a:extLst>
-          </p:cNvPr>
-          <p:cNvPicPr>
-            <a:picLocks noChangeAspect="1"/>
-          </p:cNvPicPr>
-          <p:nvPr/>
-        </p:nvPicPr>
-        <p:blipFill>
-          <a:blip r:embed="rId4"/>
-          <a:stretch>
-            <a:fillRect/>
-          </a:stretch>
-        </p:blipFill>
-        <p:spPr>
-          <a:xfrm>
-            <a:off x="3720103" y="4428472"/>
-            <a:ext cx="180506" cy="180506"/>
-          </a:xfrm>
-          <a:prstGeom prst="rect">
-            <a:avLst/>
-          </a:prstGeom>
-        </p:spPr>
-      </p:pic>
-      <p:pic>
-        <p:nvPicPr>
-          <p:cNvPr id="8" name="Picture 7" descr="A yellow square with black corner&#10;&#10;Description automatically generated">
-            <a:extLst>
-              <a:ext uri="{FF2B5EF4-FFF2-40B4-BE49-F238E27FC236}">
-                <a16:creationId xmlns:a16="http://schemas.microsoft.com/office/drawing/2014/main" id="{447A6731-EAD1-81FF-83E3-B7AB4D874786}"/>
-              </a:ext>
-            </a:extLst>
-          </p:cNvPr>
-          <p:cNvPicPr>
-            <a:picLocks noChangeAspect="1"/>
-          </p:cNvPicPr>
-          <p:nvPr/>
-        </p:nvPicPr>
-        <p:blipFill>
-          <a:blip r:embed="rId4"/>
-          <a:stretch>
-            <a:fillRect/>
-          </a:stretch>
-        </p:blipFill>
-        <p:spPr>
-          <a:xfrm>
-            <a:off x="4333731" y="4554239"/>
-            <a:ext cx="180506" cy="180506"/>
-          </a:xfrm>
-          <a:prstGeom prst="rect">
-            <a:avLst/>
-          </a:prstGeom>
-        </p:spPr>
-      </p:pic>
-      <p:pic>
-        <p:nvPicPr>
-          <p:cNvPr id="9" name="Picture 8" descr="A yellow square with black corner&#10;&#10;Description automatically generated">
-            <a:extLst>
-              <a:ext uri="{FF2B5EF4-FFF2-40B4-BE49-F238E27FC236}">
-                <a16:creationId xmlns:a16="http://schemas.microsoft.com/office/drawing/2014/main" id="{F65D2F57-ED09-C2AE-31DB-5232973AE639}"/>
-              </a:ext>
-            </a:extLst>
-          </p:cNvPr>
-          <p:cNvPicPr>
-            <a:picLocks noChangeAspect="1"/>
-          </p:cNvPicPr>
-          <p:nvPr/>
-        </p:nvPicPr>
-        <p:blipFill>
-          <a:blip r:embed="rId4"/>
-          <a:stretch>
-            <a:fillRect/>
-          </a:stretch>
-        </p:blipFill>
-        <p:spPr>
-          <a:xfrm>
-            <a:off x="5242788" y="1880859"/>
-            <a:ext cx="180506" cy="180506"/>
-          </a:xfrm>
-          <a:prstGeom prst="rect">
-            <a:avLst/>
-          </a:prstGeom>
-        </p:spPr>
-      </p:pic>
-      <p:pic>
-        <p:nvPicPr>
-          <p:cNvPr id="11" name="Picture 10" descr="A yellow square with black corner&#10;&#10;Description automatically generated">
-            <a:extLst>
-              <a:ext uri="{FF2B5EF4-FFF2-40B4-BE49-F238E27FC236}">
-                <a16:creationId xmlns:a16="http://schemas.microsoft.com/office/drawing/2014/main" id="{5F3D3C4B-65BA-3576-9A7F-EDD820BF90BD}"/>
-              </a:ext>
-            </a:extLst>
-          </p:cNvPr>
-          <p:cNvPicPr>
-            <a:picLocks noChangeAspect="1"/>
-          </p:cNvPicPr>
-          <p:nvPr/>
-        </p:nvPicPr>
-        <p:blipFill>
-          <a:blip r:embed="rId4"/>
-          <a:stretch>
-            <a:fillRect/>
-          </a:stretch>
-        </p:blipFill>
-        <p:spPr>
-          <a:xfrm>
-            <a:off x="5859378" y="1690688"/>
-            <a:ext cx="180506" cy="180506"/>
-          </a:xfrm>
-          <a:prstGeom prst="rect">
-            <a:avLst/>
-          </a:prstGeom>
-        </p:spPr>
-      </p:pic>
-      <p:pic>
-        <p:nvPicPr>
-          <p:cNvPr id="16" name="Picture 15" descr="A yellow square with black corner&#10;&#10;Description automatically generated">
-            <a:extLst>
-              <a:ext uri="{FF2B5EF4-FFF2-40B4-BE49-F238E27FC236}">
-                <a16:creationId xmlns:a16="http://schemas.microsoft.com/office/drawing/2014/main" id="{0384E152-5A6D-EA76-C9C8-842D28C275C3}"/>
-              </a:ext>
-            </a:extLst>
-          </p:cNvPr>
-          <p:cNvPicPr>
-            <a:picLocks noChangeAspect="1"/>
-          </p:cNvPicPr>
-          <p:nvPr/>
-        </p:nvPicPr>
-        <p:blipFill>
-          <a:blip r:embed="rId4"/>
-          <a:stretch>
-            <a:fillRect/>
-          </a:stretch>
-        </p:blipFill>
-        <p:spPr>
-          <a:xfrm>
-            <a:off x="8259220" y="3326684"/>
-            <a:ext cx="180506" cy="180506"/>
-          </a:xfrm>
-          <a:prstGeom prst="rect">
-            <a:avLst/>
-          </a:prstGeom>
-        </p:spPr>
-      </p:pic>
-      <p:pic>
-        <p:nvPicPr>
-          <p:cNvPr id="33" name="Picture 32" descr="A yellow square with black corner&#10;&#10;Description automatically generated">
-            <a:extLst>
-              <a:ext uri="{FF2B5EF4-FFF2-40B4-BE49-F238E27FC236}">
-                <a16:creationId xmlns:a16="http://schemas.microsoft.com/office/drawing/2014/main" id="{2E468236-D9FB-B069-9361-88594A6EE3EF}"/>
-              </a:ext>
-            </a:extLst>
-          </p:cNvPr>
-          <p:cNvPicPr>
-            <a:picLocks noChangeAspect="1"/>
-          </p:cNvPicPr>
-          <p:nvPr/>
-        </p:nvPicPr>
-        <p:blipFill>
-          <a:blip r:embed="rId4"/>
-          <a:stretch>
-            <a:fillRect/>
-          </a:stretch>
-        </p:blipFill>
-        <p:spPr>
-          <a:xfrm>
-            <a:off x="8859377" y="3462689"/>
-            <a:ext cx="180506" cy="180506"/>
-          </a:xfrm>
-          <a:prstGeom prst="rect">
-            <a:avLst/>
-          </a:prstGeom>
-        </p:spPr>
-      </p:pic>
-      <p:pic>
-        <p:nvPicPr>
-          <p:cNvPr id="34" name="Picture 33" descr="A yellow square with black corner&#10;&#10;Description automatically generated">
-            <a:extLst>
-              <a:ext uri="{FF2B5EF4-FFF2-40B4-BE49-F238E27FC236}">
-                <a16:creationId xmlns:a16="http://schemas.microsoft.com/office/drawing/2014/main" id="{D8050459-3FC2-691B-A8BF-CAD5DCE17FF2}"/>
-              </a:ext>
-            </a:extLst>
-          </p:cNvPr>
-          <p:cNvPicPr>
-            <a:picLocks noChangeAspect="1"/>
-          </p:cNvPicPr>
-          <p:nvPr/>
-        </p:nvPicPr>
-        <p:blipFill>
-          <a:blip r:embed="rId4"/>
-          <a:stretch>
-            <a:fillRect/>
-          </a:stretch>
-        </p:blipFill>
-        <p:spPr>
-          <a:xfrm>
-            <a:off x="8543653" y="3541754"/>
-            <a:ext cx="180506" cy="180506"/>
-          </a:xfrm>
-          <a:prstGeom prst="rect">
-            <a:avLst/>
-          </a:prstGeom>
-        </p:spPr>
-      </p:pic>
-      <p:pic>
-        <p:nvPicPr>
-          <p:cNvPr id="36" name="Picture 35" descr="A white screen with a black background&#10;&#10;Description automatically generated">
-            <a:extLst>
-              <a:ext uri="{FF2B5EF4-FFF2-40B4-BE49-F238E27FC236}">
-                <a16:creationId xmlns:a16="http://schemas.microsoft.com/office/drawing/2014/main" id="{15F88E27-895B-8C1F-9D97-DD6713211705}"/>
-              </a:ext>
-            </a:extLst>
-          </p:cNvPr>
-          <p:cNvPicPr>
-            <a:picLocks noChangeAspect="1"/>
-          </p:cNvPicPr>
-          <p:nvPr/>
-        </p:nvPicPr>
-        <p:blipFill>
-          <a:blip r:embed="rId5"/>
-          <a:stretch>
-            <a:fillRect/>
-          </a:stretch>
-        </p:blipFill>
-        <p:spPr>
-          <a:xfrm>
-            <a:off x="8983979" y="380264"/>
-            <a:ext cx="2438095" cy="2438095"/>
-          </a:xfrm>
-          <a:prstGeom prst="rect">
-            <a:avLst/>
-          </a:prstGeom>
-        </p:spPr>
-      </p:pic>
-      <p:pic>
-        <p:nvPicPr>
-          <p:cNvPr id="37" name="Content Placeholder 9" descr="A orange person icon on a black background&#10;&#10;Description automatically generated">
-            <a:extLst>
-              <a:ext uri="{FF2B5EF4-FFF2-40B4-BE49-F238E27FC236}">
-                <a16:creationId xmlns:a16="http://schemas.microsoft.com/office/drawing/2014/main" id="{D5702488-4DE2-075A-5B26-101324514906}"/>
-              </a:ext>
-            </a:extLst>
-          </p:cNvPr>
-          <p:cNvPicPr>
-            <a:picLocks noChangeAspect="1"/>
-          </p:cNvPicPr>
-          <p:nvPr/>
-        </p:nvPicPr>
-        <p:blipFill>
-          <a:blip r:embed="rId2"/>
-          <a:stretch>
-            <a:fillRect/>
-          </a:stretch>
-        </p:blipFill>
-        <p:spPr>
-          <a:xfrm>
-            <a:off x="8352529" y="1709238"/>
-            <a:ext cx="516141" cy="516141"/>
-          </a:xfrm>
-          <a:prstGeom prst="rect">
-            <a:avLst/>
-          </a:prstGeom>
-        </p:spPr>
-      </p:pic>
-    </p:spTree>
-    <p:extLst>
-      <p:ext uri="{BB962C8B-B14F-4D97-AF65-F5344CB8AC3E}">
-        <p14:creationId xmlns:p14="http://schemas.microsoft.com/office/powerpoint/2010/main" val="2469836886"/>
-      </p:ext>
-    </p:extLst>
-  </p:cSld>
-  <p:clrMapOvr>
-    <a:masterClrMapping/>
-  </p:clrMapOvr>
-</p:sld>
-</file>
-
-<file path=ppt/slides/slide11.xml><?xml version="1.0" encoding="utf-8"?>
-<p:sld xmlns:a="http://schemas.openxmlformats.org/drawingml/2006/main" xmlns:r="http://schemas.openxmlformats.org/officeDocument/2006/relationships" xmlns:p="http://schemas.openxmlformats.org/presentationml/2006/main">
-  <p:cSld>
-    <p:spTree>
-      <p:nvGrpSpPr>
-        <p:cNvPr id="1" name="">
-          <a:extLst>
-            <a:ext uri="{FF2B5EF4-FFF2-40B4-BE49-F238E27FC236}">
-              <a16:creationId xmlns:a16="http://schemas.microsoft.com/office/drawing/2014/main" id="{E372A6DD-F37B-2E89-2653-77EB5CC84A37}"/>
-            </a:ext>
-          </a:extLst>
-        </p:cNvPr>
-        <p:cNvGrpSpPr/>
-        <p:nvPr/>
-      </p:nvGrpSpPr>
-      <p:grpSpPr>
-        <a:xfrm>
-          <a:off x="0" y="0"/>
-          <a:ext cx="0" cy="0"/>
-          <a:chOff x="0" y="0"/>
-          <a:chExt cx="0" cy="0"/>
-        </a:xfrm>
-      </p:grpSpPr>
-      <p:sp>
-        <p:nvSpPr>
-          <p:cNvPr id="2" name="Tijdelijke aanduiding voor datum 1">
-            <a:extLst>
-              <a:ext uri="{FF2B5EF4-FFF2-40B4-BE49-F238E27FC236}">
-                <a16:creationId xmlns:a16="http://schemas.microsoft.com/office/drawing/2014/main" id="{98E56CFA-11ED-0242-7C15-D5D578D93142}"/>
-              </a:ext>
-            </a:extLst>
-          </p:cNvPr>
-          <p:cNvSpPr>
-            <a:spLocks noGrp="1"/>
-          </p:cNvSpPr>
-          <p:nvPr>
-            <p:ph type="dt" sz="half" idx="10"/>
-          </p:nvPr>
-        </p:nvSpPr>
-        <p:spPr/>
-        <p:txBody>
-          <a:bodyPr/>
-          <a:lstStyle/>
-          <a:p>
-            <a:fld id="{7CFCE9FC-C9DD-4C47-80D7-5019C090391E}" type="datetime1">
-              <a:rPr lang="nl-NL" smtClean="0"/>
-              <a:t>13-1-2025</a:t>
-            </a:fld>
-            <a:endParaRPr lang="en-GB"/>
-          </a:p>
-        </p:txBody>
-      </p:sp>
-      <p:sp>
-        <p:nvSpPr>
-          <p:cNvPr id="3" name="Tijdelijke aanduiding voor voettekst 2">
-            <a:extLst>
-              <a:ext uri="{FF2B5EF4-FFF2-40B4-BE49-F238E27FC236}">
-                <a16:creationId xmlns:a16="http://schemas.microsoft.com/office/drawing/2014/main" id="{E8F01E00-0391-FD84-8958-41AD0986B290}"/>
-              </a:ext>
-            </a:extLst>
-          </p:cNvPr>
-          <p:cNvSpPr>
-            <a:spLocks noGrp="1"/>
-          </p:cNvSpPr>
-          <p:nvPr>
-            <p:ph type="ftr" sz="quarter" idx="11"/>
-          </p:nvPr>
-        </p:nvSpPr>
-        <p:spPr/>
-        <p:txBody>
-          <a:bodyPr/>
-          <a:lstStyle/>
-          <a:p>
-            <a:r>
-              <a:rPr lang="en-GB" dirty="0" err="1"/>
-              <a:t>Datageletterdheid</a:t>
-            </a:r>
-            <a:endParaRPr lang="en-GB" dirty="0"/>
-          </a:p>
-        </p:txBody>
-      </p:sp>
-      <p:sp>
-        <p:nvSpPr>
-          <p:cNvPr id="4" name="Tijdelijke aanduiding voor dianummer 3">
-            <a:extLst>
-              <a:ext uri="{FF2B5EF4-FFF2-40B4-BE49-F238E27FC236}">
-                <a16:creationId xmlns:a16="http://schemas.microsoft.com/office/drawing/2014/main" id="{A54359C0-1863-9A95-3D39-1DC6A6F1E820}"/>
-              </a:ext>
-            </a:extLst>
-          </p:cNvPr>
-          <p:cNvSpPr>
-            <a:spLocks noGrp="1"/>
-          </p:cNvSpPr>
-          <p:nvPr>
-            <p:ph type="sldNum" sz="quarter" idx="12"/>
-          </p:nvPr>
-        </p:nvSpPr>
-        <p:spPr/>
-        <p:txBody>
-          <a:bodyPr/>
-          <a:lstStyle/>
-          <a:p>
-            <a:fld id="{96C9D0BA-D606-4546-9748-B07575EFE9B6}" type="slidenum">
-              <a:rPr lang="en-GB" smtClean="0"/>
-              <a:t>11</a:t>
-            </a:fld>
-            <a:endParaRPr lang="en-GB"/>
-          </a:p>
-        </p:txBody>
-      </p:sp>
-      <p:sp>
-        <p:nvSpPr>
-          <p:cNvPr id="5" name="Titel 4">
-            <a:extLst>
-              <a:ext uri="{FF2B5EF4-FFF2-40B4-BE49-F238E27FC236}">
-                <a16:creationId xmlns:a16="http://schemas.microsoft.com/office/drawing/2014/main" id="{7047C440-4D3A-7213-6A6E-A82F6AE954BE}"/>
-              </a:ext>
-            </a:extLst>
-          </p:cNvPr>
-          <p:cNvSpPr>
-            <a:spLocks noGrp="1"/>
-          </p:cNvSpPr>
-          <p:nvPr>
-            <p:ph type="title"/>
-          </p:nvPr>
-        </p:nvSpPr>
-        <p:spPr/>
-        <p:txBody>
-          <a:bodyPr/>
-          <a:lstStyle/>
-          <a:p>
-            <a:r>
-              <a:rPr lang="en-GB" dirty="0" err="1"/>
-              <a:t>Werkwijze</a:t>
-            </a:r>
-            <a:endParaRPr lang="en-GB" dirty="0"/>
-          </a:p>
-        </p:txBody>
-      </p:sp>
-      <p:pic>
-        <p:nvPicPr>
-          <p:cNvPr id="10" name="Content Placeholder 9" descr="A orange person icon on a black background&#10;&#10;Description automatically generated">
-            <a:extLst>
-              <a:ext uri="{FF2B5EF4-FFF2-40B4-BE49-F238E27FC236}">
-                <a16:creationId xmlns:a16="http://schemas.microsoft.com/office/drawing/2014/main" id="{38646510-4EE7-3761-645E-F40B0AA2764E}"/>
-              </a:ext>
-            </a:extLst>
-          </p:cNvPr>
-          <p:cNvPicPr>
-            <a:picLocks noGrp="1" noChangeAspect="1"/>
-          </p:cNvPicPr>
-          <p:nvPr>
-            <p:ph idx="1"/>
-          </p:nvPr>
-        </p:nvPicPr>
-        <p:blipFill>
-          <a:blip r:embed="rId2"/>
-          <a:stretch>
-            <a:fillRect/>
-          </a:stretch>
-        </p:blipFill>
-        <p:spPr>
-          <a:xfrm>
-            <a:off x="1185214" y="2127938"/>
-            <a:ext cx="516141" cy="516141"/>
-          </a:xfrm>
-        </p:spPr>
-      </p:pic>
-      <p:pic>
-        <p:nvPicPr>
-          <p:cNvPr id="12" name="Picture 11" descr="A white table with legs&#10;&#10;Description automatically generated">
-            <a:extLst>
-              <a:ext uri="{FF2B5EF4-FFF2-40B4-BE49-F238E27FC236}">
-                <a16:creationId xmlns:a16="http://schemas.microsoft.com/office/drawing/2014/main" id="{FC67ADE5-B54C-6B6C-E276-321BD05B83AB}"/>
-              </a:ext>
-            </a:extLst>
-          </p:cNvPr>
-          <p:cNvPicPr>
-            <a:picLocks noChangeAspect="1"/>
-          </p:cNvPicPr>
-          <p:nvPr/>
-        </p:nvPicPr>
-        <p:blipFill>
-          <a:blip r:embed="rId3"/>
-          <a:stretch>
-            <a:fillRect/>
-          </a:stretch>
-        </p:blipFill>
-        <p:spPr>
-          <a:xfrm>
-            <a:off x="1595535" y="2367348"/>
-            <a:ext cx="1035698" cy="1035698"/>
-          </a:xfrm>
-          <a:prstGeom prst="rect">
-            <a:avLst/>
-          </a:prstGeom>
-        </p:spPr>
-      </p:pic>
-      <p:pic>
-        <p:nvPicPr>
-          <p:cNvPr id="13" name="Content Placeholder 9" descr="A orange person icon on a black background&#10;&#10;Description automatically generated">
-            <a:extLst>
-              <a:ext uri="{FF2B5EF4-FFF2-40B4-BE49-F238E27FC236}">
-                <a16:creationId xmlns:a16="http://schemas.microsoft.com/office/drawing/2014/main" id="{1E08065A-B4DA-E9EA-3B24-BF5AFB5BB354}"/>
-              </a:ext>
-            </a:extLst>
-          </p:cNvPr>
-          <p:cNvPicPr>
-            <a:picLocks noChangeAspect="1"/>
-          </p:cNvPicPr>
-          <p:nvPr/>
-        </p:nvPicPr>
-        <p:blipFill>
-          <a:blip r:embed="rId2"/>
-          <a:stretch>
-            <a:fillRect/>
-          </a:stretch>
-        </p:blipFill>
-        <p:spPr>
-          <a:xfrm>
-            <a:off x="1175884" y="2785936"/>
-            <a:ext cx="516141" cy="516141"/>
-          </a:xfrm>
-          <a:prstGeom prst="rect">
-            <a:avLst/>
-          </a:prstGeom>
-        </p:spPr>
-      </p:pic>
-      <p:pic>
-        <p:nvPicPr>
-          <p:cNvPr id="14" name="Content Placeholder 9" descr="A orange person icon on a black background&#10;&#10;Description automatically generated">
-            <a:extLst>
-              <a:ext uri="{FF2B5EF4-FFF2-40B4-BE49-F238E27FC236}">
-                <a16:creationId xmlns:a16="http://schemas.microsoft.com/office/drawing/2014/main" id="{DFBF8B2E-81E3-4386-84EE-099FE0501CD1}"/>
-              </a:ext>
-            </a:extLst>
-          </p:cNvPr>
-          <p:cNvPicPr>
-            <a:picLocks noChangeAspect="1"/>
-          </p:cNvPicPr>
-          <p:nvPr/>
-        </p:nvPicPr>
-        <p:blipFill>
-          <a:blip r:embed="rId2"/>
-          <a:stretch>
-            <a:fillRect/>
-          </a:stretch>
-        </p:blipFill>
-        <p:spPr>
-          <a:xfrm>
-            <a:off x="2699508" y="2022267"/>
-            <a:ext cx="516141" cy="516141"/>
-          </a:xfrm>
-          <a:prstGeom prst="rect">
-            <a:avLst/>
-          </a:prstGeom>
-        </p:spPr>
-      </p:pic>
-      <p:pic>
-        <p:nvPicPr>
-          <p:cNvPr id="15" name="Content Placeholder 9" descr="A orange person icon on a black background&#10;&#10;Description automatically generated">
-            <a:extLst>
-              <a:ext uri="{FF2B5EF4-FFF2-40B4-BE49-F238E27FC236}">
-                <a16:creationId xmlns:a16="http://schemas.microsoft.com/office/drawing/2014/main" id="{FC488867-6C3C-727B-F47D-BE4BC730C5D3}"/>
-              </a:ext>
-            </a:extLst>
-          </p:cNvPr>
-          <p:cNvPicPr>
-            <a:picLocks noChangeAspect="1"/>
-          </p:cNvPicPr>
-          <p:nvPr/>
-        </p:nvPicPr>
-        <p:blipFill>
-          <a:blip r:embed="rId2"/>
-          <a:stretch>
-            <a:fillRect/>
-          </a:stretch>
-        </p:blipFill>
-        <p:spPr>
-          <a:xfrm>
-            <a:off x="2699507" y="2644079"/>
-            <a:ext cx="516141" cy="516141"/>
-          </a:xfrm>
-          <a:prstGeom prst="rect">
-            <a:avLst/>
-          </a:prstGeom>
-        </p:spPr>
-      </p:pic>
-      <p:pic>
-        <p:nvPicPr>
-          <p:cNvPr id="17" name="Picture 16" descr="A yellow square with black corner&#10;&#10;Description automatically generated">
-            <a:extLst>
-              <a:ext uri="{FF2B5EF4-FFF2-40B4-BE49-F238E27FC236}">
-                <a16:creationId xmlns:a16="http://schemas.microsoft.com/office/drawing/2014/main" id="{39CAA73A-B77F-A0C4-D1D1-7F76AC2BB960}"/>
-              </a:ext>
-            </a:extLst>
-          </p:cNvPr>
-          <p:cNvPicPr>
-            <a:picLocks noChangeAspect="1"/>
-          </p:cNvPicPr>
-          <p:nvPr/>
-        </p:nvPicPr>
-        <p:blipFill>
-          <a:blip r:embed="rId4"/>
-          <a:stretch>
-            <a:fillRect/>
-          </a:stretch>
-        </p:blipFill>
-        <p:spPr>
-          <a:xfrm>
-            <a:off x="1760300" y="2421327"/>
-            <a:ext cx="180506" cy="180506"/>
-          </a:xfrm>
-          <a:prstGeom prst="rect">
-            <a:avLst/>
-          </a:prstGeom>
-        </p:spPr>
-      </p:pic>
-      <p:pic>
-        <p:nvPicPr>
-          <p:cNvPr id="18" name="Content Placeholder 9" descr="A orange person icon on a black background&#10;&#10;Description automatically generated">
-            <a:extLst>
-              <a:ext uri="{FF2B5EF4-FFF2-40B4-BE49-F238E27FC236}">
-                <a16:creationId xmlns:a16="http://schemas.microsoft.com/office/drawing/2014/main" id="{691DC06F-2D2E-489F-84B2-27D720352CAC}"/>
-              </a:ext>
-            </a:extLst>
-          </p:cNvPr>
-          <p:cNvPicPr>
-            <a:picLocks noChangeAspect="1"/>
-          </p:cNvPicPr>
-          <p:nvPr/>
-        </p:nvPicPr>
-        <p:blipFill>
-          <a:blip r:embed="rId2"/>
-          <a:stretch>
-            <a:fillRect/>
-          </a:stretch>
-        </p:blipFill>
-        <p:spPr>
-          <a:xfrm>
-            <a:off x="4649981" y="1337441"/>
-            <a:ext cx="516141" cy="516141"/>
-          </a:xfrm>
-          <a:prstGeom prst="rect">
-            <a:avLst/>
-          </a:prstGeom>
-        </p:spPr>
-      </p:pic>
-      <p:pic>
-        <p:nvPicPr>
-          <p:cNvPr id="19" name="Picture 18" descr="A white table with legs&#10;&#10;Description automatically generated">
-            <a:extLst>
-              <a:ext uri="{FF2B5EF4-FFF2-40B4-BE49-F238E27FC236}">
-                <a16:creationId xmlns:a16="http://schemas.microsoft.com/office/drawing/2014/main" id="{92FE1E18-6C95-7A4B-C962-08B08576FB73}"/>
-              </a:ext>
-            </a:extLst>
-          </p:cNvPr>
-          <p:cNvPicPr>
-            <a:picLocks noChangeAspect="1"/>
-          </p:cNvPicPr>
-          <p:nvPr/>
-        </p:nvPicPr>
-        <p:blipFill>
-          <a:blip r:embed="rId3"/>
-          <a:stretch>
-            <a:fillRect/>
-          </a:stretch>
-        </p:blipFill>
-        <p:spPr>
-          <a:xfrm>
-            <a:off x="5060302" y="1576851"/>
-            <a:ext cx="1035698" cy="1035698"/>
-          </a:xfrm>
-          <a:prstGeom prst="rect">
-            <a:avLst/>
-          </a:prstGeom>
-        </p:spPr>
-      </p:pic>
-      <p:pic>
-        <p:nvPicPr>
-          <p:cNvPr id="20" name="Content Placeholder 9" descr="A orange person icon on a black background&#10;&#10;Description automatically generated">
-            <a:extLst>
-              <a:ext uri="{FF2B5EF4-FFF2-40B4-BE49-F238E27FC236}">
-                <a16:creationId xmlns:a16="http://schemas.microsoft.com/office/drawing/2014/main" id="{6243CCC6-A038-CBD0-A879-5E232E9D6A9F}"/>
-              </a:ext>
-            </a:extLst>
-          </p:cNvPr>
-          <p:cNvPicPr>
-            <a:picLocks noChangeAspect="1"/>
-          </p:cNvPicPr>
-          <p:nvPr/>
-        </p:nvPicPr>
-        <p:blipFill>
-          <a:blip r:embed="rId2"/>
-          <a:stretch>
-            <a:fillRect/>
-          </a:stretch>
-        </p:blipFill>
-        <p:spPr>
-          <a:xfrm>
-            <a:off x="4640651" y="1995439"/>
-            <a:ext cx="516141" cy="516141"/>
-          </a:xfrm>
-          <a:prstGeom prst="rect">
-            <a:avLst/>
-          </a:prstGeom>
-        </p:spPr>
-      </p:pic>
-      <p:pic>
-        <p:nvPicPr>
-          <p:cNvPr id="21" name="Content Placeholder 9" descr="A orange person icon on a black background&#10;&#10;Description automatically generated">
-            <a:extLst>
-              <a:ext uri="{FF2B5EF4-FFF2-40B4-BE49-F238E27FC236}">
-                <a16:creationId xmlns:a16="http://schemas.microsoft.com/office/drawing/2014/main" id="{F522A70D-7B0C-BD75-071A-AEA370A17187}"/>
-              </a:ext>
-            </a:extLst>
-          </p:cNvPr>
-          <p:cNvPicPr>
-            <a:picLocks noChangeAspect="1"/>
-          </p:cNvPicPr>
-          <p:nvPr/>
-        </p:nvPicPr>
-        <p:blipFill>
-          <a:blip r:embed="rId2"/>
-          <a:stretch>
-            <a:fillRect/>
-          </a:stretch>
-        </p:blipFill>
-        <p:spPr>
-          <a:xfrm>
-            <a:off x="6164275" y="1231770"/>
-            <a:ext cx="516141" cy="516141"/>
-          </a:xfrm>
-          <a:prstGeom prst="rect">
-            <a:avLst/>
-          </a:prstGeom>
-        </p:spPr>
-      </p:pic>
-      <p:pic>
-        <p:nvPicPr>
-          <p:cNvPr id="22" name="Content Placeholder 9" descr="A orange person icon on a black background&#10;&#10;Description automatically generated">
-            <a:extLst>
-              <a:ext uri="{FF2B5EF4-FFF2-40B4-BE49-F238E27FC236}">
-                <a16:creationId xmlns:a16="http://schemas.microsoft.com/office/drawing/2014/main" id="{5C06B3F2-9112-1F00-B852-EDB13D30D248}"/>
-              </a:ext>
-            </a:extLst>
-          </p:cNvPr>
-          <p:cNvPicPr>
-            <a:picLocks noChangeAspect="1"/>
-          </p:cNvPicPr>
-          <p:nvPr/>
-        </p:nvPicPr>
-        <p:blipFill>
-          <a:blip r:embed="rId2"/>
-          <a:stretch>
-            <a:fillRect/>
-          </a:stretch>
-        </p:blipFill>
-        <p:spPr>
-          <a:xfrm>
-            <a:off x="6164274" y="1853582"/>
-            <a:ext cx="516141" cy="516141"/>
-          </a:xfrm>
-          <a:prstGeom prst="rect">
-            <a:avLst/>
-          </a:prstGeom>
-        </p:spPr>
-      </p:pic>
-      <p:pic>
-        <p:nvPicPr>
-          <p:cNvPr id="23" name="Content Placeholder 9" descr="A orange person icon on a black background&#10;&#10;Description automatically generated">
-            <a:extLst>
-              <a:ext uri="{FF2B5EF4-FFF2-40B4-BE49-F238E27FC236}">
-                <a16:creationId xmlns:a16="http://schemas.microsoft.com/office/drawing/2014/main" id="{4DE81DD0-B13A-B2BB-64A5-844A95DF0CD1}"/>
-              </a:ext>
-            </a:extLst>
-          </p:cNvPr>
-          <p:cNvPicPr>
-            <a:picLocks noChangeAspect="1"/>
-          </p:cNvPicPr>
-          <p:nvPr/>
-        </p:nvPicPr>
-        <p:blipFill>
-          <a:blip r:embed="rId2"/>
-          <a:stretch>
-            <a:fillRect/>
-          </a:stretch>
-        </p:blipFill>
-        <p:spPr>
-          <a:xfrm>
-            <a:off x="7743079" y="3036801"/>
-            <a:ext cx="516141" cy="516141"/>
-          </a:xfrm>
-          <a:prstGeom prst="rect">
-            <a:avLst/>
-          </a:prstGeom>
-        </p:spPr>
-      </p:pic>
-      <p:pic>
-        <p:nvPicPr>
-          <p:cNvPr id="24" name="Picture 23" descr="A white table with legs&#10;&#10;Description automatically generated">
-            <a:extLst>
-              <a:ext uri="{FF2B5EF4-FFF2-40B4-BE49-F238E27FC236}">
-                <a16:creationId xmlns:a16="http://schemas.microsoft.com/office/drawing/2014/main" id="{0F2BB15A-3D15-6DF8-F781-BD9470E1710E}"/>
-              </a:ext>
-            </a:extLst>
-          </p:cNvPr>
-          <p:cNvPicPr>
-            <a:picLocks noChangeAspect="1"/>
-          </p:cNvPicPr>
-          <p:nvPr/>
-        </p:nvPicPr>
-        <p:blipFill>
-          <a:blip r:embed="rId3"/>
-          <a:stretch>
-            <a:fillRect/>
-          </a:stretch>
-        </p:blipFill>
-        <p:spPr>
-          <a:xfrm>
-            <a:off x="8153400" y="3276211"/>
-            <a:ext cx="1035698" cy="1035698"/>
-          </a:xfrm>
-          <a:prstGeom prst="rect">
-            <a:avLst/>
-          </a:prstGeom>
-        </p:spPr>
-      </p:pic>
-      <p:pic>
-        <p:nvPicPr>
-          <p:cNvPr id="25" name="Content Placeholder 9" descr="A orange person icon on a black background&#10;&#10;Description automatically generated">
-            <a:extLst>
-              <a:ext uri="{FF2B5EF4-FFF2-40B4-BE49-F238E27FC236}">
-                <a16:creationId xmlns:a16="http://schemas.microsoft.com/office/drawing/2014/main" id="{AAE64FA3-9888-D1F7-EFC4-507FBF7C275E}"/>
-              </a:ext>
-            </a:extLst>
-          </p:cNvPr>
-          <p:cNvPicPr>
-            <a:picLocks noChangeAspect="1"/>
-          </p:cNvPicPr>
-          <p:nvPr/>
-        </p:nvPicPr>
-        <p:blipFill>
-          <a:blip r:embed="rId2"/>
-          <a:stretch>
-            <a:fillRect/>
-          </a:stretch>
-        </p:blipFill>
-        <p:spPr>
-          <a:xfrm>
-            <a:off x="7733749" y="3694799"/>
-            <a:ext cx="516141" cy="516141"/>
-          </a:xfrm>
-          <a:prstGeom prst="rect">
-            <a:avLst/>
-          </a:prstGeom>
-        </p:spPr>
-      </p:pic>
-      <p:pic>
-        <p:nvPicPr>
-          <p:cNvPr id="26" name="Content Placeholder 9" descr="A orange person icon on a black background&#10;&#10;Description automatically generated">
-            <a:extLst>
-              <a:ext uri="{FF2B5EF4-FFF2-40B4-BE49-F238E27FC236}">
-                <a16:creationId xmlns:a16="http://schemas.microsoft.com/office/drawing/2014/main" id="{2FA98432-7002-EC0A-CF70-9A74457D1A12}"/>
-              </a:ext>
-            </a:extLst>
-          </p:cNvPr>
-          <p:cNvPicPr>
-            <a:picLocks noChangeAspect="1"/>
-          </p:cNvPicPr>
-          <p:nvPr/>
-        </p:nvPicPr>
-        <p:blipFill>
-          <a:blip r:embed="rId2"/>
-          <a:stretch>
-            <a:fillRect/>
-          </a:stretch>
-        </p:blipFill>
-        <p:spPr>
-          <a:xfrm>
-            <a:off x="9257373" y="2931130"/>
-            <a:ext cx="516141" cy="516141"/>
-          </a:xfrm>
-          <a:prstGeom prst="rect">
-            <a:avLst/>
-          </a:prstGeom>
-        </p:spPr>
-      </p:pic>
-      <p:pic>
-        <p:nvPicPr>
-          <p:cNvPr id="27" name="Content Placeholder 9" descr="A orange person icon on a black background&#10;&#10;Description automatically generated">
-            <a:extLst>
-              <a:ext uri="{FF2B5EF4-FFF2-40B4-BE49-F238E27FC236}">
-                <a16:creationId xmlns:a16="http://schemas.microsoft.com/office/drawing/2014/main" id="{4CB400D9-2B06-E6C8-ABCD-23F50516FB55}"/>
-              </a:ext>
-            </a:extLst>
-          </p:cNvPr>
-          <p:cNvPicPr>
-            <a:picLocks noChangeAspect="1"/>
-          </p:cNvPicPr>
-          <p:nvPr/>
-        </p:nvPicPr>
-        <p:blipFill>
-          <a:blip r:embed="rId2"/>
-          <a:stretch>
-            <a:fillRect/>
-          </a:stretch>
-        </p:blipFill>
-        <p:spPr>
-          <a:xfrm>
-            <a:off x="9257372" y="3552942"/>
-            <a:ext cx="516141" cy="516141"/>
-          </a:xfrm>
-          <a:prstGeom prst="rect">
-            <a:avLst/>
-          </a:prstGeom>
-        </p:spPr>
-      </p:pic>
-      <p:pic>
-        <p:nvPicPr>
-          <p:cNvPr id="28" name="Content Placeholder 9" descr="A orange person icon on a black background&#10;&#10;Description automatically generated">
-            <a:extLst>
-              <a:ext uri="{FF2B5EF4-FFF2-40B4-BE49-F238E27FC236}">
-                <a16:creationId xmlns:a16="http://schemas.microsoft.com/office/drawing/2014/main" id="{A9BE9B02-5D85-8A6B-1FC6-842F64088838}"/>
-              </a:ext>
-            </a:extLst>
-          </p:cNvPr>
-          <p:cNvPicPr>
-            <a:picLocks noChangeAspect="1"/>
-          </p:cNvPicPr>
-          <p:nvPr/>
-        </p:nvPicPr>
-        <p:blipFill>
-          <a:blip r:embed="rId2"/>
-          <a:stretch>
-            <a:fillRect/>
-          </a:stretch>
-        </p:blipFill>
-        <p:spPr>
-          <a:xfrm>
-            <a:off x="3203962" y="4108255"/>
-            <a:ext cx="516141" cy="516141"/>
-          </a:xfrm>
-          <a:prstGeom prst="rect">
-            <a:avLst/>
-          </a:prstGeom>
-        </p:spPr>
-      </p:pic>
-      <p:pic>
-        <p:nvPicPr>
-          <p:cNvPr id="29" name="Picture 28" descr="A white table with legs&#10;&#10;Description automatically generated">
-            <a:extLst>
-              <a:ext uri="{FF2B5EF4-FFF2-40B4-BE49-F238E27FC236}">
-                <a16:creationId xmlns:a16="http://schemas.microsoft.com/office/drawing/2014/main" id="{6A231D30-82D5-78F5-61DE-7D2EC0BC9AA1}"/>
-              </a:ext>
-            </a:extLst>
-          </p:cNvPr>
-          <p:cNvPicPr>
-            <a:picLocks noChangeAspect="1"/>
-          </p:cNvPicPr>
-          <p:nvPr/>
-        </p:nvPicPr>
-        <p:blipFill>
-          <a:blip r:embed="rId3"/>
-          <a:stretch>
-            <a:fillRect/>
-          </a:stretch>
-        </p:blipFill>
-        <p:spPr>
-          <a:xfrm>
-            <a:off x="3614283" y="4347665"/>
-            <a:ext cx="1035698" cy="1035698"/>
-          </a:xfrm>
-          <a:prstGeom prst="rect">
-            <a:avLst/>
-          </a:prstGeom>
-        </p:spPr>
-      </p:pic>
-      <p:pic>
-        <p:nvPicPr>
-          <p:cNvPr id="30" name="Content Placeholder 9" descr="A orange person icon on a black background&#10;&#10;Description automatically generated">
-            <a:extLst>
-              <a:ext uri="{FF2B5EF4-FFF2-40B4-BE49-F238E27FC236}">
-                <a16:creationId xmlns:a16="http://schemas.microsoft.com/office/drawing/2014/main" id="{ABEDD7C1-E86D-885E-973F-442F3C6EB88A}"/>
-              </a:ext>
-            </a:extLst>
-          </p:cNvPr>
-          <p:cNvPicPr>
-            <a:picLocks noChangeAspect="1"/>
-          </p:cNvPicPr>
-          <p:nvPr/>
-        </p:nvPicPr>
-        <p:blipFill>
-          <a:blip r:embed="rId2"/>
-          <a:stretch>
-            <a:fillRect/>
-          </a:stretch>
-        </p:blipFill>
-        <p:spPr>
-          <a:xfrm>
-            <a:off x="3194632" y="4766253"/>
-            <a:ext cx="516141" cy="516141"/>
-          </a:xfrm>
-          <a:prstGeom prst="rect">
-            <a:avLst/>
-          </a:prstGeom>
-        </p:spPr>
-      </p:pic>
-      <p:pic>
-        <p:nvPicPr>
-          <p:cNvPr id="31" name="Content Placeholder 9" descr="A orange person icon on a black background&#10;&#10;Description automatically generated">
-            <a:extLst>
-              <a:ext uri="{FF2B5EF4-FFF2-40B4-BE49-F238E27FC236}">
-                <a16:creationId xmlns:a16="http://schemas.microsoft.com/office/drawing/2014/main" id="{E111F915-49E1-AD18-1DFF-6A8454FC48F0}"/>
-              </a:ext>
-            </a:extLst>
-          </p:cNvPr>
-          <p:cNvPicPr>
-            <a:picLocks noChangeAspect="1"/>
-          </p:cNvPicPr>
-          <p:nvPr/>
-        </p:nvPicPr>
-        <p:blipFill>
-          <a:blip r:embed="rId2"/>
-          <a:stretch>
-            <a:fillRect/>
-          </a:stretch>
-        </p:blipFill>
-        <p:spPr>
-          <a:xfrm>
-            <a:off x="4718256" y="4002584"/>
-            <a:ext cx="516141" cy="516141"/>
-          </a:xfrm>
-          <a:prstGeom prst="rect">
-            <a:avLst/>
-          </a:prstGeom>
-        </p:spPr>
-      </p:pic>
-      <p:pic>
-        <p:nvPicPr>
-          <p:cNvPr id="32" name="Content Placeholder 9" descr="A orange person icon on a black background&#10;&#10;Description automatically generated">
-            <a:extLst>
-              <a:ext uri="{FF2B5EF4-FFF2-40B4-BE49-F238E27FC236}">
-                <a16:creationId xmlns:a16="http://schemas.microsoft.com/office/drawing/2014/main" id="{A2B34762-2F8F-8FD9-62C9-699BCD5D9288}"/>
-              </a:ext>
-            </a:extLst>
-          </p:cNvPr>
-          <p:cNvPicPr>
-            <a:picLocks noChangeAspect="1"/>
-          </p:cNvPicPr>
-          <p:nvPr/>
-        </p:nvPicPr>
-        <p:blipFill>
-          <a:blip r:embed="rId2"/>
-          <a:stretch>
-            <a:fillRect/>
-          </a:stretch>
-        </p:blipFill>
-        <p:spPr>
-          <a:xfrm>
-            <a:off x="4718255" y="4624396"/>
-            <a:ext cx="516141" cy="516141"/>
-          </a:xfrm>
-          <a:prstGeom prst="rect">
-            <a:avLst/>
-          </a:prstGeom>
-        </p:spPr>
-      </p:pic>
-      <p:pic>
-        <p:nvPicPr>
-          <p:cNvPr id="6" name="Picture 5" descr="A yellow square with black corner&#10;&#10;Description automatically generated">
-            <a:extLst>
-              <a:ext uri="{FF2B5EF4-FFF2-40B4-BE49-F238E27FC236}">
-                <a16:creationId xmlns:a16="http://schemas.microsoft.com/office/drawing/2014/main" id="{814DC2CA-0058-83C9-2184-EA528C9E2B67}"/>
-              </a:ext>
-            </a:extLst>
-          </p:cNvPr>
-          <p:cNvPicPr>
-            <a:picLocks noChangeAspect="1"/>
-          </p:cNvPicPr>
-          <p:nvPr/>
-        </p:nvPicPr>
-        <p:blipFill>
-          <a:blip r:embed="rId4"/>
-          <a:stretch>
-            <a:fillRect/>
-          </a:stretch>
-        </p:blipFill>
-        <p:spPr>
-          <a:xfrm>
-            <a:off x="2270204" y="2545789"/>
-            <a:ext cx="180506" cy="180506"/>
-          </a:xfrm>
-          <a:prstGeom prst="rect">
-            <a:avLst/>
-          </a:prstGeom>
-        </p:spPr>
-      </p:pic>
-      <p:pic>
-        <p:nvPicPr>
-          <p:cNvPr id="7" name="Picture 6" descr="A yellow square with black corner&#10;&#10;Description automatically generated">
-            <a:extLst>
-              <a:ext uri="{FF2B5EF4-FFF2-40B4-BE49-F238E27FC236}">
-                <a16:creationId xmlns:a16="http://schemas.microsoft.com/office/drawing/2014/main" id="{9D30ABC3-B623-762F-BC22-CFEDD3957417}"/>
-              </a:ext>
-            </a:extLst>
-          </p:cNvPr>
-          <p:cNvPicPr>
-            <a:picLocks noChangeAspect="1"/>
-          </p:cNvPicPr>
-          <p:nvPr/>
-        </p:nvPicPr>
-        <p:blipFill>
-          <a:blip r:embed="rId4"/>
-          <a:stretch>
-            <a:fillRect/>
-          </a:stretch>
-        </p:blipFill>
-        <p:spPr>
-          <a:xfrm>
-            <a:off x="3720103" y="4428472"/>
-            <a:ext cx="180506" cy="180506"/>
-          </a:xfrm>
-          <a:prstGeom prst="rect">
-            <a:avLst/>
-          </a:prstGeom>
-        </p:spPr>
-      </p:pic>
-      <p:pic>
-        <p:nvPicPr>
-          <p:cNvPr id="8" name="Picture 7" descr="A yellow square with black corner&#10;&#10;Description automatically generated">
-            <a:extLst>
-              <a:ext uri="{FF2B5EF4-FFF2-40B4-BE49-F238E27FC236}">
-                <a16:creationId xmlns:a16="http://schemas.microsoft.com/office/drawing/2014/main" id="{5A441414-33BA-9821-055A-C247E3BA197D}"/>
-              </a:ext>
-            </a:extLst>
-          </p:cNvPr>
-          <p:cNvPicPr>
-            <a:picLocks noChangeAspect="1"/>
-          </p:cNvPicPr>
-          <p:nvPr/>
-        </p:nvPicPr>
-        <p:blipFill>
-          <a:blip r:embed="rId4"/>
-          <a:stretch>
-            <a:fillRect/>
-          </a:stretch>
-        </p:blipFill>
-        <p:spPr>
-          <a:xfrm>
-            <a:off x="4333731" y="4554239"/>
-            <a:ext cx="180506" cy="180506"/>
-          </a:xfrm>
-          <a:prstGeom prst="rect">
-            <a:avLst/>
-          </a:prstGeom>
-        </p:spPr>
-      </p:pic>
-      <p:pic>
-        <p:nvPicPr>
-          <p:cNvPr id="9" name="Picture 8" descr="A yellow square with black corner&#10;&#10;Description automatically generated">
-            <a:extLst>
-              <a:ext uri="{FF2B5EF4-FFF2-40B4-BE49-F238E27FC236}">
-                <a16:creationId xmlns:a16="http://schemas.microsoft.com/office/drawing/2014/main" id="{D41D0BEC-D11D-83E9-3865-F0D11F09B365}"/>
-              </a:ext>
-            </a:extLst>
-          </p:cNvPr>
-          <p:cNvPicPr>
-            <a:picLocks noChangeAspect="1"/>
-          </p:cNvPicPr>
-          <p:nvPr/>
-        </p:nvPicPr>
-        <p:blipFill>
-          <a:blip r:embed="rId4"/>
-          <a:stretch>
-            <a:fillRect/>
-          </a:stretch>
-        </p:blipFill>
-        <p:spPr>
-          <a:xfrm>
-            <a:off x="5242788" y="1880859"/>
-            <a:ext cx="180506" cy="180506"/>
-          </a:xfrm>
-          <a:prstGeom prst="rect">
-            <a:avLst/>
-          </a:prstGeom>
-        </p:spPr>
-      </p:pic>
-      <p:pic>
-        <p:nvPicPr>
-          <p:cNvPr id="11" name="Picture 10" descr="A yellow square with black corner&#10;&#10;Description automatically generated">
-            <a:extLst>
-              <a:ext uri="{FF2B5EF4-FFF2-40B4-BE49-F238E27FC236}">
-                <a16:creationId xmlns:a16="http://schemas.microsoft.com/office/drawing/2014/main" id="{7167D22F-7401-A968-70E3-24108E3C9927}"/>
-              </a:ext>
-            </a:extLst>
-          </p:cNvPr>
-          <p:cNvPicPr>
-            <a:picLocks noChangeAspect="1"/>
-          </p:cNvPicPr>
-          <p:nvPr/>
-        </p:nvPicPr>
-        <p:blipFill>
-          <a:blip r:embed="rId4"/>
-          <a:stretch>
-            <a:fillRect/>
-          </a:stretch>
-        </p:blipFill>
-        <p:spPr>
-          <a:xfrm>
-            <a:off x="5859378" y="1690688"/>
-            <a:ext cx="180506" cy="180506"/>
-          </a:xfrm>
-          <a:prstGeom prst="rect">
-            <a:avLst/>
-          </a:prstGeom>
-        </p:spPr>
-      </p:pic>
-      <p:pic>
-        <p:nvPicPr>
-          <p:cNvPr id="16" name="Picture 15" descr="A yellow square with black corner&#10;&#10;Description automatically generated">
-            <a:extLst>
-              <a:ext uri="{FF2B5EF4-FFF2-40B4-BE49-F238E27FC236}">
-                <a16:creationId xmlns:a16="http://schemas.microsoft.com/office/drawing/2014/main" id="{80727FE0-D01F-5816-65E0-843F36041101}"/>
-              </a:ext>
-            </a:extLst>
-          </p:cNvPr>
-          <p:cNvPicPr>
-            <a:picLocks noChangeAspect="1"/>
-          </p:cNvPicPr>
-          <p:nvPr/>
-        </p:nvPicPr>
-        <p:blipFill>
-          <a:blip r:embed="rId4"/>
-          <a:stretch>
-            <a:fillRect/>
-          </a:stretch>
-        </p:blipFill>
-        <p:spPr>
-          <a:xfrm>
-            <a:off x="8259220" y="3326684"/>
-            <a:ext cx="180506" cy="180506"/>
-          </a:xfrm>
-          <a:prstGeom prst="rect">
-            <a:avLst/>
-          </a:prstGeom>
-        </p:spPr>
-      </p:pic>
-      <p:pic>
-        <p:nvPicPr>
-          <p:cNvPr id="33" name="Picture 32" descr="A yellow square with black corner&#10;&#10;Description automatically generated">
-            <a:extLst>
-              <a:ext uri="{FF2B5EF4-FFF2-40B4-BE49-F238E27FC236}">
-                <a16:creationId xmlns:a16="http://schemas.microsoft.com/office/drawing/2014/main" id="{6CF8496E-96B8-8BB7-825A-FFC4B35DE210}"/>
-              </a:ext>
-            </a:extLst>
-          </p:cNvPr>
-          <p:cNvPicPr>
-            <a:picLocks noChangeAspect="1"/>
-          </p:cNvPicPr>
-          <p:nvPr/>
-        </p:nvPicPr>
-        <p:blipFill>
-          <a:blip r:embed="rId4"/>
-          <a:stretch>
-            <a:fillRect/>
-          </a:stretch>
-        </p:blipFill>
-        <p:spPr>
-          <a:xfrm>
-            <a:off x="8859377" y="3462689"/>
-            <a:ext cx="180506" cy="180506"/>
-          </a:xfrm>
-          <a:prstGeom prst="rect">
-            <a:avLst/>
-          </a:prstGeom>
-        </p:spPr>
-      </p:pic>
-      <p:pic>
-        <p:nvPicPr>
-          <p:cNvPr id="34" name="Picture 33" descr="A yellow square with black corner&#10;&#10;Description automatically generated">
-            <a:extLst>
-              <a:ext uri="{FF2B5EF4-FFF2-40B4-BE49-F238E27FC236}">
-                <a16:creationId xmlns:a16="http://schemas.microsoft.com/office/drawing/2014/main" id="{C9B02747-A449-E245-137F-E464F7964B5E}"/>
-              </a:ext>
-            </a:extLst>
-          </p:cNvPr>
-          <p:cNvPicPr>
-            <a:picLocks noChangeAspect="1"/>
-          </p:cNvPicPr>
-          <p:nvPr/>
-        </p:nvPicPr>
-        <p:blipFill>
-          <a:blip r:embed="rId4"/>
-          <a:stretch>
-            <a:fillRect/>
-          </a:stretch>
-        </p:blipFill>
-        <p:spPr>
-          <a:xfrm>
-            <a:off x="8543653" y="3541754"/>
-            <a:ext cx="180506" cy="180506"/>
-          </a:xfrm>
-          <a:prstGeom prst="rect">
-            <a:avLst/>
-          </a:prstGeom>
-        </p:spPr>
-      </p:pic>
-      <p:pic>
-        <p:nvPicPr>
-          <p:cNvPr id="36" name="Picture 35" descr="A white screen with a black background&#10;&#10;Description automatically generated">
-            <a:extLst>
-              <a:ext uri="{FF2B5EF4-FFF2-40B4-BE49-F238E27FC236}">
-                <a16:creationId xmlns:a16="http://schemas.microsoft.com/office/drawing/2014/main" id="{36EE5BA2-F9F3-F16E-E873-1ECF86B1B8AC}"/>
-              </a:ext>
-            </a:extLst>
-          </p:cNvPr>
-          <p:cNvPicPr>
-            <a:picLocks noChangeAspect="1"/>
-          </p:cNvPicPr>
-          <p:nvPr/>
-        </p:nvPicPr>
-        <p:blipFill>
-          <a:blip r:embed="rId5"/>
-          <a:stretch>
-            <a:fillRect/>
-          </a:stretch>
-        </p:blipFill>
-        <p:spPr>
-          <a:xfrm>
-            <a:off x="8983979" y="380264"/>
-            <a:ext cx="2438095" cy="2438095"/>
-          </a:xfrm>
-          <a:prstGeom prst="rect">
-            <a:avLst/>
-          </a:prstGeom>
-        </p:spPr>
-      </p:pic>
-      <p:pic>
-        <p:nvPicPr>
-          <p:cNvPr id="37" name="Content Placeholder 9" descr="A orange person icon on a black background&#10;&#10;Description automatically generated">
-            <a:extLst>
-              <a:ext uri="{FF2B5EF4-FFF2-40B4-BE49-F238E27FC236}">
-                <a16:creationId xmlns:a16="http://schemas.microsoft.com/office/drawing/2014/main" id="{47F8D0E8-C2EC-2E87-CDE0-7BB263B79A46}"/>
-              </a:ext>
-            </a:extLst>
-          </p:cNvPr>
-          <p:cNvPicPr>
-            <a:picLocks noChangeAspect="1"/>
-          </p:cNvPicPr>
-          <p:nvPr/>
-        </p:nvPicPr>
-        <p:blipFill>
-          <a:blip r:embed="rId2"/>
-          <a:stretch>
-            <a:fillRect/>
-          </a:stretch>
-        </p:blipFill>
-        <p:spPr>
-          <a:xfrm>
-            <a:off x="8352529" y="1709238"/>
-            <a:ext cx="516141" cy="516141"/>
-          </a:xfrm>
-          <a:prstGeom prst="rect">
-            <a:avLst/>
-          </a:prstGeom>
-        </p:spPr>
-      </p:pic>
-      <p:pic>
-        <p:nvPicPr>
-          <p:cNvPr id="38" name="Picture 37" descr="A white line drawing of a question mark and speech bubbles&#10;&#10;Description automatically generated">
-            <a:extLst>
-              <a:ext uri="{FF2B5EF4-FFF2-40B4-BE49-F238E27FC236}">
-                <a16:creationId xmlns:a16="http://schemas.microsoft.com/office/drawing/2014/main" id="{04C7B81C-DB99-47F3-67E1-CCD29133C75F}"/>
-              </a:ext>
-            </a:extLst>
-          </p:cNvPr>
-          <p:cNvPicPr>
-            <a:picLocks noChangeAspect="1"/>
-          </p:cNvPicPr>
-          <p:nvPr/>
-        </p:nvPicPr>
-        <p:blipFill>
-          <a:blip r:embed="rId6"/>
-          <a:stretch>
-            <a:fillRect/>
-          </a:stretch>
-        </p:blipFill>
-        <p:spPr>
-          <a:xfrm>
-            <a:off x="9761142" y="997091"/>
-            <a:ext cx="883768" cy="883768"/>
-          </a:xfrm>
-          <a:prstGeom prst="rect">
-            <a:avLst/>
-          </a:prstGeom>
-        </p:spPr>
-      </p:pic>
-    </p:spTree>
-    <p:extLst>
-      <p:ext uri="{BB962C8B-B14F-4D97-AF65-F5344CB8AC3E}">
-        <p14:creationId xmlns:p14="http://schemas.microsoft.com/office/powerpoint/2010/main" val="3202464696"/>
-      </p:ext>
-    </p:extLst>
-  </p:cSld>
-  <p:clrMapOvr>
-    <a:masterClrMapping/>
-  </p:clrMapOvr>
-</p:sld>
-</file>
-
-<file path=ppt/slides/slide12.xml><?xml version="1.0" encoding="utf-8"?>
-<p:sld xmlns:a="http://schemas.openxmlformats.org/drawingml/2006/main" xmlns:r="http://schemas.openxmlformats.org/officeDocument/2006/relationships" xmlns:p="http://schemas.openxmlformats.org/presentationml/2006/main">
-  <p:cSld>
-    <p:spTree>
-      <p:nvGrpSpPr>
         <p:cNvPr id="1" name="">
           <a:extLst>
             <a:ext uri="{FF2B5EF4-FFF2-40B4-BE49-F238E27FC236}">
@@ -20883,7 +18693,7 @@
           <a:p>
             <a:fld id="{7CFCE9FC-C9DD-4C47-80D7-5019C090391E}" type="datetime1">
               <a:rPr lang="nl-NL" smtClean="0"/>
-              <a:t>13-1-2025</a:t>
+              <a:t>26-5-2025</a:t>
             </a:fld>
             <a:endParaRPr lang="en-GB"/>
           </a:p>
@@ -20941,7 +18751,7 @@
           <a:p>
             <a:fld id="{96C9D0BA-D606-4546-9748-B07575EFE9B6}" type="slidenum">
               <a:rPr lang="en-GB" smtClean="0"/>
-              <a:t>12</a:t>
+              <a:t>10</a:t>
             </a:fld>
             <a:endParaRPr lang="en-GB"/>
           </a:p>
@@ -20969,8 +18779,12 @@
           <a:lstStyle/>
           <a:p>
             <a:r>
+              <a:rPr lang="en-GB" dirty="0"/>
+              <a:t>De </a:t>
+            </a:r>
+            <a:r>
               <a:rPr lang="en-GB" dirty="0" err="1"/>
-              <a:t>Inhoud</a:t>
+              <a:t>eindopdracht</a:t>
             </a:r>
             <a:endParaRPr lang="en-GB" dirty="0"/>
           </a:p>
@@ -21215,7 +19029,7 @@
 </p:sld>
 </file>
 
-<file path=ppt/slides/slide13.xml><?xml version="1.0" encoding="utf-8"?>
+<file path=ppt/slides/slide11.xml><?xml version="1.0" encoding="utf-8"?>
 <p:sld xmlns:a="http://schemas.openxmlformats.org/drawingml/2006/main" xmlns:r="http://schemas.openxmlformats.org/officeDocument/2006/relationships" xmlns:p="http://schemas.openxmlformats.org/presentationml/2006/main">
   <p:cSld>
     <p:spTree>
@@ -21261,7 +19075,7 @@
           <a:p>
             <a:fld id="{7CFCE9FC-C9DD-4C47-80D7-5019C090391E}" type="datetime1">
               <a:rPr lang="nl-NL" smtClean="0"/>
-              <a:t>13-1-2025</a:t>
+              <a:t>26-5-2025</a:t>
             </a:fld>
             <a:endParaRPr lang="en-GB"/>
           </a:p>
@@ -21319,7 +19133,7 @@
           <a:p>
             <a:fld id="{96C9D0BA-D606-4546-9748-B07575EFE9B6}" type="slidenum">
               <a:rPr lang="en-GB" smtClean="0"/>
-              <a:t>13</a:t>
+              <a:t>11</a:t>
             </a:fld>
             <a:endParaRPr lang="en-GB"/>
           </a:p>
@@ -21347,8 +19161,12 @@
           <a:lstStyle/>
           <a:p>
             <a:r>
-              <a:rPr lang="en-GB" dirty="0" err="1"/>
-              <a:t>Inhoud</a:t>
+              <a:rPr lang="en-GB" dirty="0"/>
+              <a:t>Het </a:t>
+            </a:r>
+            <a:r>
+              <a:rPr lang="en-GB"/>
+              <a:t>voorbeeld</a:t>
             </a:r>
             <a:endParaRPr lang="en-GB" dirty="0"/>
           </a:p>
@@ -21552,7 +19370,7 @@
           <a:p>
             <a:fld id="{7CFCE9FC-C9DD-4C47-80D7-5019C090391E}" type="datetime1">
               <a:rPr lang="nl-NL" smtClean="0"/>
-              <a:t>13-1-2025</a:t>
+              <a:t>26-5-2025</a:t>
             </a:fld>
             <a:endParaRPr lang="en-GB"/>
           </a:p>
@@ -21855,7 +19673,7 @@
           <a:p>
             <a:fld id="{7CFCE9FC-C9DD-4C47-80D7-5019C090391E}" type="datetime1">
               <a:rPr lang="nl-NL" smtClean="0"/>
-              <a:t>13-1-2025</a:t>
+              <a:t>26-5-2025</a:t>
             </a:fld>
             <a:endParaRPr lang="en-GB"/>
           </a:p>
@@ -22160,7 +19978,7 @@
           <a:p>
             <a:fld id="{7CFCE9FC-C9DD-4C47-80D7-5019C090391E}" type="datetime1">
               <a:rPr lang="nl-NL" smtClean="0"/>
-              <a:t>13-1-2025</a:t>
+              <a:t>26-5-2025</a:t>
             </a:fld>
             <a:endParaRPr lang="en-GB"/>
           </a:p>
@@ -22480,7 +20298,7 @@
           <a:p>
             <a:fld id="{7CFCE9FC-C9DD-4C47-80D7-5019C090391E}" type="datetime1">
               <a:rPr lang="nl-NL" smtClean="0"/>
-              <a:t>13-1-2025</a:t>
+              <a:t>26-5-2025</a:t>
             </a:fld>
             <a:endParaRPr lang="en-GB"/>
           </a:p>
@@ -22850,7 +20668,7 @@
           <a:p>
             <a:fld id="{7CFCE9FC-C9DD-4C47-80D7-5019C090391E}" type="datetime1">
               <a:rPr lang="nl-NL" smtClean="0"/>
-              <a:t>13-1-2025</a:t>
+              <a:t>26-5-2025</a:t>
             </a:fld>
             <a:endParaRPr lang="en-GB"/>
           </a:p>
@@ -22964,670 +20782,6 @@
   <p:cSld>
     <p:spTree>
       <p:nvGrpSpPr>
-        <p:cNvPr id="1" name="">
-          <a:extLst>
-            <a:ext uri="{FF2B5EF4-FFF2-40B4-BE49-F238E27FC236}">
-              <a16:creationId xmlns:a16="http://schemas.microsoft.com/office/drawing/2014/main" id="{0DCDF185-6C48-3993-58A9-4BDCEA098CD2}"/>
-            </a:ext>
-          </a:extLst>
-        </p:cNvPr>
-        <p:cNvGrpSpPr/>
-        <p:nvPr/>
-      </p:nvGrpSpPr>
-      <p:grpSpPr>
-        <a:xfrm>
-          <a:off x="0" y="0"/>
-          <a:ext cx="0" cy="0"/>
-          <a:chOff x="0" y="0"/>
-          <a:chExt cx="0" cy="0"/>
-        </a:xfrm>
-      </p:grpSpPr>
-      <p:sp>
-        <p:nvSpPr>
-          <p:cNvPr id="6" name="Tijdelijke aanduiding voor inhoud 5">
-            <a:extLst>
-              <a:ext uri="{FF2B5EF4-FFF2-40B4-BE49-F238E27FC236}">
-                <a16:creationId xmlns:a16="http://schemas.microsoft.com/office/drawing/2014/main" id="{E8159DF4-9CCB-B43A-A52E-BBB031FC407B}"/>
-              </a:ext>
-            </a:extLst>
-          </p:cNvPr>
-          <p:cNvSpPr>
-            <a:spLocks noGrp="1"/>
-          </p:cNvSpPr>
-          <p:nvPr>
-            <p:ph idx="1"/>
-          </p:nvPr>
-        </p:nvSpPr>
-        <p:spPr>
-          <a:xfrm>
-            <a:off x="838200" y="1825625"/>
-            <a:ext cx="10515600" cy="4417332"/>
-          </a:xfrm>
-        </p:spPr>
-        <p:txBody>
-          <a:bodyPr>
-            <a:normAutofit/>
-          </a:bodyPr>
-          <a:lstStyle/>
-          <a:p>
-            <a:pPr marL="0" indent="0">
-              <a:buNone/>
-            </a:pPr>
-            <a:r>
-              <a:rPr lang="en-GB" dirty="0"/>
-              <a:t>Wat print de </a:t>
-            </a:r>
-            <a:r>
-              <a:rPr lang="en-GB" dirty="0" err="1"/>
-              <a:t>volgende</a:t>
-            </a:r>
-            <a:r>
-              <a:rPr lang="en-GB" dirty="0"/>
-              <a:t> </a:t>
-            </a:r>
-            <a:r>
-              <a:rPr lang="en-GB" dirty="0" err="1"/>
-              <a:t>functie</a:t>
-            </a:r>
-            <a:r>
-              <a:rPr lang="en-GB" dirty="0"/>
-              <a:t>?</a:t>
-            </a:r>
-          </a:p>
-          <a:p>
-            <a:pPr marL="0" indent="0">
-              <a:buNone/>
-            </a:pPr>
-            <a:endParaRPr lang="nl-NL" dirty="0">
-              <a:solidFill>
-                <a:srgbClr val="116644"/>
-              </a:solidFill>
-              <a:highlight>
-                <a:srgbClr val="F7F7F7"/>
-              </a:highlight>
-              <a:latin typeface="Courier New" panose="02070309020205020404" pitchFamily="49" charset="0"/>
-            </a:endParaRPr>
-          </a:p>
-          <a:p>
-            <a:pPr marL="0" indent="0">
-              <a:buNone/>
-            </a:pPr>
-            <a:endParaRPr lang="nl-NL" dirty="0">
-              <a:solidFill>
-                <a:srgbClr val="00B050"/>
-              </a:solidFill>
-            </a:endParaRPr>
-          </a:p>
-          <a:p>
-            <a:pPr marL="0" indent="0">
-              <a:buNone/>
-            </a:pPr>
-            <a:endParaRPr lang="nl-NL" dirty="0">
-              <a:solidFill>
-                <a:srgbClr val="00B050"/>
-              </a:solidFill>
-            </a:endParaRPr>
-          </a:p>
-          <a:p>
-            <a:pPr marL="0" indent="0">
-              <a:buNone/>
-            </a:pPr>
-            <a:endParaRPr lang="nl-NL" dirty="0">
-              <a:solidFill>
-                <a:srgbClr val="00B050"/>
-              </a:solidFill>
-            </a:endParaRPr>
-          </a:p>
-        </p:txBody>
-      </p:sp>
-      <p:sp>
-        <p:nvSpPr>
-          <p:cNvPr id="2" name="Tijdelijke aanduiding voor datum 1">
-            <a:extLst>
-              <a:ext uri="{FF2B5EF4-FFF2-40B4-BE49-F238E27FC236}">
-                <a16:creationId xmlns:a16="http://schemas.microsoft.com/office/drawing/2014/main" id="{2A498215-DA60-2BB9-0491-FD8C039284AC}"/>
-              </a:ext>
-            </a:extLst>
-          </p:cNvPr>
-          <p:cNvSpPr>
-            <a:spLocks noGrp="1"/>
-          </p:cNvSpPr>
-          <p:nvPr>
-            <p:ph type="dt" sz="half" idx="10"/>
-          </p:nvPr>
-        </p:nvSpPr>
-        <p:spPr/>
-        <p:txBody>
-          <a:bodyPr/>
-          <a:lstStyle/>
-          <a:p>
-            <a:fld id="{7CFCE9FC-C9DD-4C47-80D7-5019C090391E}" type="datetime1">
-              <a:rPr lang="nl-NL" smtClean="0"/>
-              <a:t>13-1-2025</a:t>
-            </a:fld>
-            <a:endParaRPr lang="en-GB"/>
-          </a:p>
-        </p:txBody>
-      </p:sp>
-      <p:sp>
-        <p:nvSpPr>
-          <p:cNvPr id="3" name="Tijdelijke aanduiding voor voettekst 2">
-            <a:extLst>
-              <a:ext uri="{FF2B5EF4-FFF2-40B4-BE49-F238E27FC236}">
-                <a16:creationId xmlns:a16="http://schemas.microsoft.com/office/drawing/2014/main" id="{F561269B-27D0-96EC-E146-280ADA78E65C}"/>
-              </a:ext>
-            </a:extLst>
-          </p:cNvPr>
-          <p:cNvSpPr>
-            <a:spLocks noGrp="1"/>
-          </p:cNvSpPr>
-          <p:nvPr>
-            <p:ph type="ftr" sz="quarter" idx="11"/>
-          </p:nvPr>
-        </p:nvSpPr>
-        <p:spPr/>
-        <p:txBody>
-          <a:bodyPr/>
-          <a:lstStyle/>
-          <a:p>
-            <a:r>
-              <a:rPr lang="en-GB" dirty="0" err="1"/>
-              <a:t>Datageletterdheid</a:t>
-            </a:r>
-            <a:endParaRPr lang="en-GB" dirty="0"/>
-          </a:p>
-        </p:txBody>
-      </p:sp>
-      <p:sp>
-        <p:nvSpPr>
-          <p:cNvPr id="4" name="Tijdelijke aanduiding voor dianummer 3">
-            <a:extLst>
-              <a:ext uri="{FF2B5EF4-FFF2-40B4-BE49-F238E27FC236}">
-                <a16:creationId xmlns:a16="http://schemas.microsoft.com/office/drawing/2014/main" id="{475BDBF4-AFB1-B7E4-48A2-6172D0F7F192}"/>
-              </a:ext>
-            </a:extLst>
-          </p:cNvPr>
-          <p:cNvSpPr>
-            <a:spLocks noGrp="1"/>
-          </p:cNvSpPr>
-          <p:nvPr>
-            <p:ph type="sldNum" sz="quarter" idx="12"/>
-          </p:nvPr>
-        </p:nvSpPr>
-        <p:spPr/>
-        <p:txBody>
-          <a:bodyPr/>
-          <a:lstStyle/>
-          <a:p>
-            <a:fld id="{96C9D0BA-D606-4546-9748-B07575EFE9B6}" type="slidenum">
-              <a:rPr lang="en-GB" smtClean="0"/>
-              <a:t>7</a:t>
-            </a:fld>
-            <a:endParaRPr lang="en-GB"/>
-          </a:p>
-        </p:txBody>
-      </p:sp>
-      <p:sp>
-        <p:nvSpPr>
-          <p:cNvPr id="5" name="Titel 4">
-            <a:extLst>
-              <a:ext uri="{FF2B5EF4-FFF2-40B4-BE49-F238E27FC236}">
-                <a16:creationId xmlns:a16="http://schemas.microsoft.com/office/drawing/2014/main" id="{0AF737AE-33E0-952A-2098-D591EA6B28CB}"/>
-              </a:ext>
-            </a:extLst>
-          </p:cNvPr>
-          <p:cNvSpPr>
-            <a:spLocks noGrp="1"/>
-          </p:cNvSpPr>
-          <p:nvPr>
-            <p:ph type="title"/>
-          </p:nvPr>
-        </p:nvSpPr>
-        <p:spPr/>
-        <p:txBody>
-          <a:bodyPr/>
-          <a:lstStyle/>
-          <a:p>
-            <a:r>
-              <a:rPr lang="en-GB" dirty="0" err="1"/>
-              <a:t>Vraag</a:t>
-            </a:r>
-            <a:r>
-              <a:rPr lang="en-GB" dirty="0"/>
-              <a:t> 3</a:t>
-            </a:r>
-          </a:p>
-        </p:txBody>
-      </p:sp>
-      <p:pic>
-        <p:nvPicPr>
-          <p:cNvPr id="9" name="Picture 8">
-            <a:extLst>
-              <a:ext uri="{FF2B5EF4-FFF2-40B4-BE49-F238E27FC236}">
-                <a16:creationId xmlns:a16="http://schemas.microsoft.com/office/drawing/2014/main" id="{29534FDB-0685-28FD-2685-E606395DB2A3}"/>
-              </a:ext>
-            </a:extLst>
-          </p:cNvPr>
-          <p:cNvPicPr>
-            <a:picLocks noChangeAspect="1"/>
-          </p:cNvPicPr>
-          <p:nvPr/>
-        </p:nvPicPr>
-        <p:blipFill>
-          <a:blip r:embed="rId2"/>
-          <a:stretch>
-            <a:fillRect/>
-          </a:stretch>
-        </p:blipFill>
-        <p:spPr>
-          <a:xfrm>
-            <a:off x="838200" y="2386916"/>
-            <a:ext cx="3472060" cy="2710092"/>
-          </a:xfrm>
-          <a:prstGeom prst="rect">
-            <a:avLst/>
-          </a:prstGeom>
-        </p:spPr>
-      </p:pic>
-    </p:spTree>
-    <p:extLst>
-      <p:ext uri="{BB962C8B-B14F-4D97-AF65-F5344CB8AC3E}">
-        <p14:creationId xmlns:p14="http://schemas.microsoft.com/office/powerpoint/2010/main" val="1755292737"/>
-      </p:ext>
-    </p:extLst>
-  </p:cSld>
-  <p:clrMapOvr>
-    <a:masterClrMapping/>
-  </p:clrMapOvr>
-</p:sld>
-</file>
-
-<file path=ppt/slides/slide8.xml><?xml version="1.0" encoding="utf-8"?>
-<p:sld xmlns:a="http://schemas.openxmlformats.org/drawingml/2006/main" xmlns:r="http://schemas.openxmlformats.org/officeDocument/2006/relationships" xmlns:p="http://schemas.openxmlformats.org/presentationml/2006/main">
-  <p:cSld>
-    <p:spTree>
-      <p:nvGrpSpPr>
-        <p:cNvPr id="1" name="">
-          <a:extLst>
-            <a:ext uri="{FF2B5EF4-FFF2-40B4-BE49-F238E27FC236}">
-              <a16:creationId xmlns:a16="http://schemas.microsoft.com/office/drawing/2014/main" id="{F365B92C-56D5-237A-F4BD-F16097E8B52C}"/>
-            </a:ext>
-          </a:extLst>
-        </p:cNvPr>
-        <p:cNvGrpSpPr/>
-        <p:nvPr/>
-      </p:nvGrpSpPr>
-      <p:grpSpPr>
-        <a:xfrm>
-          <a:off x="0" y="0"/>
-          <a:ext cx="0" cy="0"/>
-          <a:chOff x="0" y="0"/>
-          <a:chExt cx="0" cy="0"/>
-        </a:xfrm>
-      </p:grpSpPr>
-      <p:sp>
-        <p:nvSpPr>
-          <p:cNvPr id="6" name="Tijdelijke aanduiding voor inhoud 5">
-            <a:extLst>
-              <a:ext uri="{FF2B5EF4-FFF2-40B4-BE49-F238E27FC236}">
-                <a16:creationId xmlns:a16="http://schemas.microsoft.com/office/drawing/2014/main" id="{037C66B5-8FA8-D41B-2CAE-EB316EC69B89}"/>
-              </a:ext>
-            </a:extLst>
-          </p:cNvPr>
-          <p:cNvSpPr>
-            <a:spLocks noGrp="1"/>
-          </p:cNvSpPr>
-          <p:nvPr>
-            <p:ph idx="1"/>
-          </p:nvPr>
-        </p:nvSpPr>
-        <p:spPr>
-          <a:xfrm>
-            <a:off x="838200" y="1825625"/>
-            <a:ext cx="10515600" cy="4417332"/>
-          </a:xfrm>
-        </p:spPr>
-        <p:txBody>
-          <a:bodyPr>
-            <a:normAutofit fontScale="92500" lnSpcReduction="20000"/>
-          </a:bodyPr>
-          <a:lstStyle/>
-          <a:p>
-            <a:pPr marL="0" indent="0">
-              <a:buNone/>
-            </a:pPr>
-            <a:r>
-              <a:rPr lang="en-GB" dirty="0"/>
-              <a:t>Wat print de </a:t>
-            </a:r>
-            <a:r>
-              <a:rPr lang="en-GB" dirty="0" err="1"/>
-              <a:t>volgende</a:t>
-            </a:r>
-            <a:r>
-              <a:rPr lang="en-GB" dirty="0"/>
-              <a:t> </a:t>
-            </a:r>
-            <a:r>
-              <a:rPr lang="en-GB" dirty="0" err="1"/>
-              <a:t>functie</a:t>
-            </a:r>
-            <a:r>
-              <a:rPr lang="en-GB" dirty="0"/>
-              <a:t>?</a:t>
-            </a:r>
-          </a:p>
-          <a:p>
-            <a:pPr marL="0" indent="0">
-              <a:buNone/>
-            </a:pPr>
-            <a:endParaRPr lang="nl-NL" dirty="0">
-              <a:solidFill>
-                <a:srgbClr val="116644"/>
-              </a:solidFill>
-              <a:highlight>
-                <a:srgbClr val="F7F7F7"/>
-              </a:highlight>
-              <a:latin typeface="Courier New" panose="02070309020205020404" pitchFamily="49" charset="0"/>
-            </a:endParaRPr>
-          </a:p>
-          <a:p>
-            <a:pPr marL="0" indent="0">
-              <a:buNone/>
-            </a:pPr>
-            <a:endParaRPr lang="nl-NL" dirty="0">
-              <a:solidFill>
-                <a:srgbClr val="00B050"/>
-              </a:solidFill>
-            </a:endParaRPr>
-          </a:p>
-          <a:p>
-            <a:pPr marL="0" indent="0">
-              <a:buNone/>
-            </a:pPr>
-            <a:endParaRPr lang="nl-NL" dirty="0">
-              <a:solidFill>
-                <a:srgbClr val="00B050"/>
-              </a:solidFill>
-            </a:endParaRPr>
-          </a:p>
-          <a:p>
-            <a:pPr marL="0" indent="0">
-              <a:buNone/>
-            </a:pPr>
-            <a:endParaRPr lang="nl-NL" dirty="0">
-              <a:solidFill>
-                <a:srgbClr val="00B050"/>
-              </a:solidFill>
-            </a:endParaRPr>
-          </a:p>
-          <a:p>
-            <a:pPr marL="0" indent="0">
-              <a:buNone/>
-            </a:pPr>
-            <a:endParaRPr lang="nl-NL" dirty="0">
-              <a:solidFill>
-                <a:srgbClr val="00B050"/>
-              </a:solidFill>
-            </a:endParaRPr>
-          </a:p>
-          <a:p>
-            <a:pPr marL="0" indent="0">
-              <a:buNone/>
-            </a:pPr>
-            <a:endParaRPr lang="nl-NL" dirty="0">
-              <a:solidFill>
-                <a:srgbClr val="00B050"/>
-              </a:solidFill>
-            </a:endParaRPr>
-          </a:p>
-          <a:p>
-            <a:pPr marL="3657600" lvl="8" indent="0">
-              <a:buNone/>
-            </a:pPr>
-            <a:r>
-              <a:rPr lang="en-GB" dirty="0">
-                <a:solidFill>
-                  <a:srgbClr val="00B050"/>
-                </a:solidFill>
-              </a:rPr>
-              <a:t>4</a:t>
-            </a:r>
-          </a:p>
-          <a:p>
-            <a:pPr marL="3657600" lvl="8" indent="0">
-              <a:buNone/>
-            </a:pPr>
-            <a:r>
-              <a:rPr lang="en-GB" dirty="0">
-                <a:solidFill>
-                  <a:srgbClr val="00B050"/>
-                </a:solidFill>
-              </a:rPr>
-              <a:t>7</a:t>
-            </a:r>
-          </a:p>
-          <a:p>
-            <a:pPr marL="3657600" lvl="8" indent="0">
-              <a:buNone/>
-            </a:pPr>
-            <a:r>
-              <a:rPr lang="en-GB" dirty="0">
-                <a:solidFill>
-                  <a:srgbClr val="00B050"/>
-                </a:solidFill>
-              </a:rPr>
-              <a:t>7</a:t>
-            </a:r>
-          </a:p>
-          <a:p>
-            <a:pPr marL="3657600" lvl="8" indent="0">
-              <a:buNone/>
-            </a:pPr>
-            <a:r>
-              <a:rPr lang="en-GB" dirty="0">
-                <a:solidFill>
-                  <a:srgbClr val="00B050"/>
-                </a:solidFill>
-              </a:rPr>
-              <a:t>7</a:t>
-            </a:r>
-          </a:p>
-          <a:p>
-            <a:pPr marL="3657600" lvl="8" indent="0">
-              <a:buNone/>
-            </a:pPr>
-            <a:r>
-              <a:rPr lang="en-GB" dirty="0">
-                <a:solidFill>
-                  <a:srgbClr val="00B050"/>
-                </a:solidFill>
-              </a:rPr>
-              <a:t>9</a:t>
-            </a:r>
-          </a:p>
-          <a:p>
-            <a:pPr marL="3657600" lvl="8" indent="0">
-              <a:buNone/>
-            </a:pPr>
-            <a:r>
-              <a:rPr lang="en-GB" dirty="0">
-                <a:solidFill>
-                  <a:srgbClr val="00B050"/>
-                </a:solidFill>
-              </a:rPr>
-              <a:t>9</a:t>
-            </a:r>
-          </a:p>
-        </p:txBody>
-      </p:sp>
-      <p:sp>
-        <p:nvSpPr>
-          <p:cNvPr id="2" name="Tijdelijke aanduiding voor datum 1">
-            <a:extLst>
-              <a:ext uri="{FF2B5EF4-FFF2-40B4-BE49-F238E27FC236}">
-                <a16:creationId xmlns:a16="http://schemas.microsoft.com/office/drawing/2014/main" id="{D1A7C995-341E-D5C6-9171-68507C0B0009}"/>
-              </a:ext>
-            </a:extLst>
-          </p:cNvPr>
-          <p:cNvSpPr>
-            <a:spLocks noGrp="1"/>
-          </p:cNvSpPr>
-          <p:nvPr>
-            <p:ph type="dt" sz="half" idx="10"/>
-          </p:nvPr>
-        </p:nvSpPr>
-        <p:spPr/>
-        <p:txBody>
-          <a:bodyPr/>
-          <a:lstStyle/>
-          <a:p>
-            <a:fld id="{7CFCE9FC-C9DD-4C47-80D7-5019C090391E}" type="datetime1">
-              <a:rPr lang="nl-NL" smtClean="0"/>
-              <a:t>13-1-2025</a:t>
-            </a:fld>
-            <a:endParaRPr lang="en-GB"/>
-          </a:p>
-        </p:txBody>
-      </p:sp>
-      <p:sp>
-        <p:nvSpPr>
-          <p:cNvPr id="3" name="Tijdelijke aanduiding voor voettekst 2">
-            <a:extLst>
-              <a:ext uri="{FF2B5EF4-FFF2-40B4-BE49-F238E27FC236}">
-                <a16:creationId xmlns:a16="http://schemas.microsoft.com/office/drawing/2014/main" id="{BC1C4BCC-F4AD-4271-2B9B-0CCA07981E96}"/>
-              </a:ext>
-            </a:extLst>
-          </p:cNvPr>
-          <p:cNvSpPr>
-            <a:spLocks noGrp="1"/>
-          </p:cNvSpPr>
-          <p:nvPr>
-            <p:ph type="ftr" sz="quarter" idx="11"/>
-          </p:nvPr>
-        </p:nvSpPr>
-        <p:spPr/>
-        <p:txBody>
-          <a:bodyPr/>
-          <a:lstStyle/>
-          <a:p>
-            <a:r>
-              <a:rPr lang="en-GB" dirty="0" err="1"/>
-              <a:t>Datageletterdheid</a:t>
-            </a:r>
-            <a:endParaRPr lang="en-GB" dirty="0"/>
-          </a:p>
-        </p:txBody>
-      </p:sp>
-      <p:sp>
-        <p:nvSpPr>
-          <p:cNvPr id="4" name="Tijdelijke aanduiding voor dianummer 3">
-            <a:extLst>
-              <a:ext uri="{FF2B5EF4-FFF2-40B4-BE49-F238E27FC236}">
-                <a16:creationId xmlns:a16="http://schemas.microsoft.com/office/drawing/2014/main" id="{0EE63252-CF47-EBEF-A752-4BD18D1B3503}"/>
-              </a:ext>
-            </a:extLst>
-          </p:cNvPr>
-          <p:cNvSpPr>
-            <a:spLocks noGrp="1"/>
-          </p:cNvSpPr>
-          <p:nvPr>
-            <p:ph type="sldNum" sz="quarter" idx="12"/>
-          </p:nvPr>
-        </p:nvSpPr>
-        <p:spPr/>
-        <p:txBody>
-          <a:bodyPr/>
-          <a:lstStyle/>
-          <a:p>
-            <a:fld id="{96C9D0BA-D606-4546-9748-B07575EFE9B6}" type="slidenum">
-              <a:rPr lang="en-GB" smtClean="0"/>
-              <a:t>8</a:t>
-            </a:fld>
-            <a:endParaRPr lang="en-GB"/>
-          </a:p>
-        </p:txBody>
-      </p:sp>
-      <p:sp>
-        <p:nvSpPr>
-          <p:cNvPr id="5" name="Titel 4">
-            <a:extLst>
-              <a:ext uri="{FF2B5EF4-FFF2-40B4-BE49-F238E27FC236}">
-                <a16:creationId xmlns:a16="http://schemas.microsoft.com/office/drawing/2014/main" id="{6C09D5DD-6D1A-B50A-833B-6A72ED70E554}"/>
-              </a:ext>
-            </a:extLst>
-          </p:cNvPr>
-          <p:cNvSpPr>
-            <a:spLocks noGrp="1"/>
-          </p:cNvSpPr>
-          <p:nvPr>
-            <p:ph type="title"/>
-          </p:nvPr>
-        </p:nvSpPr>
-        <p:spPr/>
-        <p:txBody>
-          <a:bodyPr/>
-          <a:lstStyle/>
-          <a:p>
-            <a:r>
-              <a:rPr lang="en-GB" dirty="0" err="1"/>
-              <a:t>Vraag</a:t>
-            </a:r>
-            <a:r>
-              <a:rPr lang="en-GB" dirty="0"/>
-              <a:t> 3</a:t>
-            </a:r>
-          </a:p>
-        </p:txBody>
-      </p:sp>
-      <p:pic>
-        <p:nvPicPr>
-          <p:cNvPr id="10" name="Picture 9">
-            <a:extLst>
-              <a:ext uri="{FF2B5EF4-FFF2-40B4-BE49-F238E27FC236}">
-                <a16:creationId xmlns:a16="http://schemas.microsoft.com/office/drawing/2014/main" id="{FD9204C0-D262-F0AC-5C8F-6D073E0689DB}"/>
-              </a:ext>
-            </a:extLst>
-          </p:cNvPr>
-          <p:cNvPicPr>
-            <a:picLocks noChangeAspect="1"/>
-          </p:cNvPicPr>
-          <p:nvPr/>
-        </p:nvPicPr>
-        <p:blipFill>
-          <a:blip r:embed="rId2"/>
-          <a:stretch>
-            <a:fillRect/>
-          </a:stretch>
-        </p:blipFill>
-        <p:spPr>
-          <a:xfrm>
-            <a:off x="838200" y="2386916"/>
-            <a:ext cx="3472060" cy="2710092"/>
-          </a:xfrm>
-          <a:prstGeom prst="rect">
-            <a:avLst/>
-          </a:prstGeom>
-        </p:spPr>
-      </p:pic>
-    </p:spTree>
-    <p:extLst>
-      <p:ext uri="{BB962C8B-B14F-4D97-AF65-F5344CB8AC3E}">
-        <p14:creationId xmlns:p14="http://schemas.microsoft.com/office/powerpoint/2010/main" val="3767019413"/>
-      </p:ext>
-    </p:extLst>
-  </p:cSld>
-  <p:clrMapOvr>
-    <a:masterClrMapping/>
-  </p:clrMapOvr>
-</p:sld>
-</file>
-
-<file path=ppt/slides/slide9.xml><?xml version="1.0" encoding="utf-8"?>
-<p:sld xmlns:a="http://schemas.openxmlformats.org/drawingml/2006/main" xmlns:r="http://schemas.openxmlformats.org/officeDocument/2006/relationships" xmlns:p="http://schemas.openxmlformats.org/presentationml/2006/main">
-  <p:cSld>
-    <p:spTree>
-      <p:nvGrpSpPr>
         <p:cNvPr id="1" name=""/>
         <p:cNvGrpSpPr/>
         <p:nvPr/>
@@ -23663,7 +20817,7 @@
           <a:p>
             <a:fld id="{7CFCE9FC-C9DD-4C47-80D7-5019C090391E}" type="datetime1">
               <a:rPr lang="nl-NL" smtClean="0"/>
-              <a:t>13-1-2025</a:t>
+              <a:t>26-5-2025</a:t>
             </a:fld>
             <a:endParaRPr lang="en-GB"/>
           </a:p>
@@ -23721,7 +20875,7 @@
           <a:p>
             <a:fld id="{96C9D0BA-D606-4546-9748-B07575EFE9B6}" type="slidenum">
               <a:rPr lang="en-GB" smtClean="0"/>
-              <a:t>9</a:t>
+              <a:t>7</a:t>
             </a:fld>
             <a:endParaRPr lang="en-GB"/>
           </a:p>
@@ -24449,6 +21603,2192 @@
     <p:extLst>
       <p:ext uri="{BB962C8B-B14F-4D97-AF65-F5344CB8AC3E}">
         <p14:creationId xmlns:p14="http://schemas.microsoft.com/office/powerpoint/2010/main" val="1648753871"/>
+      </p:ext>
+    </p:extLst>
+  </p:cSld>
+  <p:clrMapOvr>
+    <a:masterClrMapping/>
+  </p:clrMapOvr>
+</p:sld>
+</file>
+
+<file path=ppt/slides/slide8.xml><?xml version="1.0" encoding="utf-8"?>
+<p:sld xmlns:a="http://schemas.openxmlformats.org/drawingml/2006/main" xmlns:r="http://schemas.openxmlformats.org/officeDocument/2006/relationships" xmlns:p="http://schemas.openxmlformats.org/presentationml/2006/main">
+  <p:cSld>
+    <p:spTree>
+      <p:nvGrpSpPr>
+        <p:cNvPr id="1" name=""/>
+        <p:cNvGrpSpPr/>
+        <p:nvPr/>
+      </p:nvGrpSpPr>
+      <p:grpSpPr>
+        <a:xfrm>
+          <a:off x="0" y="0"/>
+          <a:ext cx="0" cy="0"/>
+          <a:chOff x="0" y="0"/>
+          <a:chExt cx="0" cy="0"/>
+        </a:xfrm>
+      </p:grpSpPr>
+      <p:sp>
+        <p:nvSpPr>
+          <p:cNvPr id="2" name="Tijdelijke aanduiding voor datum 1">
+            <a:extLst>
+              <a:ext uri="{FF2B5EF4-FFF2-40B4-BE49-F238E27FC236}">
+                <a16:creationId xmlns:a16="http://schemas.microsoft.com/office/drawing/2014/main" id="{E69BEAD6-AE56-844C-88A5-3466D13843D7}"/>
+              </a:ext>
+            </a:extLst>
+          </p:cNvPr>
+          <p:cNvSpPr>
+            <a:spLocks noGrp="1"/>
+          </p:cNvSpPr>
+          <p:nvPr>
+            <p:ph type="dt" sz="half" idx="10"/>
+          </p:nvPr>
+        </p:nvSpPr>
+        <p:spPr/>
+        <p:txBody>
+          <a:bodyPr/>
+          <a:lstStyle/>
+          <a:p>
+            <a:fld id="{7CFCE9FC-C9DD-4C47-80D7-5019C090391E}" type="datetime1">
+              <a:rPr lang="nl-NL" smtClean="0"/>
+              <a:t>26-5-2025</a:t>
+            </a:fld>
+            <a:endParaRPr lang="en-GB"/>
+          </a:p>
+        </p:txBody>
+      </p:sp>
+      <p:sp>
+        <p:nvSpPr>
+          <p:cNvPr id="3" name="Tijdelijke aanduiding voor voettekst 2">
+            <a:extLst>
+              <a:ext uri="{FF2B5EF4-FFF2-40B4-BE49-F238E27FC236}">
+                <a16:creationId xmlns:a16="http://schemas.microsoft.com/office/drawing/2014/main" id="{6C6463F7-A8FD-5F4B-90E5-B94E79141122}"/>
+              </a:ext>
+            </a:extLst>
+          </p:cNvPr>
+          <p:cNvSpPr>
+            <a:spLocks noGrp="1"/>
+          </p:cNvSpPr>
+          <p:nvPr>
+            <p:ph type="ftr" sz="quarter" idx="11"/>
+          </p:nvPr>
+        </p:nvSpPr>
+        <p:spPr/>
+        <p:txBody>
+          <a:bodyPr/>
+          <a:lstStyle/>
+          <a:p>
+            <a:r>
+              <a:rPr lang="en-GB" dirty="0" err="1"/>
+              <a:t>Datageletterdheid</a:t>
+            </a:r>
+            <a:endParaRPr lang="en-GB" dirty="0"/>
+          </a:p>
+        </p:txBody>
+      </p:sp>
+      <p:sp>
+        <p:nvSpPr>
+          <p:cNvPr id="4" name="Tijdelijke aanduiding voor dianummer 3">
+            <a:extLst>
+              <a:ext uri="{FF2B5EF4-FFF2-40B4-BE49-F238E27FC236}">
+                <a16:creationId xmlns:a16="http://schemas.microsoft.com/office/drawing/2014/main" id="{EBAAD183-6BCF-2645-B9BB-CBAB0FD26A04}"/>
+              </a:ext>
+            </a:extLst>
+          </p:cNvPr>
+          <p:cNvSpPr>
+            <a:spLocks noGrp="1"/>
+          </p:cNvSpPr>
+          <p:nvPr>
+            <p:ph type="sldNum" sz="quarter" idx="12"/>
+          </p:nvPr>
+        </p:nvSpPr>
+        <p:spPr/>
+        <p:txBody>
+          <a:bodyPr/>
+          <a:lstStyle/>
+          <a:p>
+            <a:fld id="{96C9D0BA-D606-4546-9748-B07575EFE9B6}" type="slidenum">
+              <a:rPr lang="en-GB" smtClean="0"/>
+              <a:t>8</a:t>
+            </a:fld>
+            <a:endParaRPr lang="en-GB"/>
+          </a:p>
+        </p:txBody>
+      </p:sp>
+      <p:sp>
+        <p:nvSpPr>
+          <p:cNvPr id="5" name="Titel 4">
+            <a:extLst>
+              <a:ext uri="{FF2B5EF4-FFF2-40B4-BE49-F238E27FC236}">
+                <a16:creationId xmlns:a16="http://schemas.microsoft.com/office/drawing/2014/main" id="{AF22ADAA-A962-8944-AD14-23A328386956}"/>
+              </a:ext>
+            </a:extLst>
+          </p:cNvPr>
+          <p:cNvSpPr>
+            <a:spLocks noGrp="1"/>
+          </p:cNvSpPr>
+          <p:nvPr>
+            <p:ph type="title"/>
+          </p:nvPr>
+        </p:nvSpPr>
+        <p:spPr/>
+        <p:txBody>
+          <a:bodyPr/>
+          <a:lstStyle/>
+          <a:p>
+            <a:r>
+              <a:rPr lang="en-GB" dirty="0" err="1"/>
+              <a:t>Werkwijze</a:t>
+            </a:r>
+            <a:endParaRPr lang="en-GB" dirty="0"/>
+          </a:p>
+        </p:txBody>
+      </p:sp>
+      <p:pic>
+        <p:nvPicPr>
+          <p:cNvPr id="10" name="Content Placeholder 9" descr="A orange person icon on a black background&#10;&#10;Description automatically generated">
+            <a:extLst>
+              <a:ext uri="{FF2B5EF4-FFF2-40B4-BE49-F238E27FC236}">
+                <a16:creationId xmlns:a16="http://schemas.microsoft.com/office/drawing/2014/main" id="{22CD06BE-3A40-7A53-99F9-31EBB262456D}"/>
+              </a:ext>
+            </a:extLst>
+          </p:cNvPr>
+          <p:cNvPicPr>
+            <a:picLocks noGrp="1" noChangeAspect="1"/>
+          </p:cNvPicPr>
+          <p:nvPr>
+            <p:ph idx="1"/>
+          </p:nvPr>
+        </p:nvPicPr>
+        <p:blipFill>
+          <a:blip r:embed="rId2"/>
+          <a:stretch>
+            <a:fillRect/>
+          </a:stretch>
+        </p:blipFill>
+        <p:spPr>
+          <a:xfrm>
+            <a:off x="1185214" y="2127938"/>
+            <a:ext cx="516141" cy="516141"/>
+          </a:xfrm>
+        </p:spPr>
+      </p:pic>
+      <p:pic>
+        <p:nvPicPr>
+          <p:cNvPr id="12" name="Picture 11" descr="A white table with legs&#10;&#10;Description automatically generated">
+            <a:extLst>
+              <a:ext uri="{FF2B5EF4-FFF2-40B4-BE49-F238E27FC236}">
+                <a16:creationId xmlns:a16="http://schemas.microsoft.com/office/drawing/2014/main" id="{12A5E76E-5444-D820-BB54-B296177B8E50}"/>
+              </a:ext>
+            </a:extLst>
+          </p:cNvPr>
+          <p:cNvPicPr>
+            <a:picLocks noChangeAspect="1"/>
+          </p:cNvPicPr>
+          <p:nvPr/>
+        </p:nvPicPr>
+        <p:blipFill>
+          <a:blip r:embed="rId3"/>
+          <a:stretch>
+            <a:fillRect/>
+          </a:stretch>
+        </p:blipFill>
+        <p:spPr>
+          <a:xfrm>
+            <a:off x="1595535" y="2367348"/>
+            <a:ext cx="1035698" cy="1035698"/>
+          </a:xfrm>
+          <a:prstGeom prst="rect">
+            <a:avLst/>
+          </a:prstGeom>
+        </p:spPr>
+      </p:pic>
+      <p:pic>
+        <p:nvPicPr>
+          <p:cNvPr id="13" name="Content Placeholder 9" descr="A orange person icon on a black background&#10;&#10;Description automatically generated">
+            <a:extLst>
+              <a:ext uri="{FF2B5EF4-FFF2-40B4-BE49-F238E27FC236}">
+                <a16:creationId xmlns:a16="http://schemas.microsoft.com/office/drawing/2014/main" id="{B4460C7A-4DB3-D4BA-1797-FCC1133B6E1A}"/>
+              </a:ext>
+            </a:extLst>
+          </p:cNvPr>
+          <p:cNvPicPr>
+            <a:picLocks noChangeAspect="1"/>
+          </p:cNvPicPr>
+          <p:nvPr/>
+        </p:nvPicPr>
+        <p:blipFill>
+          <a:blip r:embed="rId2"/>
+          <a:stretch>
+            <a:fillRect/>
+          </a:stretch>
+        </p:blipFill>
+        <p:spPr>
+          <a:xfrm>
+            <a:off x="1175884" y="2785936"/>
+            <a:ext cx="516141" cy="516141"/>
+          </a:xfrm>
+          <a:prstGeom prst="rect">
+            <a:avLst/>
+          </a:prstGeom>
+        </p:spPr>
+      </p:pic>
+      <p:pic>
+        <p:nvPicPr>
+          <p:cNvPr id="14" name="Content Placeholder 9" descr="A orange person icon on a black background&#10;&#10;Description automatically generated">
+            <a:extLst>
+              <a:ext uri="{FF2B5EF4-FFF2-40B4-BE49-F238E27FC236}">
+                <a16:creationId xmlns:a16="http://schemas.microsoft.com/office/drawing/2014/main" id="{5C270A01-1521-C20D-B5FF-F01B6F666CF2}"/>
+              </a:ext>
+            </a:extLst>
+          </p:cNvPr>
+          <p:cNvPicPr>
+            <a:picLocks noChangeAspect="1"/>
+          </p:cNvPicPr>
+          <p:nvPr/>
+        </p:nvPicPr>
+        <p:blipFill>
+          <a:blip r:embed="rId2"/>
+          <a:stretch>
+            <a:fillRect/>
+          </a:stretch>
+        </p:blipFill>
+        <p:spPr>
+          <a:xfrm>
+            <a:off x="2699508" y="2022267"/>
+            <a:ext cx="516141" cy="516141"/>
+          </a:xfrm>
+          <a:prstGeom prst="rect">
+            <a:avLst/>
+          </a:prstGeom>
+        </p:spPr>
+      </p:pic>
+      <p:pic>
+        <p:nvPicPr>
+          <p:cNvPr id="15" name="Content Placeholder 9" descr="A orange person icon on a black background&#10;&#10;Description automatically generated">
+            <a:extLst>
+              <a:ext uri="{FF2B5EF4-FFF2-40B4-BE49-F238E27FC236}">
+                <a16:creationId xmlns:a16="http://schemas.microsoft.com/office/drawing/2014/main" id="{3FF4B594-66F9-3475-9718-DEC9EBD36705}"/>
+              </a:ext>
+            </a:extLst>
+          </p:cNvPr>
+          <p:cNvPicPr>
+            <a:picLocks noChangeAspect="1"/>
+          </p:cNvPicPr>
+          <p:nvPr/>
+        </p:nvPicPr>
+        <p:blipFill>
+          <a:blip r:embed="rId2"/>
+          <a:stretch>
+            <a:fillRect/>
+          </a:stretch>
+        </p:blipFill>
+        <p:spPr>
+          <a:xfrm>
+            <a:off x="2699507" y="2644079"/>
+            <a:ext cx="516141" cy="516141"/>
+          </a:xfrm>
+          <a:prstGeom prst="rect">
+            <a:avLst/>
+          </a:prstGeom>
+        </p:spPr>
+      </p:pic>
+      <p:pic>
+        <p:nvPicPr>
+          <p:cNvPr id="17" name="Picture 16" descr="A yellow square with black corner&#10;&#10;Description automatically generated">
+            <a:extLst>
+              <a:ext uri="{FF2B5EF4-FFF2-40B4-BE49-F238E27FC236}">
+                <a16:creationId xmlns:a16="http://schemas.microsoft.com/office/drawing/2014/main" id="{ABA1EA0F-7265-AEA8-1B72-15F2A7BF98FA}"/>
+              </a:ext>
+            </a:extLst>
+          </p:cNvPr>
+          <p:cNvPicPr>
+            <a:picLocks noChangeAspect="1"/>
+          </p:cNvPicPr>
+          <p:nvPr/>
+        </p:nvPicPr>
+        <p:blipFill>
+          <a:blip r:embed="rId4"/>
+          <a:stretch>
+            <a:fillRect/>
+          </a:stretch>
+        </p:blipFill>
+        <p:spPr>
+          <a:xfrm>
+            <a:off x="1760300" y="2421327"/>
+            <a:ext cx="180506" cy="180506"/>
+          </a:xfrm>
+          <a:prstGeom prst="rect">
+            <a:avLst/>
+          </a:prstGeom>
+        </p:spPr>
+      </p:pic>
+      <p:pic>
+        <p:nvPicPr>
+          <p:cNvPr id="18" name="Content Placeholder 9" descr="A orange person icon on a black background&#10;&#10;Description automatically generated">
+            <a:extLst>
+              <a:ext uri="{FF2B5EF4-FFF2-40B4-BE49-F238E27FC236}">
+                <a16:creationId xmlns:a16="http://schemas.microsoft.com/office/drawing/2014/main" id="{A42F5519-A04E-7021-7BCF-71D56E45D21D}"/>
+              </a:ext>
+            </a:extLst>
+          </p:cNvPr>
+          <p:cNvPicPr>
+            <a:picLocks noChangeAspect="1"/>
+          </p:cNvPicPr>
+          <p:nvPr/>
+        </p:nvPicPr>
+        <p:blipFill>
+          <a:blip r:embed="rId2"/>
+          <a:stretch>
+            <a:fillRect/>
+          </a:stretch>
+        </p:blipFill>
+        <p:spPr>
+          <a:xfrm>
+            <a:off x="4649981" y="1337441"/>
+            <a:ext cx="516141" cy="516141"/>
+          </a:xfrm>
+          <a:prstGeom prst="rect">
+            <a:avLst/>
+          </a:prstGeom>
+        </p:spPr>
+      </p:pic>
+      <p:pic>
+        <p:nvPicPr>
+          <p:cNvPr id="19" name="Picture 18" descr="A white table with legs&#10;&#10;Description automatically generated">
+            <a:extLst>
+              <a:ext uri="{FF2B5EF4-FFF2-40B4-BE49-F238E27FC236}">
+                <a16:creationId xmlns:a16="http://schemas.microsoft.com/office/drawing/2014/main" id="{DA29E38B-D377-79AC-96E3-9A55AAB05ABB}"/>
+              </a:ext>
+            </a:extLst>
+          </p:cNvPr>
+          <p:cNvPicPr>
+            <a:picLocks noChangeAspect="1"/>
+          </p:cNvPicPr>
+          <p:nvPr/>
+        </p:nvPicPr>
+        <p:blipFill>
+          <a:blip r:embed="rId3"/>
+          <a:stretch>
+            <a:fillRect/>
+          </a:stretch>
+        </p:blipFill>
+        <p:spPr>
+          <a:xfrm>
+            <a:off x="5060302" y="1576851"/>
+            <a:ext cx="1035698" cy="1035698"/>
+          </a:xfrm>
+          <a:prstGeom prst="rect">
+            <a:avLst/>
+          </a:prstGeom>
+        </p:spPr>
+      </p:pic>
+      <p:pic>
+        <p:nvPicPr>
+          <p:cNvPr id="20" name="Content Placeholder 9" descr="A orange person icon on a black background&#10;&#10;Description automatically generated">
+            <a:extLst>
+              <a:ext uri="{FF2B5EF4-FFF2-40B4-BE49-F238E27FC236}">
+                <a16:creationId xmlns:a16="http://schemas.microsoft.com/office/drawing/2014/main" id="{5A05342A-BCE2-FAF5-12C9-3DC563906C28}"/>
+              </a:ext>
+            </a:extLst>
+          </p:cNvPr>
+          <p:cNvPicPr>
+            <a:picLocks noChangeAspect="1"/>
+          </p:cNvPicPr>
+          <p:nvPr/>
+        </p:nvPicPr>
+        <p:blipFill>
+          <a:blip r:embed="rId2"/>
+          <a:stretch>
+            <a:fillRect/>
+          </a:stretch>
+        </p:blipFill>
+        <p:spPr>
+          <a:xfrm>
+            <a:off x="4640651" y="1995439"/>
+            <a:ext cx="516141" cy="516141"/>
+          </a:xfrm>
+          <a:prstGeom prst="rect">
+            <a:avLst/>
+          </a:prstGeom>
+        </p:spPr>
+      </p:pic>
+      <p:pic>
+        <p:nvPicPr>
+          <p:cNvPr id="21" name="Content Placeholder 9" descr="A orange person icon on a black background&#10;&#10;Description automatically generated">
+            <a:extLst>
+              <a:ext uri="{FF2B5EF4-FFF2-40B4-BE49-F238E27FC236}">
+                <a16:creationId xmlns:a16="http://schemas.microsoft.com/office/drawing/2014/main" id="{03F67A37-5F1B-08E1-1A94-54EB2D8504A1}"/>
+              </a:ext>
+            </a:extLst>
+          </p:cNvPr>
+          <p:cNvPicPr>
+            <a:picLocks noChangeAspect="1"/>
+          </p:cNvPicPr>
+          <p:nvPr/>
+        </p:nvPicPr>
+        <p:blipFill>
+          <a:blip r:embed="rId2"/>
+          <a:stretch>
+            <a:fillRect/>
+          </a:stretch>
+        </p:blipFill>
+        <p:spPr>
+          <a:xfrm>
+            <a:off x="6164275" y="1231770"/>
+            <a:ext cx="516141" cy="516141"/>
+          </a:xfrm>
+          <a:prstGeom prst="rect">
+            <a:avLst/>
+          </a:prstGeom>
+        </p:spPr>
+      </p:pic>
+      <p:pic>
+        <p:nvPicPr>
+          <p:cNvPr id="22" name="Content Placeholder 9" descr="A orange person icon on a black background&#10;&#10;Description automatically generated">
+            <a:extLst>
+              <a:ext uri="{FF2B5EF4-FFF2-40B4-BE49-F238E27FC236}">
+                <a16:creationId xmlns:a16="http://schemas.microsoft.com/office/drawing/2014/main" id="{C5AEA9EF-CFF0-68D7-1882-C71FC333260C}"/>
+              </a:ext>
+            </a:extLst>
+          </p:cNvPr>
+          <p:cNvPicPr>
+            <a:picLocks noChangeAspect="1"/>
+          </p:cNvPicPr>
+          <p:nvPr/>
+        </p:nvPicPr>
+        <p:blipFill>
+          <a:blip r:embed="rId2"/>
+          <a:stretch>
+            <a:fillRect/>
+          </a:stretch>
+        </p:blipFill>
+        <p:spPr>
+          <a:xfrm>
+            <a:off x="6164274" y="1853582"/>
+            <a:ext cx="516141" cy="516141"/>
+          </a:xfrm>
+          <a:prstGeom prst="rect">
+            <a:avLst/>
+          </a:prstGeom>
+        </p:spPr>
+      </p:pic>
+      <p:pic>
+        <p:nvPicPr>
+          <p:cNvPr id="23" name="Content Placeholder 9" descr="A orange person icon on a black background&#10;&#10;Description automatically generated">
+            <a:extLst>
+              <a:ext uri="{FF2B5EF4-FFF2-40B4-BE49-F238E27FC236}">
+                <a16:creationId xmlns:a16="http://schemas.microsoft.com/office/drawing/2014/main" id="{90B7AC3A-42DE-A5A9-9BA6-345E99EFE1E3}"/>
+              </a:ext>
+            </a:extLst>
+          </p:cNvPr>
+          <p:cNvPicPr>
+            <a:picLocks noChangeAspect="1"/>
+          </p:cNvPicPr>
+          <p:nvPr/>
+        </p:nvPicPr>
+        <p:blipFill>
+          <a:blip r:embed="rId2"/>
+          <a:stretch>
+            <a:fillRect/>
+          </a:stretch>
+        </p:blipFill>
+        <p:spPr>
+          <a:xfrm>
+            <a:off x="7743079" y="3036801"/>
+            <a:ext cx="516141" cy="516141"/>
+          </a:xfrm>
+          <a:prstGeom prst="rect">
+            <a:avLst/>
+          </a:prstGeom>
+        </p:spPr>
+      </p:pic>
+      <p:pic>
+        <p:nvPicPr>
+          <p:cNvPr id="24" name="Picture 23" descr="A white table with legs&#10;&#10;Description automatically generated">
+            <a:extLst>
+              <a:ext uri="{FF2B5EF4-FFF2-40B4-BE49-F238E27FC236}">
+                <a16:creationId xmlns:a16="http://schemas.microsoft.com/office/drawing/2014/main" id="{FBD0B996-5F39-3497-2909-CD1F0F9FE03E}"/>
+              </a:ext>
+            </a:extLst>
+          </p:cNvPr>
+          <p:cNvPicPr>
+            <a:picLocks noChangeAspect="1"/>
+          </p:cNvPicPr>
+          <p:nvPr/>
+        </p:nvPicPr>
+        <p:blipFill>
+          <a:blip r:embed="rId3"/>
+          <a:stretch>
+            <a:fillRect/>
+          </a:stretch>
+        </p:blipFill>
+        <p:spPr>
+          <a:xfrm>
+            <a:off x="8153400" y="3276211"/>
+            <a:ext cx="1035698" cy="1035698"/>
+          </a:xfrm>
+          <a:prstGeom prst="rect">
+            <a:avLst/>
+          </a:prstGeom>
+        </p:spPr>
+      </p:pic>
+      <p:pic>
+        <p:nvPicPr>
+          <p:cNvPr id="25" name="Content Placeholder 9" descr="A orange person icon on a black background&#10;&#10;Description automatically generated">
+            <a:extLst>
+              <a:ext uri="{FF2B5EF4-FFF2-40B4-BE49-F238E27FC236}">
+                <a16:creationId xmlns:a16="http://schemas.microsoft.com/office/drawing/2014/main" id="{163201B4-956A-B7A5-45CB-18F20D835BC6}"/>
+              </a:ext>
+            </a:extLst>
+          </p:cNvPr>
+          <p:cNvPicPr>
+            <a:picLocks noChangeAspect="1"/>
+          </p:cNvPicPr>
+          <p:nvPr/>
+        </p:nvPicPr>
+        <p:blipFill>
+          <a:blip r:embed="rId2"/>
+          <a:stretch>
+            <a:fillRect/>
+          </a:stretch>
+        </p:blipFill>
+        <p:spPr>
+          <a:xfrm>
+            <a:off x="7733749" y="3694799"/>
+            <a:ext cx="516141" cy="516141"/>
+          </a:xfrm>
+          <a:prstGeom prst="rect">
+            <a:avLst/>
+          </a:prstGeom>
+        </p:spPr>
+      </p:pic>
+      <p:pic>
+        <p:nvPicPr>
+          <p:cNvPr id="26" name="Content Placeholder 9" descr="A orange person icon on a black background&#10;&#10;Description automatically generated">
+            <a:extLst>
+              <a:ext uri="{FF2B5EF4-FFF2-40B4-BE49-F238E27FC236}">
+                <a16:creationId xmlns:a16="http://schemas.microsoft.com/office/drawing/2014/main" id="{ED611465-C038-651D-6FD4-D63FC04F15E4}"/>
+              </a:ext>
+            </a:extLst>
+          </p:cNvPr>
+          <p:cNvPicPr>
+            <a:picLocks noChangeAspect="1"/>
+          </p:cNvPicPr>
+          <p:nvPr/>
+        </p:nvPicPr>
+        <p:blipFill>
+          <a:blip r:embed="rId2"/>
+          <a:stretch>
+            <a:fillRect/>
+          </a:stretch>
+        </p:blipFill>
+        <p:spPr>
+          <a:xfrm>
+            <a:off x="9257373" y="2931130"/>
+            <a:ext cx="516141" cy="516141"/>
+          </a:xfrm>
+          <a:prstGeom prst="rect">
+            <a:avLst/>
+          </a:prstGeom>
+        </p:spPr>
+      </p:pic>
+      <p:pic>
+        <p:nvPicPr>
+          <p:cNvPr id="27" name="Content Placeholder 9" descr="A orange person icon on a black background&#10;&#10;Description automatically generated">
+            <a:extLst>
+              <a:ext uri="{FF2B5EF4-FFF2-40B4-BE49-F238E27FC236}">
+                <a16:creationId xmlns:a16="http://schemas.microsoft.com/office/drawing/2014/main" id="{B26B1C3A-BDC6-8767-1F58-A08770BC9834}"/>
+              </a:ext>
+            </a:extLst>
+          </p:cNvPr>
+          <p:cNvPicPr>
+            <a:picLocks noChangeAspect="1"/>
+          </p:cNvPicPr>
+          <p:nvPr/>
+        </p:nvPicPr>
+        <p:blipFill>
+          <a:blip r:embed="rId2"/>
+          <a:stretch>
+            <a:fillRect/>
+          </a:stretch>
+        </p:blipFill>
+        <p:spPr>
+          <a:xfrm>
+            <a:off x="9257372" y="3552942"/>
+            <a:ext cx="516141" cy="516141"/>
+          </a:xfrm>
+          <a:prstGeom prst="rect">
+            <a:avLst/>
+          </a:prstGeom>
+        </p:spPr>
+      </p:pic>
+      <p:pic>
+        <p:nvPicPr>
+          <p:cNvPr id="28" name="Content Placeholder 9" descr="A orange person icon on a black background&#10;&#10;Description automatically generated">
+            <a:extLst>
+              <a:ext uri="{FF2B5EF4-FFF2-40B4-BE49-F238E27FC236}">
+                <a16:creationId xmlns:a16="http://schemas.microsoft.com/office/drawing/2014/main" id="{D3139E00-ABC2-DFD9-F971-ADCD879A2A54}"/>
+              </a:ext>
+            </a:extLst>
+          </p:cNvPr>
+          <p:cNvPicPr>
+            <a:picLocks noChangeAspect="1"/>
+          </p:cNvPicPr>
+          <p:nvPr/>
+        </p:nvPicPr>
+        <p:blipFill>
+          <a:blip r:embed="rId2"/>
+          <a:stretch>
+            <a:fillRect/>
+          </a:stretch>
+        </p:blipFill>
+        <p:spPr>
+          <a:xfrm>
+            <a:off x="3203962" y="4108255"/>
+            <a:ext cx="516141" cy="516141"/>
+          </a:xfrm>
+          <a:prstGeom prst="rect">
+            <a:avLst/>
+          </a:prstGeom>
+        </p:spPr>
+      </p:pic>
+      <p:pic>
+        <p:nvPicPr>
+          <p:cNvPr id="29" name="Picture 28" descr="A white table with legs&#10;&#10;Description automatically generated">
+            <a:extLst>
+              <a:ext uri="{FF2B5EF4-FFF2-40B4-BE49-F238E27FC236}">
+                <a16:creationId xmlns:a16="http://schemas.microsoft.com/office/drawing/2014/main" id="{380D25C6-7D92-F1E0-9230-8E60C3DB6B1B}"/>
+              </a:ext>
+            </a:extLst>
+          </p:cNvPr>
+          <p:cNvPicPr>
+            <a:picLocks noChangeAspect="1"/>
+          </p:cNvPicPr>
+          <p:nvPr/>
+        </p:nvPicPr>
+        <p:blipFill>
+          <a:blip r:embed="rId3"/>
+          <a:stretch>
+            <a:fillRect/>
+          </a:stretch>
+        </p:blipFill>
+        <p:spPr>
+          <a:xfrm>
+            <a:off x="3614283" y="4347665"/>
+            <a:ext cx="1035698" cy="1035698"/>
+          </a:xfrm>
+          <a:prstGeom prst="rect">
+            <a:avLst/>
+          </a:prstGeom>
+        </p:spPr>
+      </p:pic>
+      <p:pic>
+        <p:nvPicPr>
+          <p:cNvPr id="30" name="Content Placeholder 9" descr="A orange person icon on a black background&#10;&#10;Description automatically generated">
+            <a:extLst>
+              <a:ext uri="{FF2B5EF4-FFF2-40B4-BE49-F238E27FC236}">
+                <a16:creationId xmlns:a16="http://schemas.microsoft.com/office/drawing/2014/main" id="{62D0261F-7806-85AB-323E-C691D25CC675}"/>
+              </a:ext>
+            </a:extLst>
+          </p:cNvPr>
+          <p:cNvPicPr>
+            <a:picLocks noChangeAspect="1"/>
+          </p:cNvPicPr>
+          <p:nvPr/>
+        </p:nvPicPr>
+        <p:blipFill>
+          <a:blip r:embed="rId2"/>
+          <a:stretch>
+            <a:fillRect/>
+          </a:stretch>
+        </p:blipFill>
+        <p:spPr>
+          <a:xfrm>
+            <a:off x="3194632" y="4766253"/>
+            <a:ext cx="516141" cy="516141"/>
+          </a:xfrm>
+          <a:prstGeom prst="rect">
+            <a:avLst/>
+          </a:prstGeom>
+        </p:spPr>
+      </p:pic>
+      <p:pic>
+        <p:nvPicPr>
+          <p:cNvPr id="31" name="Content Placeholder 9" descr="A orange person icon on a black background&#10;&#10;Description automatically generated">
+            <a:extLst>
+              <a:ext uri="{FF2B5EF4-FFF2-40B4-BE49-F238E27FC236}">
+                <a16:creationId xmlns:a16="http://schemas.microsoft.com/office/drawing/2014/main" id="{01B6358F-F07D-12C1-34FE-9CE9255C491A}"/>
+              </a:ext>
+            </a:extLst>
+          </p:cNvPr>
+          <p:cNvPicPr>
+            <a:picLocks noChangeAspect="1"/>
+          </p:cNvPicPr>
+          <p:nvPr/>
+        </p:nvPicPr>
+        <p:blipFill>
+          <a:blip r:embed="rId2"/>
+          <a:stretch>
+            <a:fillRect/>
+          </a:stretch>
+        </p:blipFill>
+        <p:spPr>
+          <a:xfrm>
+            <a:off x="4718256" y="4002584"/>
+            <a:ext cx="516141" cy="516141"/>
+          </a:xfrm>
+          <a:prstGeom prst="rect">
+            <a:avLst/>
+          </a:prstGeom>
+        </p:spPr>
+      </p:pic>
+      <p:pic>
+        <p:nvPicPr>
+          <p:cNvPr id="32" name="Content Placeholder 9" descr="A orange person icon on a black background&#10;&#10;Description automatically generated">
+            <a:extLst>
+              <a:ext uri="{FF2B5EF4-FFF2-40B4-BE49-F238E27FC236}">
+                <a16:creationId xmlns:a16="http://schemas.microsoft.com/office/drawing/2014/main" id="{1968CE62-B297-C9D2-50D7-FA273B27973D}"/>
+              </a:ext>
+            </a:extLst>
+          </p:cNvPr>
+          <p:cNvPicPr>
+            <a:picLocks noChangeAspect="1"/>
+          </p:cNvPicPr>
+          <p:nvPr/>
+        </p:nvPicPr>
+        <p:blipFill>
+          <a:blip r:embed="rId2"/>
+          <a:stretch>
+            <a:fillRect/>
+          </a:stretch>
+        </p:blipFill>
+        <p:spPr>
+          <a:xfrm>
+            <a:off x="4718255" y="4624396"/>
+            <a:ext cx="516141" cy="516141"/>
+          </a:xfrm>
+          <a:prstGeom prst="rect">
+            <a:avLst/>
+          </a:prstGeom>
+        </p:spPr>
+      </p:pic>
+      <p:pic>
+        <p:nvPicPr>
+          <p:cNvPr id="6" name="Picture 5" descr="A yellow square with black corner&#10;&#10;Description automatically generated">
+            <a:extLst>
+              <a:ext uri="{FF2B5EF4-FFF2-40B4-BE49-F238E27FC236}">
+                <a16:creationId xmlns:a16="http://schemas.microsoft.com/office/drawing/2014/main" id="{F54CCF78-5617-E444-E2F9-0C11645D66F2}"/>
+              </a:ext>
+            </a:extLst>
+          </p:cNvPr>
+          <p:cNvPicPr>
+            <a:picLocks noChangeAspect="1"/>
+          </p:cNvPicPr>
+          <p:nvPr/>
+        </p:nvPicPr>
+        <p:blipFill>
+          <a:blip r:embed="rId4"/>
+          <a:stretch>
+            <a:fillRect/>
+          </a:stretch>
+        </p:blipFill>
+        <p:spPr>
+          <a:xfrm>
+            <a:off x="2270204" y="2545789"/>
+            <a:ext cx="180506" cy="180506"/>
+          </a:xfrm>
+          <a:prstGeom prst="rect">
+            <a:avLst/>
+          </a:prstGeom>
+        </p:spPr>
+      </p:pic>
+      <p:pic>
+        <p:nvPicPr>
+          <p:cNvPr id="7" name="Picture 6" descr="A yellow square with black corner&#10;&#10;Description automatically generated">
+            <a:extLst>
+              <a:ext uri="{FF2B5EF4-FFF2-40B4-BE49-F238E27FC236}">
+                <a16:creationId xmlns:a16="http://schemas.microsoft.com/office/drawing/2014/main" id="{184B233E-7D4F-8F7C-2718-367D6C2CA587}"/>
+              </a:ext>
+            </a:extLst>
+          </p:cNvPr>
+          <p:cNvPicPr>
+            <a:picLocks noChangeAspect="1"/>
+          </p:cNvPicPr>
+          <p:nvPr/>
+        </p:nvPicPr>
+        <p:blipFill>
+          <a:blip r:embed="rId4"/>
+          <a:stretch>
+            <a:fillRect/>
+          </a:stretch>
+        </p:blipFill>
+        <p:spPr>
+          <a:xfrm>
+            <a:off x="3720103" y="4428472"/>
+            <a:ext cx="180506" cy="180506"/>
+          </a:xfrm>
+          <a:prstGeom prst="rect">
+            <a:avLst/>
+          </a:prstGeom>
+        </p:spPr>
+      </p:pic>
+      <p:pic>
+        <p:nvPicPr>
+          <p:cNvPr id="8" name="Picture 7" descr="A yellow square with black corner&#10;&#10;Description automatically generated">
+            <a:extLst>
+              <a:ext uri="{FF2B5EF4-FFF2-40B4-BE49-F238E27FC236}">
+                <a16:creationId xmlns:a16="http://schemas.microsoft.com/office/drawing/2014/main" id="{447A6731-EAD1-81FF-83E3-B7AB4D874786}"/>
+              </a:ext>
+            </a:extLst>
+          </p:cNvPr>
+          <p:cNvPicPr>
+            <a:picLocks noChangeAspect="1"/>
+          </p:cNvPicPr>
+          <p:nvPr/>
+        </p:nvPicPr>
+        <p:blipFill>
+          <a:blip r:embed="rId4"/>
+          <a:stretch>
+            <a:fillRect/>
+          </a:stretch>
+        </p:blipFill>
+        <p:spPr>
+          <a:xfrm>
+            <a:off x="4333731" y="4554239"/>
+            <a:ext cx="180506" cy="180506"/>
+          </a:xfrm>
+          <a:prstGeom prst="rect">
+            <a:avLst/>
+          </a:prstGeom>
+        </p:spPr>
+      </p:pic>
+      <p:pic>
+        <p:nvPicPr>
+          <p:cNvPr id="9" name="Picture 8" descr="A yellow square with black corner&#10;&#10;Description automatically generated">
+            <a:extLst>
+              <a:ext uri="{FF2B5EF4-FFF2-40B4-BE49-F238E27FC236}">
+                <a16:creationId xmlns:a16="http://schemas.microsoft.com/office/drawing/2014/main" id="{F65D2F57-ED09-C2AE-31DB-5232973AE639}"/>
+              </a:ext>
+            </a:extLst>
+          </p:cNvPr>
+          <p:cNvPicPr>
+            <a:picLocks noChangeAspect="1"/>
+          </p:cNvPicPr>
+          <p:nvPr/>
+        </p:nvPicPr>
+        <p:blipFill>
+          <a:blip r:embed="rId4"/>
+          <a:stretch>
+            <a:fillRect/>
+          </a:stretch>
+        </p:blipFill>
+        <p:spPr>
+          <a:xfrm>
+            <a:off x="5242788" y="1880859"/>
+            <a:ext cx="180506" cy="180506"/>
+          </a:xfrm>
+          <a:prstGeom prst="rect">
+            <a:avLst/>
+          </a:prstGeom>
+        </p:spPr>
+      </p:pic>
+      <p:pic>
+        <p:nvPicPr>
+          <p:cNvPr id="11" name="Picture 10" descr="A yellow square with black corner&#10;&#10;Description automatically generated">
+            <a:extLst>
+              <a:ext uri="{FF2B5EF4-FFF2-40B4-BE49-F238E27FC236}">
+                <a16:creationId xmlns:a16="http://schemas.microsoft.com/office/drawing/2014/main" id="{5F3D3C4B-65BA-3576-9A7F-EDD820BF90BD}"/>
+              </a:ext>
+            </a:extLst>
+          </p:cNvPr>
+          <p:cNvPicPr>
+            <a:picLocks noChangeAspect="1"/>
+          </p:cNvPicPr>
+          <p:nvPr/>
+        </p:nvPicPr>
+        <p:blipFill>
+          <a:blip r:embed="rId4"/>
+          <a:stretch>
+            <a:fillRect/>
+          </a:stretch>
+        </p:blipFill>
+        <p:spPr>
+          <a:xfrm>
+            <a:off x="5859378" y="1690688"/>
+            <a:ext cx="180506" cy="180506"/>
+          </a:xfrm>
+          <a:prstGeom prst="rect">
+            <a:avLst/>
+          </a:prstGeom>
+        </p:spPr>
+      </p:pic>
+      <p:pic>
+        <p:nvPicPr>
+          <p:cNvPr id="16" name="Picture 15" descr="A yellow square with black corner&#10;&#10;Description automatically generated">
+            <a:extLst>
+              <a:ext uri="{FF2B5EF4-FFF2-40B4-BE49-F238E27FC236}">
+                <a16:creationId xmlns:a16="http://schemas.microsoft.com/office/drawing/2014/main" id="{0384E152-5A6D-EA76-C9C8-842D28C275C3}"/>
+              </a:ext>
+            </a:extLst>
+          </p:cNvPr>
+          <p:cNvPicPr>
+            <a:picLocks noChangeAspect="1"/>
+          </p:cNvPicPr>
+          <p:nvPr/>
+        </p:nvPicPr>
+        <p:blipFill>
+          <a:blip r:embed="rId4"/>
+          <a:stretch>
+            <a:fillRect/>
+          </a:stretch>
+        </p:blipFill>
+        <p:spPr>
+          <a:xfrm>
+            <a:off x="8259220" y="3326684"/>
+            <a:ext cx="180506" cy="180506"/>
+          </a:xfrm>
+          <a:prstGeom prst="rect">
+            <a:avLst/>
+          </a:prstGeom>
+        </p:spPr>
+      </p:pic>
+      <p:pic>
+        <p:nvPicPr>
+          <p:cNvPr id="33" name="Picture 32" descr="A yellow square with black corner&#10;&#10;Description automatically generated">
+            <a:extLst>
+              <a:ext uri="{FF2B5EF4-FFF2-40B4-BE49-F238E27FC236}">
+                <a16:creationId xmlns:a16="http://schemas.microsoft.com/office/drawing/2014/main" id="{2E468236-D9FB-B069-9361-88594A6EE3EF}"/>
+              </a:ext>
+            </a:extLst>
+          </p:cNvPr>
+          <p:cNvPicPr>
+            <a:picLocks noChangeAspect="1"/>
+          </p:cNvPicPr>
+          <p:nvPr/>
+        </p:nvPicPr>
+        <p:blipFill>
+          <a:blip r:embed="rId4"/>
+          <a:stretch>
+            <a:fillRect/>
+          </a:stretch>
+        </p:blipFill>
+        <p:spPr>
+          <a:xfrm>
+            <a:off x="8859377" y="3462689"/>
+            <a:ext cx="180506" cy="180506"/>
+          </a:xfrm>
+          <a:prstGeom prst="rect">
+            <a:avLst/>
+          </a:prstGeom>
+        </p:spPr>
+      </p:pic>
+      <p:pic>
+        <p:nvPicPr>
+          <p:cNvPr id="34" name="Picture 33" descr="A yellow square with black corner&#10;&#10;Description automatically generated">
+            <a:extLst>
+              <a:ext uri="{FF2B5EF4-FFF2-40B4-BE49-F238E27FC236}">
+                <a16:creationId xmlns:a16="http://schemas.microsoft.com/office/drawing/2014/main" id="{D8050459-3FC2-691B-A8BF-CAD5DCE17FF2}"/>
+              </a:ext>
+            </a:extLst>
+          </p:cNvPr>
+          <p:cNvPicPr>
+            <a:picLocks noChangeAspect="1"/>
+          </p:cNvPicPr>
+          <p:nvPr/>
+        </p:nvPicPr>
+        <p:blipFill>
+          <a:blip r:embed="rId4"/>
+          <a:stretch>
+            <a:fillRect/>
+          </a:stretch>
+        </p:blipFill>
+        <p:spPr>
+          <a:xfrm>
+            <a:off x="8543653" y="3541754"/>
+            <a:ext cx="180506" cy="180506"/>
+          </a:xfrm>
+          <a:prstGeom prst="rect">
+            <a:avLst/>
+          </a:prstGeom>
+        </p:spPr>
+      </p:pic>
+      <p:pic>
+        <p:nvPicPr>
+          <p:cNvPr id="36" name="Picture 35" descr="A white screen with a black background&#10;&#10;Description automatically generated">
+            <a:extLst>
+              <a:ext uri="{FF2B5EF4-FFF2-40B4-BE49-F238E27FC236}">
+                <a16:creationId xmlns:a16="http://schemas.microsoft.com/office/drawing/2014/main" id="{15F88E27-895B-8C1F-9D97-DD6713211705}"/>
+              </a:ext>
+            </a:extLst>
+          </p:cNvPr>
+          <p:cNvPicPr>
+            <a:picLocks noChangeAspect="1"/>
+          </p:cNvPicPr>
+          <p:nvPr/>
+        </p:nvPicPr>
+        <p:blipFill>
+          <a:blip r:embed="rId5"/>
+          <a:stretch>
+            <a:fillRect/>
+          </a:stretch>
+        </p:blipFill>
+        <p:spPr>
+          <a:xfrm>
+            <a:off x="8983979" y="380264"/>
+            <a:ext cx="2438095" cy="2438095"/>
+          </a:xfrm>
+          <a:prstGeom prst="rect">
+            <a:avLst/>
+          </a:prstGeom>
+        </p:spPr>
+      </p:pic>
+      <p:pic>
+        <p:nvPicPr>
+          <p:cNvPr id="37" name="Content Placeholder 9" descr="A orange person icon on a black background&#10;&#10;Description automatically generated">
+            <a:extLst>
+              <a:ext uri="{FF2B5EF4-FFF2-40B4-BE49-F238E27FC236}">
+                <a16:creationId xmlns:a16="http://schemas.microsoft.com/office/drawing/2014/main" id="{D5702488-4DE2-075A-5B26-101324514906}"/>
+              </a:ext>
+            </a:extLst>
+          </p:cNvPr>
+          <p:cNvPicPr>
+            <a:picLocks noChangeAspect="1"/>
+          </p:cNvPicPr>
+          <p:nvPr/>
+        </p:nvPicPr>
+        <p:blipFill>
+          <a:blip r:embed="rId2"/>
+          <a:stretch>
+            <a:fillRect/>
+          </a:stretch>
+        </p:blipFill>
+        <p:spPr>
+          <a:xfrm>
+            <a:off x="8352529" y="1709238"/>
+            <a:ext cx="516141" cy="516141"/>
+          </a:xfrm>
+          <a:prstGeom prst="rect">
+            <a:avLst/>
+          </a:prstGeom>
+        </p:spPr>
+      </p:pic>
+    </p:spTree>
+    <p:extLst>
+      <p:ext uri="{BB962C8B-B14F-4D97-AF65-F5344CB8AC3E}">
+        <p14:creationId xmlns:p14="http://schemas.microsoft.com/office/powerpoint/2010/main" val="2469836886"/>
+      </p:ext>
+    </p:extLst>
+  </p:cSld>
+  <p:clrMapOvr>
+    <a:masterClrMapping/>
+  </p:clrMapOvr>
+</p:sld>
+</file>
+
+<file path=ppt/slides/slide9.xml><?xml version="1.0" encoding="utf-8"?>
+<p:sld xmlns:a="http://schemas.openxmlformats.org/drawingml/2006/main" xmlns:r="http://schemas.openxmlformats.org/officeDocument/2006/relationships" xmlns:p="http://schemas.openxmlformats.org/presentationml/2006/main">
+  <p:cSld>
+    <p:spTree>
+      <p:nvGrpSpPr>
+        <p:cNvPr id="1" name="">
+          <a:extLst>
+            <a:ext uri="{FF2B5EF4-FFF2-40B4-BE49-F238E27FC236}">
+              <a16:creationId xmlns:a16="http://schemas.microsoft.com/office/drawing/2014/main" id="{E372A6DD-F37B-2E89-2653-77EB5CC84A37}"/>
+            </a:ext>
+          </a:extLst>
+        </p:cNvPr>
+        <p:cNvGrpSpPr/>
+        <p:nvPr/>
+      </p:nvGrpSpPr>
+      <p:grpSpPr>
+        <a:xfrm>
+          <a:off x="0" y="0"/>
+          <a:ext cx="0" cy="0"/>
+          <a:chOff x="0" y="0"/>
+          <a:chExt cx="0" cy="0"/>
+        </a:xfrm>
+      </p:grpSpPr>
+      <p:sp>
+        <p:nvSpPr>
+          <p:cNvPr id="2" name="Tijdelijke aanduiding voor datum 1">
+            <a:extLst>
+              <a:ext uri="{FF2B5EF4-FFF2-40B4-BE49-F238E27FC236}">
+                <a16:creationId xmlns:a16="http://schemas.microsoft.com/office/drawing/2014/main" id="{98E56CFA-11ED-0242-7C15-D5D578D93142}"/>
+              </a:ext>
+            </a:extLst>
+          </p:cNvPr>
+          <p:cNvSpPr>
+            <a:spLocks noGrp="1"/>
+          </p:cNvSpPr>
+          <p:nvPr>
+            <p:ph type="dt" sz="half" idx="10"/>
+          </p:nvPr>
+        </p:nvSpPr>
+        <p:spPr/>
+        <p:txBody>
+          <a:bodyPr/>
+          <a:lstStyle/>
+          <a:p>
+            <a:fld id="{7CFCE9FC-C9DD-4C47-80D7-5019C090391E}" type="datetime1">
+              <a:rPr lang="nl-NL" smtClean="0"/>
+              <a:t>26-5-2025</a:t>
+            </a:fld>
+            <a:endParaRPr lang="en-GB"/>
+          </a:p>
+        </p:txBody>
+      </p:sp>
+      <p:sp>
+        <p:nvSpPr>
+          <p:cNvPr id="3" name="Tijdelijke aanduiding voor voettekst 2">
+            <a:extLst>
+              <a:ext uri="{FF2B5EF4-FFF2-40B4-BE49-F238E27FC236}">
+                <a16:creationId xmlns:a16="http://schemas.microsoft.com/office/drawing/2014/main" id="{E8F01E00-0391-FD84-8958-41AD0986B290}"/>
+              </a:ext>
+            </a:extLst>
+          </p:cNvPr>
+          <p:cNvSpPr>
+            <a:spLocks noGrp="1"/>
+          </p:cNvSpPr>
+          <p:nvPr>
+            <p:ph type="ftr" sz="quarter" idx="11"/>
+          </p:nvPr>
+        </p:nvSpPr>
+        <p:spPr/>
+        <p:txBody>
+          <a:bodyPr/>
+          <a:lstStyle/>
+          <a:p>
+            <a:r>
+              <a:rPr lang="en-GB" dirty="0" err="1"/>
+              <a:t>Datageletterdheid</a:t>
+            </a:r>
+            <a:endParaRPr lang="en-GB" dirty="0"/>
+          </a:p>
+        </p:txBody>
+      </p:sp>
+      <p:sp>
+        <p:nvSpPr>
+          <p:cNvPr id="4" name="Tijdelijke aanduiding voor dianummer 3">
+            <a:extLst>
+              <a:ext uri="{FF2B5EF4-FFF2-40B4-BE49-F238E27FC236}">
+                <a16:creationId xmlns:a16="http://schemas.microsoft.com/office/drawing/2014/main" id="{A54359C0-1863-9A95-3D39-1DC6A6F1E820}"/>
+              </a:ext>
+            </a:extLst>
+          </p:cNvPr>
+          <p:cNvSpPr>
+            <a:spLocks noGrp="1"/>
+          </p:cNvSpPr>
+          <p:nvPr>
+            <p:ph type="sldNum" sz="quarter" idx="12"/>
+          </p:nvPr>
+        </p:nvSpPr>
+        <p:spPr/>
+        <p:txBody>
+          <a:bodyPr/>
+          <a:lstStyle/>
+          <a:p>
+            <a:fld id="{96C9D0BA-D606-4546-9748-B07575EFE9B6}" type="slidenum">
+              <a:rPr lang="en-GB" smtClean="0"/>
+              <a:t>9</a:t>
+            </a:fld>
+            <a:endParaRPr lang="en-GB"/>
+          </a:p>
+        </p:txBody>
+      </p:sp>
+      <p:sp>
+        <p:nvSpPr>
+          <p:cNvPr id="5" name="Titel 4">
+            <a:extLst>
+              <a:ext uri="{FF2B5EF4-FFF2-40B4-BE49-F238E27FC236}">
+                <a16:creationId xmlns:a16="http://schemas.microsoft.com/office/drawing/2014/main" id="{7047C440-4D3A-7213-6A6E-A82F6AE954BE}"/>
+              </a:ext>
+            </a:extLst>
+          </p:cNvPr>
+          <p:cNvSpPr>
+            <a:spLocks noGrp="1"/>
+          </p:cNvSpPr>
+          <p:nvPr>
+            <p:ph type="title"/>
+          </p:nvPr>
+        </p:nvSpPr>
+        <p:spPr/>
+        <p:txBody>
+          <a:bodyPr/>
+          <a:lstStyle/>
+          <a:p>
+            <a:r>
+              <a:rPr lang="en-GB" dirty="0" err="1"/>
+              <a:t>Werkwijze</a:t>
+            </a:r>
+            <a:endParaRPr lang="en-GB" dirty="0"/>
+          </a:p>
+        </p:txBody>
+      </p:sp>
+      <p:pic>
+        <p:nvPicPr>
+          <p:cNvPr id="10" name="Content Placeholder 9" descr="A orange person icon on a black background&#10;&#10;Description automatically generated">
+            <a:extLst>
+              <a:ext uri="{FF2B5EF4-FFF2-40B4-BE49-F238E27FC236}">
+                <a16:creationId xmlns:a16="http://schemas.microsoft.com/office/drawing/2014/main" id="{38646510-4EE7-3761-645E-F40B0AA2764E}"/>
+              </a:ext>
+            </a:extLst>
+          </p:cNvPr>
+          <p:cNvPicPr>
+            <a:picLocks noGrp="1" noChangeAspect="1"/>
+          </p:cNvPicPr>
+          <p:nvPr>
+            <p:ph idx="1"/>
+          </p:nvPr>
+        </p:nvPicPr>
+        <p:blipFill>
+          <a:blip r:embed="rId2"/>
+          <a:stretch>
+            <a:fillRect/>
+          </a:stretch>
+        </p:blipFill>
+        <p:spPr>
+          <a:xfrm>
+            <a:off x="1185214" y="2127938"/>
+            <a:ext cx="516141" cy="516141"/>
+          </a:xfrm>
+        </p:spPr>
+      </p:pic>
+      <p:pic>
+        <p:nvPicPr>
+          <p:cNvPr id="12" name="Picture 11" descr="A white table with legs&#10;&#10;Description automatically generated">
+            <a:extLst>
+              <a:ext uri="{FF2B5EF4-FFF2-40B4-BE49-F238E27FC236}">
+                <a16:creationId xmlns:a16="http://schemas.microsoft.com/office/drawing/2014/main" id="{FC67ADE5-B54C-6B6C-E276-321BD05B83AB}"/>
+              </a:ext>
+            </a:extLst>
+          </p:cNvPr>
+          <p:cNvPicPr>
+            <a:picLocks noChangeAspect="1"/>
+          </p:cNvPicPr>
+          <p:nvPr/>
+        </p:nvPicPr>
+        <p:blipFill>
+          <a:blip r:embed="rId3"/>
+          <a:stretch>
+            <a:fillRect/>
+          </a:stretch>
+        </p:blipFill>
+        <p:spPr>
+          <a:xfrm>
+            <a:off x="1595535" y="2367348"/>
+            <a:ext cx="1035698" cy="1035698"/>
+          </a:xfrm>
+          <a:prstGeom prst="rect">
+            <a:avLst/>
+          </a:prstGeom>
+        </p:spPr>
+      </p:pic>
+      <p:pic>
+        <p:nvPicPr>
+          <p:cNvPr id="13" name="Content Placeholder 9" descr="A orange person icon on a black background&#10;&#10;Description automatically generated">
+            <a:extLst>
+              <a:ext uri="{FF2B5EF4-FFF2-40B4-BE49-F238E27FC236}">
+                <a16:creationId xmlns:a16="http://schemas.microsoft.com/office/drawing/2014/main" id="{1E08065A-B4DA-E9EA-3B24-BF5AFB5BB354}"/>
+              </a:ext>
+            </a:extLst>
+          </p:cNvPr>
+          <p:cNvPicPr>
+            <a:picLocks noChangeAspect="1"/>
+          </p:cNvPicPr>
+          <p:nvPr/>
+        </p:nvPicPr>
+        <p:blipFill>
+          <a:blip r:embed="rId2"/>
+          <a:stretch>
+            <a:fillRect/>
+          </a:stretch>
+        </p:blipFill>
+        <p:spPr>
+          <a:xfrm>
+            <a:off x="1175884" y="2785936"/>
+            <a:ext cx="516141" cy="516141"/>
+          </a:xfrm>
+          <a:prstGeom prst="rect">
+            <a:avLst/>
+          </a:prstGeom>
+        </p:spPr>
+      </p:pic>
+      <p:pic>
+        <p:nvPicPr>
+          <p:cNvPr id="14" name="Content Placeholder 9" descr="A orange person icon on a black background&#10;&#10;Description automatically generated">
+            <a:extLst>
+              <a:ext uri="{FF2B5EF4-FFF2-40B4-BE49-F238E27FC236}">
+                <a16:creationId xmlns:a16="http://schemas.microsoft.com/office/drawing/2014/main" id="{DFBF8B2E-81E3-4386-84EE-099FE0501CD1}"/>
+              </a:ext>
+            </a:extLst>
+          </p:cNvPr>
+          <p:cNvPicPr>
+            <a:picLocks noChangeAspect="1"/>
+          </p:cNvPicPr>
+          <p:nvPr/>
+        </p:nvPicPr>
+        <p:blipFill>
+          <a:blip r:embed="rId2"/>
+          <a:stretch>
+            <a:fillRect/>
+          </a:stretch>
+        </p:blipFill>
+        <p:spPr>
+          <a:xfrm>
+            <a:off x="2699508" y="2022267"/>
+            <a:ext cx="516141" cy="516141"/>
+          </a:xfrm>
+          <a:prstGeom prst="rect">
+            <a:avLst/>
+          </a:prstGeom>
+        </p:spPr>
+      </p:pic>
+      <p:pic>
+        <p:nvPicPr>
+          <p:cNvPr id="15" name="Content Placeholder 9" descr="A orange person icon on a black background&#10;&#10;Description automatically generated">
+            <a:extLst>
+              <a:ext uri="{FF2B5EF4-FFF2-40B4-BE49-F238E27FC236}">
+                <a16:creationId xmlns:a16="http://schemas.microsoft.com/office/drawing/2014/main" id="{FC488867-6C3C-727B-F47D-BE4BC730C5D3}"/>
+              </a:ext>
+            </a:extLst>
+          </p:cNvPr>
+          <p:cNvPicPr>
+            <a:picLocks noChangeAspect="1"/>
+          </p:cNvPicPr>
+          <p:nvPr/>
+        </p:nvPicPr>
+        <p:blipFill>
+          <a:blip r:embed="rId2"/>
+          <a:stretch>
+            <a:fillRect/>
+          </a:stretch>
+        </p:blipFill>
+        <p:spPr>
+          <a:xfrm>
+            <a:off x="2699507" y="2644079"/>
+            <a:ext cx="516141" cy="516141"/>
+          </a:xfrm>
+          <a:prstGeom prst="rect">
+            <a:avLst/>
+          </a:prstGeom>
+        </p:spPr>
+      </p:pic>
+      <p:pic>
+        <p:nvPicPr>
+          <p:cNvPr id="17" name="Picture 16" descr="A yellow square with black corner&#10;&#10;Description automatically generated">
+            <a:extLst>
+              <a:ext uri="{FF2B5EF4-FFF2-40B4-BE49-F238E27FC236}">
+                <a16:creationId xmlns:a16="http://schemas.microsoft.com/office/drawing/2014/main" id="{39CAA73A-B77F-A0C4-D1D1-7F76AC2BB960}"/>
+              </a:ext>
+            </a:extLst>
+          </p:cNvPr>
+          <p:cNvPicPr>
+            <a:picLocks noChangeAspect="1"/>
+          </p:cNvPicPr>
+          <p:nvPr/>
+        </p:nvPicPr>
+        <p:blipFill>
+          <a:blip r:embed="rId4"/>
+          <a:stretch>
+            <a:fillRect/>
+          </a:stretch>
+        </p:blipFill>
+        <p:spPr>
+          <a:xfrm>
+            <a:off x="1760300" y="2421327"/>
+            <a:ext cx="180506" cy="180506"/>
+          </a:xfrm>
+          <a:prstGeom prst="rect">
+            <a:avLst/>
+          </a:prstGeom>
+        </p:spPr>
+      </p:pic>
+      <p:pic>
+        <p:nvPicPr>
+          <p:cNvPr id="18" name="Content Placeholder 9" descr="A orange person icon on a black background&#10;&#10;Description automatically generated">
+            <a:extLst>
+              <a:ext uri="{FF2B5EF4-FFF2-40B4-BE49-F238E27FC236}">
+                <a16:creationId xmlns:a16="http://schemas.microsoft.com/office/drawing/2014/main" id="{691DC06F-2D2E-489F-84B2-27D720352CAC}"/>
+              </a:ext>
+            </a:extLst>
+          </p:cNvPr>
+          <p:cNvPicPr>
+            <a:picLocks noChangeAspect="1"/>
+          </p:cNvPicPr>
+          <p:nvPr/>
+        </p:nvPicPr>
+        <p:blipFill>
+          <a:blip r:embed="rId2"/>
+          <a:stretch>
+            <a:fillRect/>
+          </a:stretch>
+        </p:blipFill>
+        <p:spPr>
+          <a:xfrm>
+            <a:off x="4649981" y="1337441"/>
+            <a:ext cx="516141" cy="516141"/>
+          </a:xfrm>
+          <a:prstGeom prst="rect">
+            <a:avLst/>
+          </a:prstGeom>
+        </p:spPr>
+      </p:pic>
+      <p:pic>
+        <p:nvPicPr>
+          <p:cNvPr id="19" name="Picture 18" descr="A white table with legs&#10;&#10;Description automatically generated">
+            <a:extLst>
+              <a:ext uri="{FF2B5EF4-FFF2-40B4-BE49-F238E27FC236}">
+                <a16:creationId xmlns:a16="http://schemas.microsoft.com/office/drawing/2014/main" id="{92FE1E18-6C95-7A4B-C962-08B08576FB73}"/>
+              </a:ext>
+            </a:extLst>
+          </p:cNvPr>
+          <p:cNvPicPr>
+            <a:picLocks noChangeAspect="1"/>
+          </p:cNvPicPr>
+          <p:nvPr/>
+        </p:nvPicPr>
+        <p:blipFill>
+          <a:blip r:embed="rId3"/>
+          <a:stretch>
+            <a:fillRect/>
+          </a:stretch>
+        </p:blipFill>
+        <p:spPr>
+          <a:xfrm>
+            <a:off x="5060302" y="1576851"/>
+            <a:ext cx="1035698" cy="1035698"/>
+          </a:xfrm>
+          <a:prstGeom prst="rect">
+            <a:avLst/>
+          </a:prstGeom>
+        </p:spPr>
+      </p:pic>
+      <p:pic>
+        <p:nvPicPr>
+          <p:cNvPr id="20" name="Content Placeholder 9" descr="A orange person icon on a black background&#10;&#10;Description automatically generated">
+            <a:extLst>
+              <a:ext uri="{FF2B5EF4-FFF2-40B4-BE49-F238E27FC236}">
+                <a16:creationId xmlns:a16="http://schemas.microsoft.com/office/drawing/2014/main" id="{6243CCC6-A038-CBD0-A879-5E232E9D6A9F}"/>
+              </a:ext>
+            </a:extLst>
+          </p:cNvPr>
+          <p:cNvPicPr>
+            <a:picLocks noChangeAspect="1"/>
+          </p:cNvPicPr>
+          <p:nvPr/>
+        </p:nvPicPr>
+        <p:blipFill>
+          <a:blip r:embed="rId2"/>
+          <a:stretch>
+            <a:fillRect/>
+          </a:stretch>
+        </p:blipFill>
+        <p:spPr>
+          <a:xfrm>
+            <a:off x="4640651" y="1995439"/>
+            <a:ext cx="516141" cy="516141"/>
+          </a:xfrm>
+          <a:prstGeom prst="rect">
+            <a:avLst/>
+          </a:prstGeom>
+        </p:spPr>
+      </p:pic>
+      <p:pic>
+        <p:nvPicPr>
+          <p:cNvPr id="21" name="Content Placeholder 9" descr="A orange person icon on a black background&#10;&#10;Description automatically generated">
+            <a:extLst>
+              <a:ext uri="{FF2B5EF4-FFF2-40B4-BE49-F238E27FC236}">
+                <a16:creationId xmlns:a16="http://schemas.microsoft.com/office/drawing/2014/main" id="{F522A70D-7B0C-BD75-071A-AEA370A17187}"/>
+              </a:ext>
+            </a:extLst>
+          </p:cNvPr>
+          <p:cNvPicPr>
+            <a:picLocks noChangeAspect="1"/>
+          </p:cNvPicPr>
+          <p:nvPr/>
+        </p:nvPicPr>
+        <p:blipFill>
+          <a:blip r:embed="rId2"/>
+          <a:stretch>
+            <a:fillRect/>
+          </a:stretch>
+        </p:blipFill>
+        <p:spPr>
+          <a:xfrm>
+            <a:off x="6164275" y="1231770"/>
+            <a:ext cx="516141" cy="516141"/>
+          </a:xfrm>
+          <a:prstGeom prst="rect">
+            <a:avLst/>
+          </a:prstGeom>
+        </p:spPr>
+      </p:pic>
+      <p:pic>
+        <p:nvPicPr>
+          <p:cNvPr id="22" name="Content Placeholder 9" descr="A orange person icon on a black background&#10;&#10;Description automatically generated">
+            <a:extLst>
+              <a:ext uri="{FF2B5EF4-FFF2-40B4-BE49-F238E27FC236}">
+                <a16:creationId xmlns:a16="http://schemas.microsoft.com/office/drawing/2014/main" id="{5C06B3F2-9112-1F00-B852-EDB13D30D248}"/>
+              </a:ext>
+            </a:extLst>
+          </p:cNvPr>
+          <p:cNvPicPr>
+            <a:picLocks noChangeAspect="1"/>
+          </p:cNvPicPr>
+          <p:nvPr/>
+        </p:nvPicPr>
+        <p:blipFill>
+          <a:blip r:embed="rId2"/>
+          <a:stretch>
+            <a:fillRect/>
+          </a:stretch>
+        </p:blipFill>
+        <p:spPr>
+          <a:xfrm>
+            <a:off x="6164274" y="1853582"/>
+            <a:ext cx="516141" cy="516141"/>
+          </a:xfrm>
+          <a:prstGeom prst="rect">
+            <a:avLst/>
+          </a:prstGeom>
+        </p:spPr>
+      </p:pic>
+      <p:pic>
+        <p:nvPicPr>
+          <p:cNvPr id="23" name="Content Placeholder 9" descr="A orange person icon on a black background&#10;&#10;Description automatically generated">
+            <a:extLst>
+              <a:ext uri="{FF2B5EF4-FFF2-40B4-BE49-F238E27FC236}">
+                <a16:creationId xmlns:a16="http://schemas.microsoft.com/office/drawing/2014/main" id="{4DE81DD0-B13A-B2BB-64A5-844A95DF0CD1}"/>
+              </a:ext>
+            </a:extLst>
+          </p:cNvPr>
+          <p:cNvPicPr>
+            <a:picLocks noChangeAspect="1"/>
+          </p:cNvPicPr>
+          <p:nvPr/>
+        </p:nvPicPr>
+        <p:blipFill>
+          <a:blip r:embed="rId2"/>
+          <a:stretch>
+            <a:fillRect/>
+          </a:stretch>
+        </p:blipFill>
+        <p:spPr>
+          <a:xfrm>
+            <a:off x="7743079" y="3036801"/>
+            <a:ext cx="516141" cy="516141"/>
+          </a:xfrm>
+          <a:prstGeom prst="rect">
+            <a:avLst/>
+          </a:prstGeom>
+        </p:spPr>
+      </p:pic>
+      <p:pic>
+        <p:nvPicPr>
+          <p:cNvPr id="24" name="Picture 23" descr="A white table with legs&#10;&#10;Description automatically generated">
+            <a:extLst>
+              <a:ext uri="{FF2B5EF4-FFF2-40B4-BE49-F238E27FC236}">
+                <a16:creationId xmlns:a16="http://schemas.microsoft.com/office/drawing/2014/main" id="{0F2BB15A-3D15-6DF8-F781-BD9470E1710E}"/>
+              </a:ext>
+            </a:extLst>
+          </p:cNvPr>
+          <p:cNvPicPr>
+            <a:picLocks noChangeAspect="1"/>
+          </p:cNvPicPr>
+          <p:nvPr/>
+        </p:nvPicPr>
+        <p:blipFill>
+          <a:blip r:embed="rId3"/>
+          <a:stretch>
+            <a:fillRect/>
+          </a:stretch>
+        </p:blipFill>
+        <p:spPr>
+          <a:xfrm>
+            <a:off x="8153400" y="3276211"/>
+            <a:ext cx="1035698" cy="1035698"/>
+          </a:xfrm>
+          <a:prstGeom prst="rect">
+            <a:avLst/>
+          </a:prstGeom>
+        </p:spPr>
+      </p:pic>
+      <p:pic>
+        <p:nvPicPr>
+          <p:cNvPr id="25" name="Content Placeholder 9" descr="A orange person icon on a black background&#10;&#10;Description automatically generated">
+            <a:extLst>
+              <a:ext uri="{FF2B5EF4-FFF2-40B4-BE49-F238E27FC236}">
+                <a16:creationId xmlns:a16="http://schemas.microsoft.com/office/drawing/2014/main" id="{AAE64FA3-9888-D1F7-EFC4-507FBF7C275E}"/>
+              </a:ext>
+            </a:extLst>
+          </p:cNvPr>
+          <p:cNvPicPr>
+            <a:picLocks noChangeAspect="1"/>
+          </p:cNvPicPr>
+          <p:nvPr/>
+        </p:nvPicPr>
+        <p:blipFill>
+          <a:blip r:embed="rId2"/>
+          <a:stretch>
+            <a:fillRect/>
+          </a:stretch>
+        </p:blipFill>
+        <p:spPr>
+          <a:xfrm>
+            <a:off x="7733749" y="3694799"/>
+            <a:ext cx="516141" cy="516141"/>
+          </a:xfrm>
+          <a:prstGeom prst="rect">
+            <a:avLst/>
+          </a:prstGeom>
+        </p:spPr>
+      </p:pic>
+      <p:pic>
+        <p:nvPicPr>
+          <p:cNvPr id="26" name="Content Placeholder 9" descr="A orange person icon on a black background&#10;&#10;Description automatically generated">
+            <a:extLst>
+              <a:ext uri="{FF2B5EF4-FFF2-40B4-BE49-F238E27FC236}">
+                <a16:creationId xmlns:a16="http://schemas.microsoft.com/office/drawing/2014/main" id="{2FA98432-7002-EC0A-CF70-9A74457D1A12}"/>
+              </a:ext>
+            </a:extLst>
+          </p:cNvPr>
+          <p:cNvPicPr>
+            <a:picLocks noChangeAspect="1"/>
+          </p:cNvPicPr>
+          <p:nvPr/>
+        </p:nvPicPr>
+        <p:blipFill>
+          <a:blip r:embed="rId2"/>
+          <a:stretch>
+            <a:fillRect/>
+          </a:stretch>
+        </p:blipFill>
+        <p:spPr>
+          <a:xfrm>
+            <a:off x="9257373" y="2931130"/>
+            <a:ext cx="516141" cy="516141"/>
+          </a:xfrm>
+          <a:prstGeom prst="rect">
+            <a:avLst/>
+          </a:prstGeom>
+        </p:spPr>
+      </p:pic>
+      <p:pic>
+        <p:nvPicPr>
+          <p:cNvPr id="27" name="Content Placeholder 9" descr="A orange person icon on a black background&#10;&#10;Description automatically generated">
+            <a:extLst>
+              <a:ext uri="{FF2B5EF4-FFF2-40B4-BE49-F238E27FC236}">
+                <a16:creationId xmlns:a16="http://schemas.microsoft.com/office/drawing/2014/main" id="{4CB400D9-2B06-E6C8-ABCD-23F50516FB55}"/>
+              </a:ext>
+            </a:extLst>
+          </p:cNvPr>
+          <p:cNvPicPr>
+            <a:picLocks noChangeAspect="1"/>
+          </p:cNvPicPr>
+          <p:nvPr/>
+        </p:nvPicPr>
+        <p:blipFill>
+          <a:blip r:embed="rId2"/>
+          <a:stretch>
+            <a:fillRect/>
+          </a:stretch>
+        </p:blipFill>
+        <p:spPr>
+          <a:xfrm>
+            <a:off x="9257372" y="3552942"/>
+            <a:ext cx="516141" cy="516141"/>
+          </a:xfrm>
+          <a:prstGeom prst="rect">
+            <a:avLst/>
+          </a:prstGeom>
+        </p:spPr>
+      </p:pic>
+      <p:pic>
+        <p:nvPicPr>
+          <p:cNvPr id="28" name="Content Placeholder 9" descr="A orange person icon on a black background&#10;&#10;Description automatically generated">
+            <a:extLst>
+              <a:ext uri="{FF2B5EF4-FFF2-40B4-BE49-F238E27FC236}">
+                <a16:creationId xmlns:a16="http://schemas.microsoft.com/office/drawing/2014/main" id="{A9BE9B02-5D85-8A6B-1FC6-842F64088838}"/>
+              </a:ext>
+            </a:extLst>
+          </p:cNvPr>
+          <p:cNvPicPr>
+            <a:picLocks noChangeAspect="1"/>
+          </p:cNvPicPr>
+          <p:nvPr/>
+        </p:nvPicPr>
+        <p:blipFill>
+          <a:blip r:embed="rId2"/>
+          <a:stretch>
+            <a:fillRect/>
+          </a:stretch>
+        </p:blipFill>
+        <p:spPr>
+          <a:xfrm>
+            <a:off x="3203962" y="4108255"/>
+            <a:ext cx="516141" cy="516141"/>
+          </a:xfrm>
+          <a:prstGeom prst="rect">
+            <a:avLst/>
+          </a:prstGeom>
+        </p:spPr>
+      </p:pic>
+      <p:pic>
+        <p:nvPicPr>
+          <p:cNvPr id="29" name="Picture 28" descr="A white table with legs&#10;&#10;Description automatically generated">
+            <a:extLst>
+              <a:ext uri="{FF2B5EF4-FFF2-40B4-BE49-F238E27FC236}">
+                <a16:creationId xmlns:a16="http://schemas.microsoft.com/office/drawing/2014/main" id="{6A231D30-82D5-78F5-61DE-7D2EC0BC9AA1}"/>
+              </a:ext>
+            </a:extLst>
+          </p:cNvPr>
+          <p:cNvPicPr>
+            <a:picLocks noChangeAspect="1"/>
+          </p:cNvPicPr>
+          <p:nvPr/>
+        </p:nvPicPr>
+        <p:blipFill>
+          <a:blip r:embed="rId3"/>
+          <a:stretch>
+            <a:fillRect/>
+          </a:stretch>
+        </p:blipFill>
+        <p:spPr>
+          <a:xfrm>
+            <a:off x="3614283" y="4347665"/>
+            <a:ext cx="1035698" cy="1035698"/>
+          </a:xfrm>
+          <a:prstGeom prst="rect">
+            <a:avLst/>
+          </a:prstGeom>
+        </p:spPr>
+      </p:pic>
+      <p:pic>
+        <p:nvPicPr>
+          <p:cNvPr id="30" name="Content Placeholder 9" descr="A orange person icon on a black background&#10;&#10;Description automatically generated">
+            <a:extLst>
+              <a:ext uri="{FF2B5EF4-FFF2-40B4-BE49-F238E27FC236}">
+                <a16:creationId xmlns:a16="http://schemas.microsoft.com/office/drawing/2014/main" id="{ABEDD7C1-E86D-885E-973F-442F3C6EB88A}"/>
+              </a:ext>
+            </a:extLst>
+          </p:cNvPr>
+          <p:cNvPicPr>
+            <a:picLocks noChangeAspect="1"/>
+          </p:cNvPicPr>
+          <p:nvPr/>
+        </p:nvPicPr>
+        <p:blipFill>
+          <a:blip r:embed="rId2"/>
+          <a:stretch>
+            <a:fillRect/>
+          </a:stretch>
+        </p:blipFill>
+        <p:spPr>
+          <a:xfrm>
+            <a:off x="3194632" y="4766253"/>
+            <a:ext cx="516141" cy="516141"/>
+          </a:xfrm>
+          <a:prstGeom prst="rect">
+            <a:avLst/>
+          </a:prstGeom>
+        </p:spPr>
+      </p:pic>
+      <p:pic>
+        <p:nvPicPr>
+          <p:cNvPr id="31" name="Content Placeholder 9" descr="A orange person icon on a black background&#10;&#10;Description automatically generated">
+            <a:extLst>
+              <a:ext uri="{FF2B5EF4-FFF2-40B4-BE49-F238E27FC236}">
+                <a16:creationId xmlns:a16="http://schemas.microsoft.com/office/drawing/2014/main" id="{E111F915-49E1-AD18-1DFF-6A8454FC48F0}"/>
+              </a:ext>
+            </a:extLst>
+          </p:cNvPr>
+          <p:cNvPicPr>
+            <a:picLocks noChangeAspect="1"/>
+          </p:cNvPicPr>
+          <p:nvPr/>
+        </p:nvPicPr>
+        <p:blipFill>
+          <a:blip r:embed="rId2"/>
+          <a:stretch>
+            <a:fillRect/>
+          </a:stretch>
+        </p:blipFill>
+        <p:spPr>
+          <a:xfrm>
+            <a:off x="4718256" y="4002584"/>
+            <a:ext cx="516141" cy="516141"/>
+          </a:xfrm>
+          <a:prstGeom prst="rect">
+            <a:avLst/>
+          </a:prstGeom>
+        </p:spPr>
+      </p:pic>
+      <p:pic>
+        <p:nvPicPr>
+          <p:cNvPr id="32" name="Content Placeholder 9" descr="A orange person icon on a black background&#10;&#10;Description automatically generated">
+            <a:extLst>
+              <a:ext uri="{FF2B5EF4-FFF2-40B4-BE49-F238E27FC236}">
+                <a16:creationId xmlns:a16="http://schemas.microsoft.com/office/drawing/2014/main" id="{A2B34762-2F8F-8FD9-62C9-699BCD5D9288}"/>
+              </a:ext>
+            </a:extLst>
+          </p:cNvPr>
+          <p:cNvPicPr>
+            <a:picLocks noChangeAspect="1"/>
+          </p:cNvPicPr>
+          <p:nvPr/>
+        </p:nvPicPr>
+        <p:blipFill>
+          <a:blip r:embed="rId2"/>
+          <a:stretch>
+            <a:fillRect/>
+          </a:stretch>
+        </p:blipFill>
+        <p:spPr>
+          <a:xfrm>
+            <a:off x="4718255" y="4624396"/>
+            <a:ext cx="516141" cy="516141"/>
+          </a:xfrm>
+          <a:prstGeom prst="rect">
+            <a:avLst/>
+          </a:prstGeom>
+        </p:spPr>
+      </p:pic>
+      <p:pic>
+        <p:nvPicPr>
+          <p:cNvPr id="6" name="Picture 5" descr="A yellow square with black corner&#10;&#10;Description automatically generated">
+            <a:extLst>
+              <a:ext uri="{FF2B5EF4-FFF2-40B4-BE49-F238E27FC236}">
+                <a16:creationId xmlns:a16="http://schemas.microsoft.com/office/drawing/2014/main" id="{814DC2CA-0058-83C9-2184-EA528C9E2B67}"/>
+              </a:ext>
+            </a:extLst>
+          </p:cNvPr>
+          <p:cNvPicPr>
+            <a:picLocks noChangeAspect="1"/>
+          </p:cNvPicPr>
+          <p:nvPr/>
+        </p:nvPicPr>
+        <p:blipFill>
+          <a:blip r:embed="rId4"/>
+          <a:stretch>
+            <a:fillRect/>
+          </a:stretch>
+        </p:blipFill>
+        <p:spPr>
+          <a:xfrm>
+            <a:off x="2270204" y="2545789"/>
+            <a:ext cx="180506" cy="180506"/>
+          </a:xfrm>
+          <a:prstGeom prst="rect">
+            <a:avLst/>
+          </a:prstGeom>
+        </p:spPr>
+      </p:pic>
+      <p:pic>
+        <p:nvPicPr>
+          <p:cNvPr id="7" name="Picture 6" descr="A yellow square with black corner&#10;&#10;Description automatically generated">
+            <a:extLst>
+              <a:ext uri="{FF2B5EF4-FFF2-40B4-BE49-F238E27FC236}">
+                <a16:creationId xmlns:a16="http://schemas.microsoft.com/office/drawing/2014/main" id="{9D30ABC3-B623-762F-BC22-CFEDD3957417}"/>
+              </a:ext>
+            </a:extLst>
+          </p:cNvPr>
+          <p:cNvPicPr>
+            <a:picLocks noChangeAspect="1"/>
+          </p:cNvPicPr>
+          <p:nvPr/>
+        </p:nvPicPr>
+        <p:blipFill>
+          <a:blip r:embed="rId4"/>
+          <a:stretch>
+            <a:fillRect/>
+          </a:stretch>
+        </p:blipFill>
+        <p:spPr>
+          <a:xfrm>
+            <a:off x="3720103" y="4428472"/>
+            <a:ext cx="180506" cy="180506"/>
+          </a:xfrm>
+          <a:prstGeom prst="rect">
+            <a:avLst/>
+          </a:prstGeom>
+        </p:spPr>
+      </p:pic>
+      <p:pic>
+        <p:nvPicPr>
+          <p:cNvPr id="8" name="Picture 7" descr="A yellow square with black corner&#10;&#10;Description automatically generated">
+            <a:extLst>
+              <a:ext uri="{FF2B5EF4-FFF2-40B4-BE49-F238E27FC236}">
+                <a16:creationId xmlns:a16="http://schemas.microsoft.com/office/drawing/2014/main" id="{5A441414-33BA-9821-055A-C247E3BA197D}"/>
+              </a:ext>
+            </a:extLst>
+          </p:cNvPr>
+          <p:cNvPicPr>
+            <a:picLocks noChangeAspect="1"/>
+          </p:cNvPicPr>
+          <p:nvPr/>
+        </p:nvPicPr>
+        <p:blipFill>
+          <a:blip r:embed="rId4"/>
+          <a:stretch>
+            <a:fillRect/>
+          </a:stretch>
+        </p:blipFill>
+        <p:spPr>
+          <a:xfrm>
+            <a:off x="4333731" y="4554239"/>
+            <a:ext cx="180506" cy="180506"/>
+          </a:xfrm>
+          <a:prstGeom prst="rect">
+            <a:avLst/>
+          </a:prstGeom>
+        </p:spPr>
+      </p:pic>
+      <p:pic>
+        <p:nvPicPr>
+          <p:cNvPr id="9" name="Picture 8" descr="A yellow square with black corner&#10;&#10;Description automatically generated">
+            <a:extLst>
+              <a:ext uri="{FF2B5EF4-FFF2-40B4-BE49-F238E27FC236}">
+                <a16:creationId xmlns:a16="http://schemas.microsoft.com/office/drawing/2014/main" id="{D41D0BEC-D11D-83E9-3865-F0D11F09B365}"/>
+              </a:ext>
+            </a:extLst>
+          </p:cNvPr>
+          <p:cNvPicPr>
+            <a:picLocks noChangeAspect="1"/>
+          </p:cNvPicPr>
+          <p:nvPr/>
+        </p:nvPicPr>
+        <p:blipFill>
+          <a:blip r:embed="rId4"/>
+          <a:stretch>
+            <a:fillRect/>
+          </a:stretch>
+        </p:blipFill>
+        <p:spPr>
+          <a:xfrm>
+            <a:off x="5242788" y="1880859"/>
+            <a:ext cx="180506" cy="180506"/>
+          </a:xfrm>
+          <a:prstGeom prst="rect">
+            <a:avLst/>
+          </a:prstGeom>
+        </p:spPr>
+      </p:pic>
+      <p:pic>
+        <p:nvPicPr>
+          <p:cNvPr id="11" name="Picture 10" descr="A yellow square with black corner&#10;&#10;Description automatically generated">
+            <a:extLst>
+              <a:ext uri="{FF2B5EF4-FFF2-40B4-BE49-F238E27FC236}">
+                <a16:creationId xmlns:a16="http://schemas.microsoft.com/office/drawing/2014/main" id="{7167D22F-7401-A968-70E3-24108E3C9927}"/>
+              </a:ext>
+            </a:extLst>
+          </p:cNvPr>
+          <p:cNvPicPr>
+            <a:picLocks noChangeAspect="1"/>
+          </p:cNvPicPr>
+          <p:nvPr/>
+        </p:nvPicPr>
+        <p:blipFill>
+          <a:blip r:embed="rId4"/>
+          <a:stretch>
+            <a:fillRect/>
+          </a:stretch>
+        </p:blipFill>
+        <p:spPr>
+          <a:xfrm>
+            <a:off x="5859378" y="1690688"/>
+            <a:ext cx="180506" cy="180506"/>
+          </a:xfrm>
+          <a:prstGeom prst="rect">
+            <a:avLst/>
+          </a:prstGeom>
+        </p:spPr>
+      </p:pic>
+      <p:pic>
+        <p:nvPicPr>
+          <p:cNvPr id="16" name="Picture 15" descr="A yellow square with black corner&#10;&#10;Description automatically generated">
+            <a:extLst>
+              <a:ext uri="{FF2B5EF4-FFF2-40B4-BE49-F238E27FC236}">
+                <a16:creationId xmlns:a16="http://schemas.microsoft.com/office/drawing/2014/main" id="{80727FE0-D01F-5816-65E0-843F36041101}"/>
+              </a:ext>
+            </a:extLst>
+          </p:cNvPr>
+          <p:cNvPicPr>
+            <a:picLocks noChangeAspect="1"/>
+          </p:cNvPicPr>
+          <p:nvPr/>
+        </p:nvPicPr>
+        <p:blipFill>
+          <a:blip r:embed="rId4"/>
+          <a:stretch>
+            <a:fillRect/>
+          </a:stretch>
+        </p:blipFill>
+        <p:spPr>
+          <a:xfrm>
+            <a:off x="8259220" y="3326684"/>
+            <a:ext cx="180506" cy="180506"/>
+          </a:xfrm>
+          <a:prstGeom prst="rect">
+            <a:avLst/>
+          </a:prstGeom>
+        </p:spPr>
+      </p:pic>
+      <p:pic>
+        <p:nvPicPr>
+          <p:cNvPr id="33" name="Picture 32" descr="A yellow square with black corner&#10;&#10;Description automatically generated">
+            <a:extLst>
+              <a:ext uri="{FF2B5EF4-FFF2-40B4-BE49-F238E27FC236}">
+                <a16:creationId xmlns:a16="http://schemas.microsoft.com/office/drawing/2014/main" id="{6CF8496E-96B8-8BB7-825A-FFC4B35DE210}"/>
+              </a:ext>
+            </a:extLst>
+          </p:cNvPr>
+          <p:cNvPicPr>
+            <a:picLocks noChangeAspect="1"/>
+          </p:cNvPicPr>
+          <p:nvPr/>
+        </p:nvPicPr>
+        <p:blipFill>
+          <a:blip r:embed="rId4"/>
+          <a:stretch>
+            <a:fillRect/>
+          </a:stretch>
+        </p:blipFill>
+        <p:spPr>
+          <a:xfrm>
+            <a:off x="8859377" y="3462689"/>
+            <a:ext cx="180506" cy="180506"/>
+          </a:xfrm>
+          <a:prstGeom prst="rect">
+            <a:avLst/>
+          </a:prstGeom>
+        </p:spPr>
+      </p:pic>
+      <p:pic>
+        <p:nvPicPr>
+          <p:cNvPr id="34" name="Picture 33" descr="A yellow square with black corner&#10;&#10;Description automatically generated">
+            <a:extLst>
+              <a:ext uri="{FF2B5EF4-FFF2-40B4-BE49-F238E27FC236}">
+                <a16:creationId xmlns:a16="http://schemas.microsoft.com/office/drawing/2014/main" id="{C9B02747-A449-E245-137F-E464F7964B5E}"/>
+              </a:ext>
+            </a:extLst>
+          </p:cNvPr>
+          <p:cNvPicPr>
+            <a:picLocks noChangeAspect="1"/>
+          </p:cNvPicPr>
+          <p:nvPr/>
+        </p:nvPicPr>
+        <p:blipFill>
+          <a:blip r:embed="rId4"/>
+          <a:stretch>
+            <a:fillRect/>
+          </a:stretch>
+        </p:blipFill>
+        <p:spPr>
+          <a:xfrm>
+            <a:off x="8543653" y="3541754"/>
+            <a:ext cx="180506" cy="180506"/>
+          </a:xfrm>
+          <a:prstGeom prst="rect">
+            <a:avLst/>
+          </a:prstGeom>
+        </p:spPr>
+      </p:pic>
+      <p:pic>
+        <p:nvPicPr>
+          <p:cNvPr id="36" name="Picture 35" descr="A white screen with a black background&#10;&#10;Description automatically generated">
+            <a:extLst>
+              <a:ext uri="{FF2B5EF4-FFF2-40B4-BE49-F238E27FC236}">
+                <a16:creationId xmlns:a16="http://schemas.microsoft.com/office/drawing/2014/main" id="{36EE5BA2-F9F3-F16E-E873-1ECF86B1B8AC}"/>
+              </a:ext>
+            </a:extLst>
+          </p:cNvPr>
+          <p:cNvPicPr>
+            <a:picLocks noChangeAspect="1"/>
+          </p:cNvPicPr>
+          <p:nvPr/>
+        </p:nvPicPr>
+        <p:blipFill>
+          <a:blip r:embed="rId5"/>
+          <a:stretch>
+            <a:fillRect/>
+          </a:stretch>
+        </p:blipFill>
+        <p:spPr>
+          <a:xfrm>
+            <a:off x="8983979" y="380264"/>
+            <a:ext cx="2438095" cy="2438095"/>
+          </a:xfrm>
+          <a:prstGeom prst="rect">
+            <a:avLst/>
+          </a:prstGeom>
+        </p:spPr>
+      </p:pic>
+      <p:pic>
+        <p:nvPicPr>
+          <p:cNvPr id="37" name="Content Placeholder 9" descr="A orange person icon on a black background&#10;&#10;Description automatically generated">
+            <a:extLst>
+              <a:ext uri="{FF2B5EF4-FFF2-40B4-BE49-F238E27FC236}">
+                <a16:creationId xmlns:a16="http://schemas.microsoft.com/office/drawing/2014/main" id="{47F8D0E8-C2EC-2E87-CDE0-7BB263B79A46}"/>
+              </a:ext>
+            </a:extLst>
+          </p:cNvPr>
+          <p:cNvPicPr>
+            <a:picLocks noChangeAspect="1"/>
+          </p:cNvPicPr>
+          <p:nvPr/>
+        </p:nvPicPr>
+        <p:blipFill>
+          <a:blip r:embed="rId2"/>
+          <a:stretch>
+            <a:fillRect/>
+          </a:stretch>
+        </p:blipFill>
+        <p:spPr>
+          <a:xfrm>
+            <a:off x="8352529" y="1709238"/>
+            <a:ext cx="516141" cy="516141"/>
+          </a:xfrm>
+          <a:prstGeom prst="rect">
+            <a:avLst/>
+          </a:prstGeom>
+        </p:spPr>
+      </p:pic>
+      <p:pic>
+        <p:nvPicPr>
+          <p:cNvPr id="38" name="Picture 37" descr="A white line drawing of a question mark and speech bubbles&#10;&#10;Description automatically generated">
+            <a:extLst>
+              <a:ext uri="{FF2B5EF4-FFF2-40B4-BE49-F238E27FC236}">
+                <a16:creationId xmlns:a16="http://schemas.microsoft.com/office/drawing/2014/main" id="{04C7B81C-DB99-47F3-67E1-CCD29133C75F}"/>
+              </a:ext>
+            </a:extLst>
+          </p:cNvPr>
+          <p:cNvPicPr>
+            <a:picLocks noChangeAspect="1"/>
+          </p:cNvPicPr>
+          <p:nvPr/>
+        </p:nvPicPr>
+        <p:blipFill>
+          <a:blip r:embed="rId6"/>
+          <a:stretch>
+            <a:fillRect/>
+          </a:stretch>
+        </p:blipFill>
+        <p:spPr>
+          <a:xfrm>
+            <a:off x="9761142" y="997091"/>
+            <a:ext cx="883768" cy="883768"/>
+          </a:xfrm>
+          <a:prstGeom prst="rect">
+            <a:avLst/>
+          </a:prstGeom>
+        </p:spPr>
+      </p:pic>
+    </p:spTree>
+    <p:extLst>
+      <p:ext uri="{BB962C8B-B14F-4D97-AF65-F5344CB8AC3E}">
+        <p14:creationId xmlns:p14="http://schemas.microsoft.com/office/powerpoint/2010/main" val="3202464696"/>
       </p:ext>
     </p:extLst>
   </p:cSld>
